--- a/Design and Verification of Cache with Cache coherency.pptx
+++ b/Design and Verification of Cache with Cache coherency.pptx
@@ -2,26 +2,52 @@
 <file path=ppt/presentation.xml><?xml version="1.0" encoding="utf-8"?>
 <p:presentation xmlns:a="http://schemas.openxmlformats.org/drawingml/2006/main" xmlns:r="http://schemas.openxmlformats.org/officeDocument/2006/relationships" xmlns:p="http://schemas.openxmlformats.org/presentationml/2006/main" saveSubsetFonts="1">
   <p:sldMasterIdLst>
-    <p:sldMasterId id="2147483660" r:id="rId1"/>
+    <p:sldMasterId id="2147483708" r:id="rId1"/>
   </p:sldMasterIdLst>
   <p:sldIdLst>
     <p:sldId id="256" r:id="rId2"/>
     <p:sldId id="259" r:id="rId3"/>
-    <p:sldId id="257" r:id="rId4"/>
-    <p:sldId id="260" r:id="rId5"/>
-    <p:sldId id="261" r:id="rId6"/>
-    <p:sldId id="262" r:id="rId7"/>
-    <p:sldId id="263" r:id="rId8"/>
-    <p:sldId id="264" r:id="rId9"/>
-    <p:sldId id="265" r:id="rId10"/>
-    <p:sldId id="266" r:id="rId11"/>
-    <p:sldId id="268" r:id="rId12"/>
-    <p:sldId id="270" r:id="rId13"/>
-    <p:sldId id="267" r:id="rId14"/>
-    <p:sldId id="269" r:id="rId15"/>
-    <p:sldId id="271" r:id="rId16"/>
-    <p:sldId id="272" r:id="rId17"/>
-    <p:sldId id="273" r:id="rId18"/>
+    <p:sldId id="281" r:id="rId4"/>
+    <p:sldId id="257" r:id="rId5"/>
+    <p:sldId id="260" r:id="rId6"/>
+    <p:sldId id="280" r:id="rId7"/>
+    <p:sldId id="288" r:id="rId8"/>
+    <p:sldId id="283" r:id="rId9"/>
+    <p:sldId id="282" r:id="rId10"/>
+    <p:sldId id="284" r:id="rId11"/>
+    <p:sldId id="287" r:id="rId12"/>
+    <p:sldId id="286" r:id="rId13"/>
+    <p:sldId id="289" r:id="rId14"/>
+    <p:sldId id="296" r:id="rId15"/>
+    <p:sldId id="279" r:id="rId16"/>
+    <p:sldId id="290" r:id="rId17"/>
+    <p:sldId id="291" r:id="rId18"/>
+    <p:sldId id="293" r:id="rId19"/>
+    <p:sldId id="294" r:id="rId20"/>
+    <p:sldId id="295" r:id="rId21"/>
+    <p:sldId id="297" r:id="rId22"/>
+    <p:sldId id="298" r:id="rId23"/>
+    <p:sldId id="299" r:id="rId24"/>
+    <p:sldId id="300" r:id="rId25"/>
+    <p:sldId id="301" r:id="rId26"/>
+    <p:sldId id="303" r:id="rId27"/>
+    <p:sldId id="302" r:id="rId28"/>
+    <p:sldId id="304" r:id="rId29"/>
+    <p:sldId id="305" r:id="rId30"/>
+    <p:sldId id="306" r:id="rId31"/>
+    <p:sldId id="277" r:id="rId32"/>
+    <p:sldId id="292" r:id="rId33"/>
+    <p:sldId id="278" r:id="rId34"/>
+    <p:sldId id="263" r:id="rId35"/>
+    <p:sldId id="274" r:id="rId36"/>
+    <p:sldId id="266" r:id="rId37"/>
+    <p:sldId id="275" r:id="rId38"/>
+    <p:sldId id="276" r:id="rId39"/>
+    <p:sldId id="267" r:id="rId40"/>
+    <p:sldId id="269" r:id="rId41"/>
+    <p:sldId id="271" r:id="rId42"/>
+    <p:sldId id="272" r:id="rId43"/>
+    <p:sldId id="273" r:id="rId44"/>
   </p:sldIdLst>
   <p:sldSz cx="9144000" cy="6858000" type="screen4x3"/>
   <p:notesSz cx="6858000" cy="9144000"/>
@@ -127,16 +153,42 @@
           <p14:sldIdLst>
             <p14:sldId id="256"/>
             <p14:sldId id="259"/>
+            <p14:sldId id="281"/>
             <p14:sldId id="257"/>
             <p14:sldId id="260"/>
-            <p14:sldId id="261"/>
-            <p14:sldId id="262"/>
+            <p14:sldId id="280"/>
+            <p14:sldId id="288"/>
+            <p14:sldId id="283"/>
+            <p14:sldId id="282"/>
+            <p14:sldId id="284"/>
+            <p14:sldId id="287"/>
+            <p14:sldId id="286"/>
+            <p14:sldId id="289"/>
+            <p14:sldId id="296"/>
+            <p14:sldId id="279"/>
+            <p14:sldId id="290"/>
+            <p14:sldId id="291"/>
+            <p14:sldId id="293"/>
+            <p14:sldId id="294"/>
+            <p14:sldId id="295"/>
+            <p14:sldId id="297"/>
+            <p14:sldId id="298"/>
+            <p14:sldId id="299"/>
+            <p14:sldId id="300"/>
+            <p14:sldId id="301"/>
+            <p14:sldId id="303"/>
+            <p14:sldId id="302"/>
+            <p14:sldId id="304"/>
+            <p14:sldId id="305"/>
+            <p14:sldId id="306"/>
+            <p14:sldId id="277"/>
+            <p14:sldId id="292"/>
+            <p14:sldId id="278"/>
             <p14:sldId id="263"/>
-            <p14:sldId id="264"/>
-            <p14:sldId id="265"/>
+            <p14:sldId id="274"/>
             <p14:sldId id="266"/>
-            <p14:sldId id="268"/>
-            <p14:sldId id="270"/>
+            <p14:sldId id="275"/>
+            <p14:sldId id="276"/>
             <p14:sldId id="267"/>
             <p14:sldId id="269"/>
             <p14:sldId id="271"/>
@@ -151,7 +203,7 @@
 </file>
 
 <file path=ppt/slideLayouts/slideLayout1.xml><?xml version="1.0" encoding="utf-8"?>
-<p:sldLayout xmlns:a="http://schemas.openxmlformats.org/drawingml/2006/main" xmlns:r="http://schemas.openxmlformats.org/officeDocument/2006/relationships" xmlns:p="http://schemas.openxmlformats.org/presentationml/2006/main" type="title" preserve="1">
+<p:sldLayout xmlns:a="http://schemas.openxmlformats.org/drawingml/2006/main" xmlns:r="http://schemas.openxmlformats.org/officeDocument/2006/relationships" xmlns:p="http://schemas.openxmlformats.org/presentationml/2006/main" showMasterSp="0" type="title" preserve="1">
   <p:cSld name="Title Slide">
     <p:bg>
       <p:bgRef idx="1002">
@@ -174,6 +226,202 @@
       </p:grpSpPr>
       <p:sp>
         <p:nvSpPr>
+          <p:cNvPr id="7" name="Freeform 6"/>
+          <p:cNvSpPr>
+            <a:spLocks/>
+          </p:cNvSpPr>
+          <p:nvPr/>
+        </p:nvSpPr>
+        <p:spPr bwMode="auto">
+          <a:xfrm>
+            <a:off x="0" y="4752126"/>
+            <a:ext cx="9144000" cy="2112962"/>
+          </a:xfrm>
+          <a:custGeom>
+            <a:avLst>
+              <a:gd name="A1" fmla="val 0"/>
+              <a:gd name="A2" fmla="val 0"/>
+              <a:gd name="A3" fmla="val 0"/>
+              <a:gd name="A4" fmla="val 0"/>
+              <a:gd name="A5" fmla="val 0"/>
+              <a:gd name="A6" fmla="val 0"/>
+              <a:gd name="A7" fmla="val 0"/>
+              <a:gd name="A8" fmla="val 0"/>
+            </a:avLst>
+            <a:gdLst/>
+            <a:ahLst/>
+            <a:cxnLst>
+              <a:cxn ang="0">
+                <a:pos x="0" y="1066"/>
+              </a:cxn>
+              <a:cxn ang="0">
+                <a:pos x="0" y="1331"/>
+              </a:cxn>
+              <a:cxn ang="0">
+                <a:pos x="5760" y="1331"/>
+              </a:cxn>
+              <a:cxn ang="0">
+                <a:pos x="5760" y="0"/>
+              </a:cxn>
+              <a:cxn ang="0">
+                <a:pos x="0" y="1066"/>
+              </a:cxn>
+            </a:cxnLst>
+            <a:rect l="0" t="0" r="0" b="0"/>
+            <a:pathLst>
+              <a:path w="5760" h="1331">
+                <a:moveTo>
+                  <a:pt x="0" y="1066"/>
+                </a:moveTo>
+                <a:lnTo>
+                  <a:pt x="0" y="1331"/>
+                </a:lnTo>
+                <a:lnTo>
+                  <a:pt x="5760" y="1331"/>
+                </a:lnTo>
+                <a:lnTo>
+                  <a:pt x="5760" y="0"/>
+                </a:lnTo>
+                <a:cubicBezTo>
+                  <a:pt x="3220" y="1206"/>
+                  <a:pt x="2250" y="1146"/>
+                  <a:pt x="0" y="1066"/>
+                </a:cubicBezTo>
+                <a:close/>
+              </a:path>
+            </a:pathLst>
+          </a:custGeom>
+          <a:solidFill>
+            <a:schemeClr val="bg1">
+              <a:tint val="80000"/>
+              <a:satMod val="200000"/>
+              <a:alpha val="45000"/>
+            </a:schemeClr>
+          </a:solidFill>
+          <a:ln w="9525" cap="flat" cmpd="sng" algn="ctr">
+            <a:noFill/>
+            <a:prstDash val="solid"/>
+            <a:round/>
+            <a:headEnd type="none" w="med" len="med"/>
+            <a:tailEnd type="none" w="med" len="med"/>
+          </a:ln>
+          <a:effectLst>
+            <a:outerShdw blurRad="50800" dist="44450" dir="16200000" algn="ctr" rotWithShape="0">
+              <a:prstClr val="black">
+                <a:alpha val="35000"/>
+              </a:prstClr>
+            </a:outerShdw>
+          </a:effectLst>
+        </p:spPr>
+        <p:txBody>
+          <a:bodyPr vert="horz" wrap="square" lIns="91440" tIns="45720" rIns="91440" bIns="45720" anchor="t" compatLnSpc="1"/>
+          <a:lstStyle/>
+          <a:p>
+            <a:endParaRPr kumimoji="0" lang="en-US"/>
+          </a:p>
+        </p:txBody>
+      </p:sp>
+      <p:sp>
+        <p:nvSpPr>
+          <p:cNvPr id="8" name="Freeform 7"/>
+          <p:cNvSpPr>
+            <a:spLocks/>
+          </p:cNvSpPr>
+          <p:nvPr/>
+        </p:nvSpPr>
+        <p:spPr bwMode="auto">
+          <a:xfrm>
+            <a:off x="6105525" y="0"/>
+            <a:ext cx="3038475" cy="6858000"/>
+          </a:xfrm>
+          <a:custGeom>
+            <a:avLst/>
+            <a:gdLst>
+              <a:gd name="connsiteX0" fmla="*/ 1914 w 1914"/>
+              <a:gd name="connsiteY0" fmla="*/ 9 h 4329"/>
+              <a:gd name="connsiteX1" fmla="*/ 1914 w 1914"/>
+              <a:gd name="connsiteY1" fmla="*/ 4329 h 4329"/>
+              <a:gd name="connsiteX2" fmla="*/ 204 w 1914"/>
+              <a:gd name="connsiteY2" fmla="*/ 4327 h 4329"/>
+              <a:gd name="connsiteX3" fmla="*/ 0 w 1914"/>
+              <a:gd name="connsiteY3" fmla="*/ 0 h 4329"/>
+              <a:gd name="connsiteX4" fmla="*/ 1914 w 1914"/>
+              <a:gd name="connsiteY4" fmla="*/ 9 h 4329"/>
+            </a:gdLst>
+            <a:ahLst/>
+            <a:cxnLst>
+              <a:cxn ang="0">
+                <a:pos x="connsiteX0" y="connsiteY0"/>
+              </a:cxn>
+              <a:cxn ang="0">
+                <a:pos x="connsiteX1" y="connsiteY1"/>
+              </a:cxn>
+              <a:cxn ang="0">
+                <a:pos x="connsiteX2" y="connsiteY2"/>
+              </a:cxn>
+              <a:cxn ang="0">
+                <a:pos x="connsiteX3" y="connsiteY3"/>
+              </a:cxn>
+              <a:cxn ang="0">
+                <a:pos x="connsiteX4" y="connsiteY4"/>
+              </a:cxn>
+            </a:cxnLst>
+            <a:rect l="l" t="t" r="r" b="b"/>
+            <a:pathLst>
+              <a:path w="1914" h="4329">
+                <a:moveTo>
+                  <a:pt x="1914" y="9"/>
+                </a:moveTo>
+                <a:lnTo>
+                  <a:pt x="1914" y="4329"/>
+                </a:lnTo>
+                <a:lnTo>
+                  <a:pt x="204" y="4327"/>
+                </a:lnTo>
+                <a:cubicBezTo>
+                  <a:pt x="1288" y="3574"/>
+                  <a:pt x="1608" y="1590"/>
+                  <a:pt x="0" y="0"/>
+                </a:cubicBezTo>
+                <a:lnTo>
+                  <a:pt x="1914" y="9"/>
+                </a:lnTo>
+                <a:close/>
+              </a:path>
+            </a:pathLst>
+          </a:custGeom>
+          <a:solidFill>
+            <a:schemeClr val="bg1">
+              <a:tint val="90000"/>
+              <a:satMod val="350000"/>
+              <a:alpha val="40000"/>
+            </a:schemeClr>
+          </a:solidFill>
+          <a:ln w="9525" cap="flat" cmpd="sng" algn="ctr">
+            <a:noFill/>
+            <a:prstDash val="solid"/>
+            <a:round/>
+            <a:headEnd type="none" w="med" len="med"/>
+            <a:tailEnd type="none" w="med" len="med"/>
+          </a:ln>
+          <a:effectLst>
+            <a:outerShdw blurRad="50800" dist="50800" dir="10800000" algn="ctr" rotWithShape="0">
+              <a:prstClr val="black">
+                <a:alpha val="45000"/>
+              </a:prstClr>
+            </a:outerShdw>
+          </a:effectLst>
+        </p:spPr>
+        <p:txBody>
+          <a:bodyPr vert="horz" wrap="square" lIns="91440" tIns="45720" rIns="91440" bIns="45720" anchor="t" compatLnSpc="1"/>
+          <a:lstStyle/>
+          <a:p>
+            <a:endParaRPr kumimoji="0" lang="en-US"/>
+          </a:p>
+        </p:txBody>
+      </p:sp>
+      <p:sp>
+        <p:nvSpPr>
           <p:cNvPr id="9" name="Title 8"/>
           <p:cNvSpPr>
             <a:spLocks noGrp="1"/>
@@ -184,55 +432,67 @@
         </p:nvSpPr>
         <p:spPr>
           <a:xfrm>
-            <a:off x="533400" y="1371600"/>
-            <a:ext cx="7851648" cy="1828800"/>
+            <a:off x="429064" y="3337560"/>
+            <a:ext cx="6480048" cy="2301240"/>
           </a:xfrm>
-          <a:ln>
-            <a:noFill/>
-          </a:ln>
         </p:spPr>
         <p:txBody>
-          <a:bodyPr vert="horz" tIns="0" rIns="18288" bIns="0" anchor="b">
-            <a:normAutofit/>
-            <a:scene3d>
-              <a:camera prst="orthographicFront"/>
-              <a:lightRig rig="freezing" dir="t">
-                <a:rot lat="0" lon="0" rev="5640000"/>
-              </a:lightRig>
-            </a:scene3d>
-            <a:sp3d prstMaterial="flat">
-              <a:bevelT w="38100" h="38100"/>
-              <a:contourClr>
-                <a:schemeClr val="tx2"/>
-              </a:contourClr>
-            </a:sp3d>
-          </a:bodyPr>
+          <a:bodyPr rIns="45720" anchor="t"/>
           <a:lstStyle>
-            <a:lvl1pPr algn="r" rtl="0">
-              <a:spcBef>
-                <a:spcPct val="0"/>
-              </a:spcBef>
-              <a:buNone/>
-              <a:defRPr sz="5600" b="1">
-                <a:ln>
-                  <a:noFill/>
+            <a:lvl1pPr algn="r">
+              <a:defRPr lang="en-US" b="1" cap="all" baseline="0" dirty="0">
+                <a:ln w="5000" cmpd="sng">
+                  <a:solidFill>
+                    <a:schemeClr val="accent1">
+                      <a:tint val="80000"/>
+                      <a:shade val="99000"/>
+                      <a:satMod val="500000"/>
+                    </a:schemeClr>
+                  </a:solidFill>
+                  <a:prstDash val="solid"/>
                 </a:ln>
-                <a:solidFill>
-                  <a:schemeClr val="accent3">
-                    <a:tint val="90000"/>
-                    <a:satMod val="120000"/>
-                  </a:schemeClr>
-                </a:solidFill>
+                <a:gradFill>
+                  <a:gsLst>
+                    <a:gs pos="0">
+                      <a:schemeClr val="accent1">
+                        <a:tint val="63000"/>
+                        <a:satMod val="255000"/>
+                      </a:schemeClr>
+                    </a:gs>
+                    <a:gs pos="9000">
+                      <a:schemeClr val="accent1">
+                        <a:tint val="63000"/>
+                        <a:satMod val="255000"/>
+                      </a:schemeClr>
+                    </a:gs>
+                    <a:gs pos="53000">
+                      <a:schemeClr val="accent1">
+                        <a:shade val="60000"/>
+                        <a:satMod val="100000"/>
+                      </a:schemeClr>
+                    </a:gs>
+                    <a:gs pos="90000">
+                      <a:schemeClr val="accent1">
+                        <a:tint val="63000"/>
+                        <a:satMod val="255000"/>
+                      </a:schemeClr>
+                    </a:gs>
+                    <a:gs pos="100000">
+                      <a:schemeClr val="accent1">
+                        <a:tint val="63000"/>
+                        <a:satMod val="255000"/>
+                      </a:schemeClr>
+                    </a:gs>
+                  </a:gsLst>
+                  <a:lin ang="5400000"/>
+                </a:gradFill>
                 <a:effectLst>
-                  <a:outerShdw blurRad="38100" dist="25400" dir="5400000" algn="tl" rotWithShape="0">
-                    <a:srgbClr val="000000">
-                      <a:alpha val="43000"/>
-                    </a:srgbClr>
+                  <a:outerShdw blurRad="50800" dist="38100" dir="5400000" algn="t" rotWithShape="0">
+                    <a:prstClr val="black">
+                      <a:alpha val="50000"/>
+                    </a:prstClr>
                   </a:outerShdw>
                 </a:effectLst>
-                <a:latin typeface="+mj-lt"/>
-                <a:ea typeface="+mj-ea"/>
-                <a:cs typeface="+mj-cs"/>
               </a:defRPr>
             </a:lvl1pPr>
           </a:lstStyle>
@@ -257,19 +517,22 @@
         </p:nvSpPr>
         <p:spPr>
           <a:xfrm>
-            <a:off x="533400" y="3228536"/>
-            <a:ext cx="7854696" cy="1752600"/>
+            <a:off x="433050" y="1544812"/>
+            <a:ext cx="6480048" cy="1752600"/>
           </a:xfrm>
         </p:spPr>
         <p:txBody>
-          <a:bodyPr lIns="0" rIns="18288"/>
+          <a:bodyPr tIns="0" rIns="45720" bIns="0" anchor="b">
+            <a:normAutofit/>
+          </a:bodyPr>
           <a:lstStyle>
-            <a:lvl1pPr marL="0" marR="45720" indent="0" algn="r">
-              <a:buNone/>
-              <a:defRPr>
+            <a:lvl1pPr marL="0" indent="0" algn="r">
+              <a:buNone/>
+              <a:defRPr sz="2000">
                 <a:solidFill>
                   <a:schemeClr val="tx1"/>
                 </a:solidFill>
+                <a:effectLst/>
               </a:defRPr>
             </a:lvl1pPr>
             <a:lvl2pPr marL="457200" indent="0" algn="ctr">
@@ -323,7 +586,7 @@
           <a:p>
             <a:fld id="{71261887-40B1-4977-B4BC-89EB7F2B4617}" type="datetimeFigureOut">
               <a:rPr lang="en-US" smtClean="0"/>
-              <a:t>5/30/2016</a:t>
+              <a:t>5/31/2016</a:t>
             </a:fld>
             <a:endParaRPr lang="en-US"/>
           </a:p>
@@ -488,7 +751,7 @@
           <a:p>
             <a:fld id="{71261887-40B1-4977-B4BC-89EB7F2B4617}" type="datetimeFigureOut">
               <a:rPr lang="en-US" smtClean="0"/>
-              <a:t>5/30/2016</a:t>
+              <a:t>5/31/2016</a:t>
             </a:fld>
             <a:endParaRPr lang="en-US"/>
           </a:p>
@@ -573,8 +836,8 @@
         </p:nvSpPr>
         <p:spPr>
           <a:xfrm>
-            <a:off x="6629400" y="914401"/>
-            <a:ext cx="2057400" cy="5211763"/>
+            <a:off x="6629400" y="274638"/>
+            <a:ext cx="2057400" cy="5851525"/>
           </a:xfrm>
         </p:spPr>
         <p:txBody>
@@ -601,8 +864,8 @@
         </p:nvSpPr>
         <p:spPr>
           <a:xfrm>
-            <a:off x="457200" y="914401"/>
-            <a:ext cx="6019800" cy="5211763"/>
+            <a:off x="457200" y="274638"/>
+            <a:ext cx="6019800" cy="5851525"/>
           </a:xfrm>
         </p:spPr>
         <p:txBody>
@@ -663,7 +926,7 @@
           <a:p>
             <a:fld id="{71261887-40B1-4977-B4BC-89EB7F2B4617}" type="datetimeFigureOut">
               <a:rPr lang="en-US" smtClean="0"/>
-              <a:t>5/30/2016</a:t>
+              <a:t>5/31/2016</a:t>
             </a:fld>
             <a:endParaRPr lang="en-US"/>
           </a:p>
@@ -749,7 +1012,11 @@
         <p:spPr/>
         <p:txBody>
           <a:bodyPr/>
-          <a:lstStyle/>
+          <a:lstStyle>
+            <a:lvl1pPr algn="l">
+              <a:defRPr/>
+            </a:lvl1pPr>
+          </a:lstStyle>
           <a:p>
             <a:r>
               <a:rPr kumimoji="0" lang="en-US" smtClean="0"/>
@@ -828,7 +1095,7 @@
           <a:p>
             <a:fld id="{71261887-40B1-4977-B4BC-89EB7F2B4617}" type="datetimeFigureOut">
               <a:rPr lang="en-US" smtClean="0"/>
-              <a:t>5/30/2016</a:t>
+              <a:t>5/31/2016</a:t>
             </a:fld>
             <a:endParaRPr lang="en-US"/>
           </a:p>
@@ -885,7 +1152,7 @@
 </file>
 
 <file path=ppt/slideLayouts/slideLayout3.xml><?xml version="1.0" encoding="utf-8"?>
-<p:sldLayout xmlns:a="http://schemas.openxmlformats.org/drawingml/2006/main" xmlns:r="http://schemas.openxmlformats.org/officeDocument/2006/relationships" xmlns:p="http://schemas.openxmlformats.org/presentationml/2006/main" type="secHead" preserve="1">
+<p:sldLayout xmlns:a="http://schemas.openxmlformats.org/drawingml/2006/main" xmlns:r="http://schemas.openxmlformats.org/officeDocument/2006/relationships" xmlns:p="http://schemas.openxmlformats.org/presentationml/2006/main" showMasterSp="0" type="secHead" preserve="1">
   <p:cSld name="Section Header">
     <p:bg>
       <p:bgRef idx="1002">
@@ -908,6 +1175,202 @@
       </p:grpSpPr>
       <p:sp>
         <p:nvSpPr>
+          <p:cNvPr id="7" name="Freeform 6"/>
+          <p:cNvSpPr>
+            <a:spLocks/>
+          </p:cNvSpPr>
+          <p:nvPr/>
+        </p:nvSpPr>
+        <p:spPr bwMode="auto">
+          <a:xfrm>
+            <a:off x="0" y="4752126"/>
+            <a:ext cx="9144000" cy="2112962"/>
+          </a:xfrm>
+          <a:custGeom>
+            <a:avLst>
+              <a:gd name="A1" fmla="val 0"/>
+              <a:gd name="A2" fmla="val 0"/>
+              <a:gd name="A3" fmla="val 0"/>
+              <a:gd name="A4" fmla="val 0"/>
+              <a:gd name="A5" fmla="val 0"/>
+              <a:gd name="A6" fmla="val 0"/>
+              <a:gd name="A7" fmla="val 0"/>
+              <a:gd name="A8" fmla="val 0"/>
+            </a:avLst>
+            <a:gdLst/>
+            <a:ahLst/>
+            <a:cxnLst>
+              <a:cxn ang="0">
+                <a:pos x="0" y="1066"/>
+              </a:cxn>
+              <a:cxn ang="0">
+                <a:pos x="0" y="1331"/>
+              </a:cxn>
+              <a:cxn ang="0">
+                <a:pos x="5760" y="1331"/>
+              </a:cxn>
+              <a:cxn ang="0">
+                <a:pos x="5760" y="0"/>
+              </a:cxn>
+              <a:cxn ang="0">
+                <a:pos x="0" y="1066"/>
+              </a:cxn>
+            </a:cxnLst>
+            <a:rect l="0" t="0" r="0" b="0"/>
+            <a:pathLst>
+              <a:path w="5760" h="1331">
+                <a:moveTo>
+                  <a:pt x="0" y="1066"/>
+                </a:moveTo>
+                <a:lnTo>
+                  <a:pt x="0" y="1331"/>
+                </a:lnTo>
+                <a:lnTo>
+                  <a:pt x="5760" y="1331"/>
+                </a:lnTo>
+                <a:lnTo>
+                  <a:pt x="5760" y="0"/>
+                </a:lnTo>
+                <a:cubicBezTo>
+                  <a:pt x="3220" y="1206"/>
+                  <a:pt x="2250" y="1146"/>
+                  <a:pt x="0" y="1066"/>
+                </a:cubicBezTo>
+                <a:close/>
+              </a:path>
+            </a:pathLst>
+          </a:custGeom>
+          <a:solidFill>
+            <a:schemeClr val="bg1">
+              <a:tint val="80000"/>
+              <a:satMod val="200000"/>
+              <a:alpha val="45000"/>
+            </a:schemeClr>
+          </a:solidFill>
+          <a:ln w="9525" cap="flat" cmpd="sng" algn="ctr">
+            <a:noFill/>
+            <a:prstDash val="solid"/>
+            <a:round/>
+            <a:headEnd type="none" w="med" len="med"/>
+            <a:tailEnd type="none" w="med" len="med"/>
+          </a:ln>
+          <a:effectLst>
+            <a:outerShdw blurRad="50800" dist="44450" dir="16200000" algn="ctr" rotWithShape="0">
+              <a:prstClr val="black">
+                <a:alpha val="35000"/>
+              </a:prstClr>
+            </a:outerShdw>
+          </a:effectLst>
+        </p:spPr>
+        <p:txBody>
+          <a:bodyPr vert="horz" wrap="square" lIns="91440" tIns="45720" rIns="91440" bIns="45720" anchor="t" compatLnSpc="1"/>
+          <a:lstStyle/>
+          <a:p>
+            <a:endParaRPr kumimoji="0" lang="en-US"/>
+          </a:p>
+        </p:txBody>
+      </p:sp>
+      <p:sp>
+        <p:nvSpPr>
+          <p:cNvPr id="9" name="Freeform 8"/>
+          <p:cNvSpPr>
+            <a:spLocks/>
+          </p:cNvSpPr>
+          <p:nvPr/>
+        </p:nvSpPr>
+        <p:spPr bwMode="auto">
+          <a:xfrm>
+            <a:off x="6105525" y="0"/>
+            <a:ext cx="3038475" cy="6858000"/>
+          </a:xfrm>
+          <a:custGeom>
+            <a:avLst/>
+            <a:gdLst>
+              <a:gd name="connsiteX0" fmla="*/ 1914 w 1914"/>
+              <a:gd name="connsiteY0" fmla="*/ 9 h 4329"/>
+              <a:gd name="connsiteX1" fmla="*/ 1914 w 1914"/>
+              <a:gd name="connsiteY1" fmla="*/ 4329 h 4329"/>
+              <a:gd name="connsiteX2" fmla="*/ 204 w 1914"/>
+              <a:gd name="connsiteY2" fmla="*/ 4327 h 4329"/>
+              <a:gd name="connsiteX3" fmla="*/ 0 w 1914"/>
+              <a:gd name="connsiteY3" fmla="*/ 0 h 4329"/>
+              <a:gd name="connsiteX4" fmla="*/ 1914 w 1914"/>
+              <a:gd name="connsiteY4" fmla="*/ 9 h 4329"/>
+            </a:gdLst>
+            <a:ahLst/>
+            <a:cxnLst>
+              <a:cxn ang="0">
+                <a:pos x="connsiteX0" y="connsiteY0"/>
+              </a:cxn>
+              <a:cxn ang="0">
+                <a:pos x="connsiteX1" y="connsiteY1"/>
+              </a:cxn>
+              <a:cxn ang="0">
+                <a:pos x="connsiteX2" y="connsiteY2"/>
+              </a:cxn>
+              <a:cxn ang="0">
+                <a:pos x="connsiteX3" y="connsiteY3"/>
+              </a:cxn>
+              <a:cxn ang="0">
+                <a:pos x="connsiteX4" y="connsiteY4"/>
+              </a:cxn>
+            </a:cxnLst>
+            <a:rect l="l" t="t" r="r" b="b"/>
+            <a:pathLst>
+              <a:path w="1914" h="4329">
+                <a:moveTo>
+                  <a:pt x="1914" y="9"/>
+                </a:moveTo>
+                <a:lnTo>
+                  <a:pt x="1914" y="4329"/>
+                </a:lnTo>
+                <a:lnTo>
+                  <a:pt x="204" y="4327"/>
+                </a:lnTo>
+                <a:cubicBezTo>
+                  <a:pt x="1288" y="3574"/>
+                  <a:pt x="1608" y="1590"/>
+                  <a:pt x="0" y="0"/>
+                </a:cubicBezTo>
+                <a:lnTo>
+                  <a:pt x="1914" y="9"/>
+                </a:lnTo>
+                <a:close/>
+              </a:path>
+            </a:pathLst>
+          </a:custGeom>
+          <a:solidFill>
+            <a:schemeClr val="bg1">
+              <a:tint val="90000"/>
+              <a:satMod val="350000"/>
+              <a:alpha val="40000"/>
+            </a:schemeClr>
+          </a:solidFill>
+          <a:ln w="9525" cap="flat" cmpd="sng" algn="ctr">
+            <a:noFill/>
+            <a:prstDash val="solid"/>
+            <a:round/>
+            <a:headEnd type="none" w="med" len="med"/>
+            <a:tailEnd type="none" w="med" len="med"/>
+          </a:ln>
+          <a:effectLst>
+            <a:outerShdw blurRad="50800" dist="50800" dir="10800000" algn="ctr" rotWithShape="0">
+              <a:prstClr val="black">
+                <a:alpha val="45000"/>
+              </a:prstClr>
+            </a:outerShdw>
+          </a:effectLst>
+        </p:spPr>
+        <p:txBody>
+          <a:bodyPr vert="horz" wrap="square" lIns="91440" tIns="45720" rIns="91440" bIns="45720" anchor="t" compatLnSpc="1"/>
+          <a:lstStyle/>
+          <a:p>
+            <a:endParaRPr kumimoji="0" lang="en-US"/>
+          </a:p>
+        </p:txBody>
+      </p:sp>
+      <p:sp>
+        <p:nvSpPr>
           <p:cNvPr id="2" name="Title 1"/>
           <p:cNvSpPr>
             <a:spLocks noGrp="1"/>
@@ -918,52 +1381,68 @@
         </p:nvSpPr>
         <p:spPr>
           <a:xfrm>
-            <a:off x="530352" y="1316736"/>
-            <a:ext cx="7772400" cy="1362456"/>
+            <a:off x="685800" y="3583837"/>
+            <a:ext cx="6629400" cy="1826363"/>
           </a:xfrm>
-          <a:ln>
-            <a:noFill/>
-          </a:ln>
         </p:spPr>
         <p:txBody>
-          <a:bodyPr vert="horz" tIns="0" bIns="0" anchor="b">
-            <a:noAutofit/>
-            <a:scene3d>
-              <a:camera prst="orthographicFront"/>
-              <a:lightRig rig="freezing" dir="t">
-                <a:rot lat="0" lon="0" rev="5640000"/>
-              </a:lightRig>
-            </a:scene3d>
-            <a:sp3d prstMaterial="flat">
-              <a:bevelT w="38100" h="38100"/>
-            </a:sp3d>
-          </a:bodyPr>
+          <a:bodyPr tIns="0" bIns="0" anchor="t"/>
           <a:lstStyle>
-            <a:lvl1pPr algn="l" rtl="0">
-              <a:spcBef>
-                <a:spcPct val="0"/>
-              </a:spcBef>
-              <a:buNone/>
-              <a:defRPr lang="en-US" sz="5600" b="1" cap="none" baseline="0" dirty="0">
-                <a:ln w="635">
-                  <a:noFill/>
+            <a:lvl1pPr algn="l">
+              <a:buNone/>
+              <a:defRPr sz="4200" b="1" cap="none" baseline="0">
+                <a:ln w="5000" cmpd="sng">
+                  <a:solidFill>
+                    <a:schemeClr val="accent1">
+                      <a:tint val="80000"/>
+                      <a:shade val="99000"/>
+                      <a:satMod val="500000"/>
+                    </a:schemeClr>
+                  </a:solidFill>
+                  <a:prstDash val="solid"/>
                 </a:ln>
-                <a:solidFill>
-                  <a:schemeClr val="accent4">
-                    <a:tint val="90000"/>
-                    <a:satMod val="125000"/>
-                  </a:schemeClr>
-                </a:solidFill>
+                <a:gradFill>
+                  <a:gsLst>
+                    <a:gs pos="0">
+                      <a:schemeClr val="accent1">
+                        <a:tint val="63000"/>
+                        <a:satMod val="255000"/>
+                      </a:schemeClr>
+                    </a:gs>
+                    <a:gs pos="9000">
+                      <a:schemeClr val="accent1">
+                        <a:tint val="63000"/>
+                        <a:satMod val="255000"/>
+                      </a:schemeClr>
+                    </a:gs>
+                    <a:gs pos="53000">
+                      <a:schemeClr val="accent1">
+                        <a:shade val="60000"/>
+                        <a:satMod val="100000"/>
+                      </a:schemeClr>
+                    </a:gs>
+                    <a:gs pos="90000">
+                      <a:schemeClr val="accent1">
+                        <a:tint val="63000"/>
+                        <a:satMod val="255000"/>
+                      </a:schemeClr>
+                    </a:gs>
+                    <a:gs pos="100000">
+                      <a:schemeClr val="accent1">
+                        <a:tint val="63000"/>
+                        <a:satMod val="255000"/>
+                      </a:schemeClr>
+                    </a:gs>
+                  </a:gsLst>
+                  <a:lin ang="5400000"/>
+                </a:gradFill>
                 <a:effectLst>
-                  <a:outerShdw blurRad="38100" dist="25400" dir="5400000" algn="tl" rotWithShape="0">
-                    <a:srgbClr val="000000">
-                      <a:alpha val="43000"/>
-                    </a:srgbClr>
+                  <a:outerShdw blurRad="50800" dist="38100" dir="5400000" algn="t" rotWithShape="0">
+                    <a:prstClr val="black">
+                      <a:alpha val="50000"/>
+                    </a:prstClr>
                   </a:outerShdw>
                 </a:effectLst>
-                <a:latin typeface="+mj-lt"/>
-                <a:ea typeface="+mj-ea"/>
-                <a:cs typeface="+mj-cs"/>
               </a:defRPr>
             </a:lvl1pPr>
           </a:lstStyle>
@@ -988,19 +1467,20 @@
         </p:nvSpPr>
         <p:spPr>
           <a:xfrm>
-            <a:off x="530352" y="2704664"/>
-            <a:ext cx="7772400" cy="1509712"/>
+            <a:off x="685800" y="2485800"/>
+            <a:ext cx="6629400" cy="1066688"/>
           </a:xfrm>
         </p:spPr>
         <p:txBody>
-          <a:bodyPr lIns="45720" rIns="45720" anchor="t"/>
+          <a:bodyPr lIns="45720" tIns="0" rIns="45720" bIns="0" anchor="b"/>
           <a:lstStyle>
-            <a:lvl1pPr marL="0" indent="0">
-              <a:buNone/>
-              <a:defRPr sz="2200">
+            <a:lvl1pPr marL="0" indent="0" algn="l">
+              <a:buNone/>
+              <a:defRPr sz="2000">
                 <a:solidFill>
                   <a:schemeClr val="tx1"/>
                 </a:solidFill>
+                <a:effectLst/>
               </a:defRPr>
             </a:lvl1pPr>
             <a:lvl2pPr>
@@ -1070,7 +1550,7 @@
           <a:p>
             <a:fld id="{71261887-40B1-4977-B4BC-89EB7F2B4617}" type="datetimeFigureOut">
               <a:rPr lang="en-US" smtClean="0"/>
-              <a:t>5/30/2016</a:t>
+              <a:t>5/31/2016</a:t>
             </a:fld>
             <a:endParaRPr lang="en-US"/>
           </a:p>
@@ -1155,8 +1635,8 @@
         </p:nvSpPr>
         <p:spPr>
           <a:xfrm>
-            <a:off x="457200" y="704088"/>
-            <a:ext cx="8229600" cy="1143000"/>
+            <a:off x="457200" y="274638"/>
+            <a:ext cx="7467600" cy="1143000"/>
           </a:xfrm>
         </p:spPr>
         <p:txBody>
@@ -1183,8 +1663,8 @@
         </p:nvSpPr>
         <p:spPr>
           <a:xfrm>
-            <a:off x="457200" y="1920085"/>
-            <a:ext cx="4038600" cy="4434840"/>
+            <a:off x="457200" y="1600200"/>
+            <a:ext cx="3657600" cy="4525963"/>
           </a:xfrm>
         </p:spPr>
         <p:txBody>
@@ -1194,7 +1674,7 @@
               <a:defRPr sz="2600"/>
             </a:lvl1pPr>
             <a:lvl2pPr>
-              <a:defRPr sz="2400"/>
+              <a:defRPr sz="2200"/>
             </a:lvl2pPr>
             <a:lvl3pPr>
               <a:defRPr sz="2000"/>
@@ -1256,8 +1736,8 @@
         </p:nvSpPr>
         <p:spPr>
           <a:xfrm>
-            <a:off x="4648200" y="1920085"/>
-            <a:ext cx="4038600" cy="4434840"/>
+            <a:off x="4267200" y="1600200"/>
+            <a:ext cx="3657600" cy="4525963"/>
           </a:xfrm>
         </p:spPr>
         <p:txBody>
@@ -1267,7 +1747,7 @@
               <a:defRPr sz="2600"/>
             </a:lvl1pPr>
             <a:lvl2pPr>
-              <a:defRPr sz="2400"/>
+              <a:defRPr sz="2200"/>
             </a:lvl2pPr>
             <a:lvl3pPr>
               <a:defRPr sz="2000"/>
@@ -1334,7 +1814,7 @@
           <a:p>
             <a:fld id="{71261887-40B1-4977-B4BC-89EB7F2B4617}" type="datetimeFigureOut">
               <a:rPr lang="en-US" smtClean="0"/>
-              <a:t>5/30/2016</a:t>
+              <a:t>5/31/2016</a:t>
             </a:fld>
             <a:endParaRPr lang="en-US"/>
           </a:p>
@@ -1391,7 +1871,7 @@
 </file>
 
 <file path=ppt/slideLayouts/slideLayout5.xml><?xml version="1.0" encoding="utf-8"?>
-<p:sldLayout xmlns:a="http://schemas.openxmlformats.org/drawingml/2006/main" xmlns:r="http://schemas.openxmlformats.org/officeDocument/2006/relationships" xmlns:p="http://schemas.openxmlformats.org/presentationml/2006/main" type="twoTxTwoObj" preserve="1">
+<p:sldLayout xmlns:a="http://schemas.openxmlformats.org/drawingml/2006/main" xmlns:r="http://schemas.openxmlformats.org/officeDocument/2006/relationships" xmlns:p="http://schemas.openxmlformats.org/presentationml/2006/main" showMasterSp="0" type="twoTxTwoObj" preserve="1">
   <p:cSld name="Comparison">
     <p:spTree>
       <p:nvGrpSpPr>
@@ -1419,12 +1899,12 @@
         </p:nvSpPr>
         <p:spPr>
           <a:xfrm>
-            <a:off x="457200" y="704088"/>
+            <a:off x="457200" y="273050"/>
             <a:ext cx="8229600" cy="1143000"/>
           </a:xfrm>
         </p:spPr>
         <p:txBody>
-          <a:bodyPr tIns="45720" anchor="b"/>
+          <a:bodyPr anchor="ctr"/>
           <a:lstStyle>
             <a:lvl1pPr>
               <a:defRPr/>
@@ -1451,22 +1931,19 @@
         </p:nvSpPr>
         <p:spPr>
           <a:xfrm>
-            <a:off x="457200" y="1855248"/>
-            <a:ext cx="4040188" cy="659352"/>
+            <a:off x="457200" y="5486400"/>
+            <a:ext cx="4040188" cy="838200"/>
           </a:xfrm>
         </p:spPr>
         <p:txBody>
-          <a:bodyPr lIns="45720" tIns="0" rIns="45720" bIns="0" anchor="ctr">
-            <a:noAutofit/>
-          </a:bodyPr>
+          <a:bodyPr anchor="t"/>
           <a:lstStyle>
             <a:lvl1pPr marL="0" indent="0">
               <a:buNone/>
-              <a:defRPr sz="2400" b="1" cap="none" baseline="0">
+              <a:defRPr sz="2400" b="1">
                 <a:solidFill>
-                  <a:schemeClr val="tx2"/>
+                  <a:schemeClr val="accent1"/>
                 </a:solidFill>
-                <a:effectLst/>
               </a:defRPr>
             </a:lvl1pPr>
             <a:lvl2pPr>
@@ -1507,20 +1984,19 @@
         </p:nvSpPr>
         <p:spPr>
           <a:xfrm>
-            <a:off x="4645025" y="1859757"/>
-            <a:ext cx="4041775" cy="654843"/>
+            <a:off x="4645025" y="5486400"/>
+            <a:ext cx="4041775" cy="838200"/>
           </a:xfrm>
         </p:spPr>
         <p:txBody>
-          <a:bodyPr lIns="45720" tIns="0" rIns="45720" bIns="0" anchor="ctr"/>
+          <a:bodyPr anchor="t"/>
           <a:lstStyle>
             <a:lvl1pPr marL="0" indent="0">
               <a:buNone/>
-              <a:defRPr sz="2400" b="1" cap="none" baseline="0">
+              <a:defRPr sz="2400" b="1">
                 <a:solidFill>
-                  <a:schemeClr val="tx2"/>
+                  <a:schemeClr val="accent1"/>
                 </a:solidFill>
-                <a:effectLst/>
               </a:defRPr>
             </a:lvl1pPr>
             <a:lvl2pPr>
@@ -1561,15 +2037,15 @@
         </p:nvSpPr>
         <p:spPr>
           <a:xfrm>
-            <a:off x="457200" y="2514600"/>
-            <a:ext cx="4040188" cy="3845720"/>
+            <a:off x="457200" y="1516912"/>
+            <a:ext cx="4040188" cy="3941763"/>
           </a:xfrm>
         </p:spPr>
         <p:txBody>
-          <a:bodyPr tIns="0"/>
+          <a:bodyPr/>
           <a:lstStyle>
             <a:lvl1pPr>
-              <a:defRPr sz="2200"/>
+              <a:defRPr sz="2400"/>
             </a:lvl1pPr>
             <a:lvl2pPr>
               <a:defRPr sz="2000"/>
@@ -1634,15 +2110,15 @@
         </p:nvSpPr>
         <p:spPr>
           <a:xfrm>
-            <a:off x="4645025" y="2514600"/>
-            <a:ext cx="4041775" cy="3845720"/>
+            <a:off x="4645025" y="1516912"/>
+            <a:ext cx="4041775" cy="3941763"/>
           </a:xfrm>
         </p:spPr>
         <p:txBody>
-          <a:bodyPr tIns="0"/>
+          <a:bodyPr/>
           <a:lstStyle>
             <a:lvl1pPr>
-              <a:defRPr sz="2200"/>
+              <a:defRPr sz="2400"/>
             </a:lvl1pPr>
             <a:lvl2pPr>
               <a:defRPr sz="2000"/>
@@ -1712,7 +2188,7 @@
           <a:p>
             <a:fld id="{71261887-40B1-4977-B4BC-89EB7F2B4617}" type="datetimeFigureOut">
               <a:rPr lang="en-US" smtClean="0"/>
-              <a:t>5/30/2016</a:t>
+              <a:t>5/31/2016</a:t>
             </a:fld>
             <a:endParaRPr lang="en-US"/>
           </a:p>
@@ -1797,43 +2273,15 @@
         </p:nvSpPr>
         <p:spPr>
           <a:xfrm>
-            <a:off x="457200" y="704088"/>
-            <a:ext cx="8305800" cy="1143000"/>
+            <a:off x="457200" y="274320"/>
+            <a:ext cx="7470648" cy="1143000"/>
           </a:xfrm>
         </p:spPr>
         <p:txBody>
-          <a:bodyPr vert="horz" tIns="45720" bIns="0" anchor="b">
-            <a:normAutofit/>
-            <a:scene3d>
-              <a:camera prst="orthographicFront"/>
-              <a:lightRig rig="freezing" dir="t">
-                <a:rot lat="0" lon="0" rev="5640000"/>
-              </a:lightRig>
-            </a:scene3d>
-            <a:sp3d prstMaterial="flat">
-              <a:contourClr>
-                <a:schemeClr val="tx2"/>
-              </a:contourClr>
-            </a:sp3d>
-          </a:bodyPr>
+          <a:bodyPr anchor="ctr"/>
           <a:lstStyle>
-            <a:lvl1pPr algn="l" rtl="0">
-              <a:spcBef>
-                <a:spcPct val="0"/>
-              </a:spcBef>
-              <a:buNone/>
-              <a:defRPr sz="5000" b="0">
-                <a:ln>
-                  <a:noFill/>
-                </a:ln>
-                <a:solidFill>
-                  <a:schemeClr val="tx2"/>
-                </a:solidFill>
-                <a:effectLst/>
-                <a:latin typeface="+mj-lt"/>
-                <a:ea typeface="+mj-ea"/>
-                <a:cs typeface="+mj-cs"/>
-              </a:defRPr>
+            <a:lvl1pPr algn="l">
+              <a:defRPr sz="4600"/>
             </a:lvl1pPr>
           </a:lstStyle>
           <a:p>
@@ -1847,7 +2295,7 @@
       </p:sp>
       <p:sp>
         <p:nvSpPr>
-          <p:cNvPr id="3" name="Date Placeholder 2"/>
+          <p:cNvPr id="7" name="Date Placeholder 6"/>
           <p:cNvSpPr>
             <a:spLocks noGrp="1"/>
           </p:cNvSpPr>
@@ -1862,7 +2310,7 @@
           <a:p>
             <a:fld id="{71261887-40B1-4977-B4BC-89EB7F2B4617}" type="datetimeFigureOut">
               <a:rPr lang="en-US" smtClean="0"/>
-              <a:t>5/30/2016</a:t>
+              <a:t>5/31/2016</a:t>
             </a:fld>
             <a:endParaRPr lang="en-US"/>
           </a:p>
@@ -1870,31 +2318,12 @@
       </p:sp>
       <p:sp>
         <p:nvSpPr>
-          <p:cNvPr id="4" name="Footer Placeholder 3"/>
-          <p:cNvSpPr>
-            <a:spLocks noGrp="1"/>
-          </p:cNvSpPr>
-          <p:nvPr>
-            <p:ph type="ftr" sz="quarter" idx="11"/>
-          </p:nvPr>
-        </p:nvSpPr>
-        <p:spPr/>
-        <p:txBody>
-          <a:bodyPr/>
-          <a:lstStyle/>
-          <a:p>
-            <a:endParaRPr lang="en-US"/>
-          </a:p>
-        </p:txBody>
-      </p:sp>
-      <p:sp>
-        <p:nvSpPr>
-          <p:cNvPr id="5" name="Slide Number Placeholder 4"/>
-          <p:cNvSpPr>
-            <a:spLocks noGrp="1"/>
-          </p:cNvSpPr>
-          <p:nvPr>
-            <p:ph type="sldNum" sz="quarter" idx="12"/>
+          <p:cNvPr id="8" name="Slide Number Placeholder 7"/>
+          <p:cNvSpPr>
+            <a:spLocks noGrp="1"/>
+          </p:cNvSpPr>
+          <p:nvPr>
+            <p:ph type="sldNum" sz="quarter" idx="11"/>
           </p:nvPr>
         </p:nvSpPr>
         <p:spPr/>
@@ -1906,6 +2335,25 @@
               <a:rPr lang="en-US" smtClean="0"/>
               <a:t>‹#›</a:t>
             </a:fld>
+            <a:endParaRPr lang="en-US"/>
+          </a:p>
+        </p:txBody>
+      </p:sp>
+      <p:sp>
+        <p:nvSpPr>
+          <p:cNvPr id="9" name="Footer Placeholder 8"/>
+          <p:cNvSpPr>
+            <a:spLocks noGrp="1"/>
+          </p:cNvSpPr>
+          <p:nvPr>
+            <p:ph type="ftr" sz="quarter" idx="12"/>
+          </p:nvPr>
+        </p:nvSpPr>
+        <p:spPr/>
+        <p:txBody>
+          <a:bodyPr/>
+          <a:lstStyle/>
+          <a:p>
             <a:endParaRPr lang="en-US"/>
           </a:p>
         </p:txBody>
@@ -1952,7 +2400,7 @@
           <a:p>
             <a:fld id="{71261887-40B1-4977-B4BC-89EB7F2B4617}" type="datetimeFigureOut">
               <a:rPr lang="en-US" smtClean="0"/>
-              <a:t>5/30/2016</a:t>
+              <a:t>5/31/2016</a:t>
             </a:fld>
             <a:endParaRPr lang="en-US"/>
           </a:p>
@@ -2037,31 +2485,19 @@
         </p:nvSpPr>
         <p:spPr>
           <a:xfrm>
-            <a:off x="685800" y="514352"/>
-            <a:ext cx="2743200" cy="1162050"/>
+            <a:off x="457200" y="1185528"/>
+            <a:ext cx="3200400" cy="730250"/>
           </a:xfrm>
         </p:spPr>
         <p:txBody>
-          <a:bodyPr lIns="0" anchor="b">
-            <a:noAutofit/>
-          </a:bodyPr>
+          <a:bodyPr tIns="0" bIns="0" anchor="t"/>
           <a:lstStyle>
-            <a:lvl1pPr algn="l" rtl="0">
-              <a:spcBef>
-                <a:spcPct val="0"/>
-              </a:spcBef>
-              <a:buNone/>
-              <a:defRPr sz="2600" b="0">
-                <a:ln>
-                  <a:noFill/>
-                </a:ln>
+            <a:lvl1pPr algn="l">
+              <a:buNone/>
+              <a:defRPr sz="1800" b="1">
                 <a:solidFill>
-                  <a:schemeClr val="tx2"/>
+                  <a:schemeClr val="accent1"/>
                 </a:solidFill>
-                <a:effectLst/>
-                <a:latin typeface="+mj-lt"/>
-                <a:ea typeface="+mj-ea"/>
-                <a:cs typeface="+mj-cs"/>
               </a:defRPr>
             </a:lvl1pPr>
           </a:lstStyle>
@@ -2086,30 +2522,30 @@
         </p:nvSpPr>
         <p:spPr>
           <a:xfrm>
-            <a:off x="685800" y="1676400"/>
-            <a:ext cx="2743200" cy="4572000"/>
+            <a:off x="457200" y="214424"/>
+            <a:ext cx="2743200" cy="914400"/>
           </a:xfrm>
         </p:spPr>
         <p:txBody>
-          <a:bodyPr lIns="18288" rIns="18288"/>
+          <a:bodyPr lIns="45720" tIns="0" rIns="45720" bIns="0" anchor="b"/>
           <a:lstStyle>
             <a:lvl1pPr marL="0" indent="0" algn="l">
               <a:buNone/>
               <a:defRPr sz="1400"/>
             </a:lvl1pPr>
-            <a:lvl2pPr indent="0" algn="l">
+            <a:lvl2pPr>
               <a:buNone/>
               <a:defRPr sz="1200"/>
             </a:lvl2pPr>
-            <a:lvl3pPr indent="0" algn="l">
+            <a:lvl3pPr>
               <a:buNone/>
               <a:defRPr sz="1000"/>
             </a:lvl3pPr>
-            <a:lvl4pPr indent="0" algn="l">
+            <a:lvl4pPr>
               <a:buNone/>
               <a:defRPr sz="900"/>
             </a:lvl4pPr>
-            <a:lvl5pPr indent="0" algn="l">
+            <a:lvl5pPr>
               <a:buNone/>
               <a:defRPr sz="900"/>
             </a:lvl5pPr>
@@ -2135,27 +2571,27 @@
         </p:nvSpPr>
         <p:spPr>
           <a:xfrm>
-            <a:off x="3575050" y="1676400"/>
-            <a:ext cx="5111750" cy="4572000"/>
+            <a:off x="457200" y="1981200"/>
+            <a:ext cx="7086600" cy="3810000"/>
           </a:xfrm>
         </p:spPr>
         <p:txBody>
-          <a:bodyPr tIns="0"/>
+          <a:bodyPr/>
           <a:lstStyle>
             <a:lvl1pPr>
               <a:defRPr sz="2800"/>
             </a:lvl1pPr>
             <a:lvl2pPr>
-              <a:defRPr sz="2600"/>
+              <a:defRPr sz="2400"/>
             </a:lvl2pPr>
             <a:lvl3pPr>
-              <a:defRPr sz="2400"/>
+              <a:defRPr sz="2200"/>
             </a:lvl3pPr>
             <a:lvl4pPr>
               <a:defRPr sz="2000"/>
             </a:lvl4pPr>
             <a:lvl5pPr>
-              <a:defRPr sz="1800"/>
+              <a:defRPr sz="2000"/>
             </a:lvl5pPr>
           </a:lstStyle>
           <a:p>
@@ -2213,7 +2649,7 @@
           <a:p>
             <a:fld id="{71261887-40B1-4977-B4BC-89EB7F2B4617}" type="datetimeFigureOut">
               <a:rPr lang="en-US" smtClean="0"/>
-              <a:t>5/30/2016</a:t>
+              <a:t>5/31/2016</a:t>
             </a:fld>
             <a:endParaRPr lang="en-US"/>
           </a:p>
@@ -2248,7 +2684,12 @@
             <p:ph type="sldNum" sz="quarter" idx="12"/>
           </p:nvPr>
         </p:nvSpPr>
-        <p:spPr/>
+        <p:spPr>
+          <a:xfrm>
+            <a:off x="8156448" y="6422064"/>
+            <a:ext cx="762000" cy="365125"/>
+          </a:xfrm>
+        </p:spPr>
         <p:txBody>
           <a:bodyPr/>
           <a:lstStyle/>
@@ -2288,190 +2729,151 @@
       </p:grpSpPr>
       <p:sp>
         <p:nvSpPr>
-          <p:cNvPr id="9" name="Snip and Round Single Corner Rectangle 8"/>
-          <p:cNvSpPr/>
-          <p:nvPr/>
+          <p:cNvPr id="2" name="Title 1"/>
+          <p:cNvSpPr>
+            <a:spLocks noGrp="1"/>
+          </p:cNvSpPr>
+          <p:nvPr>
+            <p:ph type="title"/>
+          </p:nvPr>
         </p:nvSpPr>
         <p:spPr>
-          <a:xfrm rot="420000" flipV="1">
-            <a:off x="3165753" y="1108077"/>
-            <a:ext cx="5257800" cy="4114800"/>
+          <a:xfrm>
+            <a:off x="5556732" y="1705709"/>
+            <a:ext cx="3053868" cy="1253808"/>
           </a:xfrm>
-          <a:prstGeom prst="snipRoundRect">
-            <a:avLst>
-              <a:gd name="adj1" fmla="val 0"/>
-              <a:gd name="adj2" fmla="val 3646"/>
-            </a:avLst>
+        </p:spPr>
+        <p:txBody>
+          <a:bodyPr anchor="b"/>
+          <a:lstStyle>
+            <a:lvl1pPr algn="l">
+              <a:buNone/>
+              <a:defRPr sz="2200" b="1">
+                <a:solidFill>
+                  <a:schemeClr val="accent1"/>
+                </a:solidFill>
+              </a:defRPr>
+            </a:lvl1pPr>
+          </a:lstStyle>
+          <a:p>
+            <a:r>
+              <a:rPr kumimoji="0" lang="en-US" smtClean="0"/>
+              <a:t>Click to edit Master title style</a:t>
+            </a:r>
+            <a:endParaRPr kumimoji="0" lang="en-US"/>
+          </a:p>
+        </p:txBody>
+      </p:sp>
+      <p:sp>
+        <p:nvSpPr>
+          <p:cNvPr id="3" name="Picture Placeholder 2"/>
+          <p:cNvSpPr>
+            <a:spLocks noGrp="1"/>
+          </p:cNvSpPr>
+          <p:nvPr>
+            <p:ph type="pic" idx="1"/>
+          </p:nvPr>
+        </p:nvSpPr>
+        <p:spPr>
+          <a:xfrm>
+            <a:off x="1065628" y="1019907"/>
+            <a:ext cx="4114800" cy="4114800"/>
+          </a:xfrm>
+          <a:prstGeom prst="ellipse">
+            <a:avLst/>
           </a:prstGeom>
           <a:solidFill>
-            <a:srgbClr val="FFFFFF"/>
+            <a:schemeClr val="bg2">
+              <a:shade val="50000"/>
+            </a:schemeClr>
           </a:solidFill>
-          <a:ln w="3175" cap="rnd" cmpd="sng" algn="ctr">
+          <a:ln w="50800" cap="flat">
             <a:solidFill>
-              <a:srgbClr val="C0C0C0"/>
+              <a:schemeClr val="bg2"/>
             </a:solidFill>
-            <a:prstDash val="solid"/>
+            <a:miter lim="800000"/>
           </a:ln>
           <a:effectLst>
-            <a:outerShdw blurRad="63500" dist="38500" dir="7500000" sx="98500" sy="100080" kx="100000" algn="tl" rotWithShape="0">
+            <a:outerShdw blurRad="152000" dist="345000" dir="5400000" sx="-80000" sy="-18000" rotWithShape="0">
               <a:srgbClr val="000000">
                 <a:alpha val="25000"/>
               </a:srgbClr>
             </a:outerShdw>
           </a:effectLst>
+          <a:scene3d>
+            <a:camera prst="orthographicFront"/>
+            <a:lightRig rig="contrasting" dir="t">
+              <a:rot lat="0" lon="0" rev="2400000"/>
+            </a:lightRig>
+          </a:scene3d>
+          <a:sp3d contourW="7620">
+            <a:bevelT w="63500" h="63500"/>
+            <a:contourClr>
+              <a:schemeClr val="bg2">
+                <a:shade val="50000"/>
+              </a:schemeClr>
+            </a:contourClr>
+          </a:sp3d>
         </p:spPr>
-        <p:style>
-          <a:lnRef idx="2">
-            <a:schemeClr val="accent1"/>
-          </a:lnRef>
-          <a:fillRef idx="1">
-            <a:schemeClr val="accent1"/>
-          </a:fillRef>
-          <a:effectRef idx="0">
-            <a:schemeClr val="accent1"/>
-          </a:effectRef>
-          <a:fontRef idx="minor">
-            <a:schemeClr val="lt1"/>
-          </a:fontRef>
-        </p:style>
-        <p:txBody>
-          <a:bodyPr rtlCol="0" anchor="ctr"/>
-          <a:lstStyle/>
-          <a:p>
-            <a:pPr algn="ctr" eaLnBrk="1" latinLnBrk="0" hangingPunct="1"/>
-            <a:endParaRPr kumimoji="0" lang="en-US"/>
-          </a:p>
-        </p:txBody>
-      </p:sp>
-      <p:sp>
-        <p:nvSpPr>
-          <p:cNvPr id="12" name="Right Triangle 11"/>
-          <p:cNvSpPr/>
-          <p:nvPr/>
-        </p:nvSpPr>
-        <p:spPr>
-          <a:xfrm rot="420000" flipV="1">
-            <a:off x="8004134" y="5359769"/>
-            <a:ext cx="155448" cy="155448"/>
-          </a:xfrm>
-          <a:prstGeom prst="rtTriangle">
-            <a:avLst/>
-          </a:prstGeom>
-          <a:solidFill>
-            <a:srgbClr val="FFFFFF"/>
-          </a:solidFill>
-          <a:ln w="12700" cap="flat" cmpd="sng" algn="ctr">
-            <a:solidFill>
-              <a:srgbClr val="FFFFFF"/>
-            </a:solidFill>
-            <a:prstDash val="solid"/>
-            <a:bevel/>
-          </a:ln>
-          <a:effectLst>
-            <a:outerShdw blurRad="19685" dist="6350" dir="12900000" algn="tl" rotWithShape="0">
-              <a:srgbClr val="000000">
-                <a:alpha val="47000"/>
-              </a:srgbClr>
-            </a:outerShdw>
-          </a:effectLst>
-        </p:spPr>
-        <p:style>
-          <a:lnRef idx="2">
-            <a:schemeClr val="accent1"/>
-          </a:lnRef>
-          <a:fillRef idx="1">
-            <a:schemeClr val="accent1"/>
-          </a:fillRef>
-          <a:effectRef idx="0">
-            <a:schemeClr val="accent1"/>
-          </a:effectRef>
-          <a:fontRef idx="minor">
-            <a:schemeClr val="lt1"/>
-          </a:fontRef>
-        </p:style>
-        <p:txBody>
-          <a:bodyPr rtlCol="0" anchor="ctr"/>
-          <a:lstStyle/>
-          <a:p>
-            <a:pPr algn="ctr" eaLnBrk="1" latinLnBrk="0" hangingPunct="1"/>
-            <a:endParaRPr kumimoji="0" lang="en-US"/>
-          </a:p>
-        </p:txBody>
-      </p:sp>
-      <p:sp>
-        <p:nvSpPr>
-          <p:cNvPr id="2" name="Title 1"/>
-          <p:cNvSpPr>
-            <a:spLocks noGrp="1"/>
-          </p:cNvSpPr>
-          <p:nvPr>
-            <p:ph type="title"/>
+        <p:txBody>
+          <a:bodyPr/>
+          <a:lstStyle>
+            <a:lvl1pPr marL="0" indent="0">
+              <a:buNone/>
+              <a:defRPr sz="3200"/>
+            </a:lvl1pPr>
+          </a:lstStyle>
+          <a:p>
+            <a:r>
+              <a:rPr kumimoji="0" lang="en-US" smtClean="0"/>
+              <a:t>Click icon to add picture</a:t>
+            </a:r>
+            <a:endParaRPr kumimoji="0" lang="en-US" dirty="0"/>
+          </a:p>
+        </p:txBody>
+      </p:sp>
+      <p:sp>
+        <p:nvSpPr>
+          <p:cNvPr id="4" name="Text Placeholder 3"/>
+          <p:cNvSpPr>
+            <a:spLocks noGrp="1"/>
+          </p:cNvSpPr>
+          <p:nvPr>
+            <p:ph type="body" sz="half" idx="2"/>
           </p:nvPr>
         </p:nvSpPr>
         <p:spPr>
           <a:xfrm>
-            <a:off x="609600" y="1176996"/>
-            <a:ext cx="2212848" cy="1582621"/>
+            <a:off x="5556734" y="2998765"/>
+            <a:ext cx="3053866" cy="2663482"/>
           </a:xfrm>
         </p:spPr>
         <p:txBody>
-          <a:bodyPr vert="horz" lIns="45720" tIns="45720" rIns="45720" bIns="45720" anchor="b"/>
+          <a:bodyPr lIns="45720" rIns="45720"/>
           <a:lstStyle>
-            <a:lvl1pPr algn="l">
-              <a:buNone/>
-              <a:defRPr sz="2000" b="1">
-                <a:solidFill>
-                  <a:schemeClr val="tx2"/>
-                </a:solidFill>
-              </a:defRPr>
-            </a:lvl1pPr>
-          </a:lstStyle>
-          <a:p>
-            <a:r>
-              <a:rPr kumimoji="0" lang="en-US" smtClean="0"/>
-              <a:t>Click to edit Master title style</a:t>
-            </a:r>
-            <a:endParaRPr kumimoji="0" lang="en-US"/>
-          </a:p>
-        </p:txBody>
-      </p:sp>
-      <p:sp>
-        <p:nvSpPr>
-          <p:cNvPr id="4" name="Text Placeholder 3"/>
-          <p:cNvSpPr>
-            <a:spLocks noGrp="1"/>
-          </p:cNvSpPr>
-          <p:nvPr>
-            <p:ph type="body" sz="half" idx="2"/>
-          </p:nvPr>
-        </p:nvSpPr>
-        <p:spPr>
-          <a:xfrm>
-            <a:off x="609600" y="2828785"/>
-            <a:ext cx="2209800" cy="2179320"/>
-          </a:xfrm>
-        </p:spPr>
-        <p:txBody>
-          <a:bodyPr lIns="64008" rIns="45720" bIns="45720" anchor="t"/>
-          <a:lstStyle>
-            <a:lvl1pPr marL="0" indent="0" algn="l">
-              <a:spcBef>
-                <a:spcPts val="250"/>
-              </a:spcBef>
+            <a:lvl1pPr marL="0" indent="0">
               <a:buFontTx/>
               <a:buNone/>
-              <a:defRPr sz="1300"/>
+              <a:defRPr sz="1200"/>
             </a:lvl1pPr>
             <a:lvl2pPr>
+              <a:buFontTx/>
+              <a:buNone/>
               <a:defRPr sz="1200"/>
             </a:lvl2pPr>
             <a:lvl3pPr>
+              <a:buFontTx/>
+              <a:buNone/>
               <a:defRPr sz="1000"/>
             </a:lvl3pPr>
             <a:lvl4pPr>
+              <a:buFontTx/>
+              <a:buNone/>
               <a:defRPr sz="900"/>
             </a:lvl4pPr>
             <a:lvl5pPr>
+              <a:buFontTx/>
+              <a:buNone/>
               <a:defRPr sz="900"/>
             </a:lvl5pPr>
           </a:lstStyle>
@@ -2494,14 +2896,19 @@
             <p:ph type="dt" sz="half" idx="10"/>
           </p:nvPr>
         </p:nvSpPr>
-        <p:spPr/>
+        <p:spPr>
+          <a:xfrm>
+            <a:off x="457200" y="6422064"/>
+            <a:ext cx="2133600" cy="365125"/>
+          </a:xfrm>
+        </p:spPr>
         <p:txBody>
           <a:bodyPr/>
           <a:lstStyle/>
           <a:p>
             <a:fld id="{71261887-40B1-4977-B4BC-89EB7F2B4617}" type="datetimeFigureOut">
               <a:rPr lang="en-US" smtClean="0"/>
-              <a:t>5/30/2016</a:t>
+              <a:t>5/31/2016</a:t>
             </a:fld>
             <a:endParaRPr lang="en-US"/>
           </a:p>
@@ -2536,12 +2943,7 @@
             <p:ph type="sldNum" sz="quarter" idx="12"/>
           </p:nvPr>
         </p:nvSpPr>
-        <p:spPr>
-          <a:xfrm>
-            <a:off x="8077200" y="6356350"/>
-            <a:ext cx="609600" cy="365125"/>
-          </a:xfrm>
-        </p:spPr>
+        <p:spPr/>
         <p:txBody>
           <a:bodyPr/>
           <a:lstStyle/>
@@ -2554,64 +2956,48 @@
           </a:p>
         </p:txBody>
       </p:sp>
-      <p:sp>
-        <p:nvSpPr>
-          <p:cNvPr id="3" name="Picture Placeholder 2"/>
-          <p:cNvSpPr>
-            <a:spLocks noGrp="1"/>
-          </p:cNvSpPr>
-          <p:nvPr>
-            <p:ph type="pic" idx="1"/>
-          </p:nvPr>
-        </p:nvSpPr>
-        <p:spPr>
-          <a:xfrm rot="420000">
-            <a:off x="3485793" y="1199517"/>
-            <a:ext cx="4617720" cy="3931920"/>
-          </a:xfrm>
-          <a:prstGeom prst="rect">
-            <a:avLst/>
-          </a:prstGeom>
-          <a:solidFill>
-            <a:schemeClr val="bg2"/>
-          </a:solidFill>
-          <a:ln w="3000" cap="rnd">
-            <a:solidFill>
-              <a:srgbClr val="C0C0C0"/>
-            </a:solidFill>
-            <a:round/>
-          </a:ln>
-          <a:effectLst/>
-        </p:spPr>
-        <p:txBody>
-          <a:bodyPr/>
-          <a:lstStyle>
-            <a:lvl1pPr marL="0" indent="0">
-              <a:buNone/>
-              <a:defRPr sz="3200"/>
-            </a:lvl1pPr>
-          </a:lstStyle>
-          <a:p>
-            <a:r>
-              <a:rPr kumimoji="0" lang="en-US" smtClean="0"/>
-              <a:t>Click icon to add picture</a:t>
-            </a:r>
-            <a:endParaRPr kumimoji="0" lang="en-US" dirty="0"/>
-          </a:p>
-        </p:txBody>
-      </p:sp>
-      <p:sp>
-        <p:nvSpPr>
-          <p:cNvPr id="10" name="Freeform 9"/>
+    </p:spTree>
+  </p:cSld>
+  <p:clrMapOvr>
+    <a:masterClrMapping/>
+  </p:clrMapOvr>
+</p:sldLayout>
+</file>
+
+<file path=ppt/slideMasters/slideMaster1.xml><?xml version="1.0" encoding="utf-8"?>
+<p:sldMaster xmlns:a="http://schemas.openxmlformats.org/drawingml/2006/main" xmlns:r="http://schemas.openxmlformats.org/officeDocument/2006/relationships" xmlns:p="http://schemas.openxmlformats.org/presentationml/2006/main">
+  <p:cSld>
+    <p:bg>
+      <p:bgRef idx="1001">
+        <a:schemeClr val="bg2"/>
+      </p:bgRef>
+    </p:bg>
+    <p:spTree>
+      <p:nvGrpSpPr>
+        <p:cNvPr id="1" name=""/>
+        <p:cNvGrpSpPr/>
+        <p:nvPr/>
+      </p:nvGrpSpPr>
+      <p:grpSpPr>
+        <a:xfrm>
+          <a:off x="0" y="0"/>
+          <a:ext cx="0" cy="0"/>
+          <a:chOff x="0" y="0"/>
+          <a:chExt cx="0" cy="0"/>
+        </a:xfrm>
+      </p:grpSpPr>
+      <p:sp>
+        <p:nvSpPr>
+          <p:cNvPr id="12" name="Freeform 11"/>
           <p:cNvSpPr>
             <a:spLocks/>
           </p:cNvSpPr>
           <p:nvPr/>
         </p:nvSpPr>
         <p:spPr bwMode="auto">
-          <a:xfrm flipV="1">
-            <a:off x="-9525" y="5816600"/>
-            <a:ext cx="9163050" cy="1041400"/>
+          <a:xfrm>
+            <a:off x="0" y="4752126"/>
+            <a:ext cx="9144000" cy="2112962"/>
           </a:xfrm>
           <a:custGeom>
             <a:avLst>
@@ -2628,96 +3014,52 @@
             <a:ahLst/>
             <a:cxnLst>
               <a:cxn ang="0">
-                <a:pos x="6" y="2"/>
+                <a:pos x="0" y="1066"/>
               </a:cxn>
               <a:cxn ang="0">
-                <a:pos x="2542" y="0"/>
+                <a:pos x="0" y="1331"/>
               </a:cxn>
               <a:cxn ang="0">
-                <a:pos x="4374" y="367"/>
+                <a:pos x="5760" y="1331"/>
               </a:cxn>
               <a:cxn ang="0">
-                <a:pos x="5766" y="55"/>
+                <a:pos x="5760" y="0"/>
               </a:cxn>
               <a:cxn ang="0">
-                <a:pos x="5772" y="213"/>
-              </a:cxn>
-              <a:cxn ang="0">
-                <a:pos x="4302" y="439"/>
-              </a:cxn>
-              <a:cxn ang="0">
-                <a:pos x="1488" y="201"/>
-              </a:cxn>
-              <a:cxn ang="0">
-                <a:pos x="0" y="656"/>
-              </a:cxn>
-              <a:cxn ang="0">
-                <a:pos x="6" y="2"/>
+                <a:pos x="0" y="1066"/>
               </a:cxn>
             </a:cxnLst>
             <a:rect l="0" t="0" r="0" b="0"/>
             <a:pathLst>
-              <a:path w="5772" h="656">
+              <a:path w="5760" h="1331">
                 <a:moveTo>
-                  <a:pt x="6" y="2"/>
+                  <a:pt x="0" y="1066"/>
                 </a:moveTo>
                 <a:lnTo>
-                  <a:pt x="2542" y="0"/>
+                  <a:pt x="0" y="1331"/>
+                </a:lnTo>
+                <a:lnTo>
+                  <a:pt x="5760" y="1331"/>
+                </a:lnTo>
+                <a:lnTo>
+                  <a:pt x="5760" y="0"/>
                 </a:lnTo>
                 <a:cubicBezTo>
-                  <a:pt x="2746" y="101"/>
-                  <a:pt x="3828" y="367"/>
-                  <a:pt x="4374" y="367"/>
+                  <a:pt x="3220" y="1206"/>
+                  <a:pt x="2250" y="1146"/>
+                  <a:pt x="0" y="1066"/>
                 </a:cubicBezTo>
-                <a:cubicBezTo>
-                  <a:pt x="4920" y="367"/>
-                  <a:pt x="5526" y="152"/>
-                  <a:pt x="5766" y="55"/>
-                </a:cubicBezTo>
-                <a:lnTo>
-                  <a:pt x="5772" y="213"/>
-                </a:lnTo>
-                <a:cubicBezTo>
-                  <a:pt x="5670" y="257"/>
-                  <a:pt x="5016" y="441"/>
-                  <a:pt x="4302" y="439"/>
-                </a:cubicBezTo>
-                <a:cubicBezTo>
-                  <a:pt x="3588" y="437"/>
-                  <a:pt x="2205" y="165"/>
-                  <a:pt x="1488" y="201"/>
-                </a:cubicBezTo>
-                <a:cubicBezTo>
-                  <a:pt x="750" y="209"/>
-                  <a:pt x="270" y="482"/>
-                  <a:pt x="0" y="656"/>
-                </a:cubicBezTo>
-                <a:lnTo>
-                  <a:pt x="6" y="2"/>
-                </a:lnTo>
                 <a:close/>
               </a:path>
             </a:pathLst>
           </a:custGeom>
-          <a:gradFill>
-            <a:gsLst>
-              <a:gs pos="0">
-                <a:schemeClr val="accent2">
-                  <a:shade val="50000"/>
-                  <a:alpha val="45000"/>
-                  <a:satMod val="120000"/>
-                </a:schemeClr>
-              </a:gs>
-              <a:gs pos="100000">
-                <a:schemeClr val="accent3">
-                  <a:shade val="80000"/>
-                  <a:alpha val="55000"/>
-                  <a:satMod val="155000"/>
-                </a:schemeClr>
-              </a:gs>
-            </a:gsLst>
-            <a:lin ang="5400000" scaled="1"/>
-          </a:gradFill>
+          <a:solidFill>
+            <a:schemeClr val="bg1">
+              <a:tint val="80000"/>
+              <a:satMod val="200000"/>
+              <a:alpha val="45000"/>
+            </a:schemeClr>
+          </a:solidFill>
           <a:ln w="9525" cap="flat" cmpd="sng" algn="ctr">
             <a:noFill/>
             <a:prstDash val="solid"/>
@@ -2725,112 +3067,98 @@
             <a:headEnd type="none" w="med" len="med"/>
             <a:tailEnd type="none" w="med" len="med"/>
           </a:ln>
-          <a:effectLst/>
+          <a:effectLst>
+            <a:outerShdw blurRad="50800" dist="44450" dir="16200000" algn="ctr" rotWithShape="0">
+              <a:prstClr val="black">
+                <a:alpha val="35000"/>
+              </a:prstClr>
+            </a:outerShdw>
+          </a:effectLst>
         </p:spPr>
         <p:txBody>
           <a:bodyPr vert="horz" wrap="square" lIns="91440" tIns="45720" rIns="91440" bIns="45720" anchor="t" compatLnSpc="1"/>
           <a:lstStyle/>
           <a:p>
-            <a:pPr marL="0" algn="l" rtl="0" eaLnBrk="1" latinLnBrk="0" hangingPunct="1"/>
-            <a:endParaRPr kumimoji="0" lang="en-US">
-              <a:solidFill>
-                <a:schemeClr val="tx1"/>
-              </a:solidFill>
-              <a:latin typeface="+mn-lt"/>
-              <a:ea typeface="+mn-ea"/>
-              <a:cs typeface="+mn-cs"/>
-            </a:endParaRPr>
-          </a:p>
-        </p:txBody>
-      </p:sp>
-      <p:sp>
-        <p:nvSpPr>
-          <p:cNvPr id="11" name="Freeform 10"/>
+            <a:endParaRPr kumimoji="0" lang="en-US"/>
+          </a:p>
+        </p:txBody>
+      </p:sp>
+      <p:sp>
+        <p:nvSpPr>
+          <p:cNvPr id="16" name="Freeform 15"/>
           <p:cNvSpPr>
             <a:spLocks/>
           </p:cNvSpPr>
           <p:nvPr/>
         </p:nvSpPr>
         <p:spPr bwMode="auto">
-          <a:xfrm flipV="1">
-            <a:off x="4381500" y="6219825"/>
-            <a:ext cx="4762500" cy="638175"/>
+          <a:xfrm>
+            <a:off x="7315200" y="0"/>
+            <a:ext cx="1828800" cy="6858000"/>
           </a:xfrm>
           <a:custGeom>
-            <a:avLst>
-              <a:gd name="A1" fmla="val 0"/>
-              <a:gd name="A2" fmla="val 0"/>
-              <a:gd name="A3" fmla="val 0"/>
-              <a:gd name="A4" fmla="val 0"/>
-              <a:gd name="A5" fmla="val 0"/>
-              <a:gd name="A6" fmla="val 0"/>
-              <a:gd name="A7" fmla="val 0"/>
-              <a:gd name="A8" fmla="val 0"/>
-            </a:avLst>
-            <a:gdLst/>
+            <a:avLst/>
+            <a:gdLst>
+              <a:gd name="connsiteX0" fmla="*/ 1914 w 1914"/>
+              <a:gd name="connsiteY0" fmla="*/ 9 h 4329"/>
+              <a:gd name="connsiteX1" fmla="*/ 1914 w 1914"/>
+              <a:gd name="connsiteY1" fmla="*/ 4329 h 4329"/>
+              <a:gd name="connsiteX2" fmla="*/ 204 w 1914"/>
+              <a:gd name="connsiteY2" fmla="*/ 4327 h 4329"/>
+              <a:gd name="connsiteX3" fmla="*/ 0 w 1914"/>
+              <a:gd name="connsiteY3" fmla="*/ 0 h 4329"/>
+              <a:gd name="connsiteX4" fmla="*/ 1914 w 1914"/>
+              <a:gd name="connsiteY4" fmla="*/ 9 h 4329"/>
+            </a:gdLst>
             <a:ahLst/>
             <a:cxnLst>
               <a:cxn ang="0">
-                <a:pos x="0" y="0"/>
+                <a:pos x="connsiteX0" y="connsiteY0"/>
               </a:cxn>
               <a:cxn ang="0">
-                <a:pos x="1668" y="564"/>
+                <a:pos x="connsiteX1" y="connsiteY1"/>
               </a:cxn>
               <a:cxn ang="0">
-                <a:pos x="3000" y="186"/>
+                <a:pos x="connsiteX2" y="connsiteY2"/>
               </a:cxn>
               <a:cxn ang="0">
-                <a:pos x="3000" y="6"/>
+                <a:pos x="connsiteX3" y="connsiteY3"/>
               </a:cxn>
               <a:cxn ang="0">
-                <a:pos x="0" y="0"/>
+                <a:pos x="connsiteX4" y="connsiteY4"/>
               </a:cxn>
             </a:cxnLst>
-            <a:rect l="0" t="0" r="0" b="0"/>
+            <a:rect l="l" t="t" r="r" b="b"/>
             <a:pathLst>
-              <a:path w="3000" h="595">
+              <a:path w="1914" h="4329">
                 <a:moveTo>
+                  <a:pt x="1914" y="9"/>
+                </a:moveTo>
+                <a:lnTo>
+                  <a:pt x="1914" y="4329"/>
+                </a:lnTo>
+                <a:lnTo>
+                  <a:pt x="204" y="4327"/>
+                </a:lnTo>
+                <a:cubicBezTo>
+                  <a:pt x="1288" y="3574"/>
+                  <a:pt x="2082" y="1734"/>
                   <a:pt x="0" y="0"/>
-                </a:moveTo>
-                <a:cubicBezTo>
-                  <a:pt x="174" y="102"/>
-                  <a:pt x="1168" y="533"/>
-                  <a:pt x="1668" y="564"/>
-                </a:cubicBezTo>
-                <a:cubicBezTo>
-                  <a:pt x="2168" y="595"/>
-                  <a:pt x="2778" y="279"/>
-                  <a:pt x="3000" y="186"/>
                 </a:cubicBezTo>
                 <a:lnTo>
-                  <a:pt x="3000" y="6"/>
-                </a:lnTo>
-                <a:lnTo>
-                  <a:pt x="0" y="0"/>
+                  <a:pt x="1914" y="9"/>
                 </a:lnTo>
                 <a:close/>
               </a:path>
             </a:pathLst>
           </a:custGeom>
-          <a:gradFill>
-            <a:gsLst>
-              <a:gs pos="0">
-                <a:schemeClr val="accent3">
-                  <a:shade val="50000"/>
-                  <a:alpha val="30000"/>
-                  <a:satMod val="130000"/>
-                </a:schemeClr>
-              </a:gs>
-              <a:gs pos="80000">
-                <a:schemeClr val="accent2">
-                  <a:shade val="75000"/>
-                  <a:alpha val="45000"/>
-                  <a:satMod val="140000"/>
-                </a:schemeClr>
-              </a:gs>
-            </a:gsLst>
-            <a:lin ang="5400000" scaled="1"/>
-          </a:gradFill>
+          <a:solidFill>
+            <a:schemeClr val="bg1">
+              <a:tint val="90000"/>
+              <a:satMod val="350000"/>
+              <a:alpha val="40000"/>
+            </a:schemeClr>
+          </a:solidFill>
           <a:ln w="9525" cap="flat" cmpd="sng" algn="ctr">
             <a:noFill/>
             <a:prstDash val="solid"/>
@@ -2838,307 +3166,19 @@
             <a:headEnd type="none" w="med" len="med"/>
             <a:tailEnd type="none" w="med" len="med"/>
           </a:ln>
-          <a:effectLst/>
+          <a:effectLst>
+            <a:outerShdw blurRad="50800" dist="50800" dir="10800000" algn="ctr" rotWithShape="0">
+              <a:prstClr val="black">
+                <a:alpha val="45000"/>
+              </a:prstClr>
+            </a:outerShdw>
+          </a:effectLst>
         </p:spPr>
         <p:txBody>
           <a:bodyPr vert="horz" wrap="square" lIns="91440" tIns="45720" rIns="91440" bIns="45720" anchor="t" compatLnSpc="1"/>
           <a:lstStyle/>
           <a:p>
-            <a:pPr marL="0" algn="l" rtl="0" eaLnBrk="1" latinLnBrk="0" hangingPunct="1"/>
-            <a:endParaRPr kumimoji="0" lang="en-US">
-              <a:solidFill>
-                <a:schemeClr val="tx1"/>
-              </a:solidFill>
-              <a:latin typeface="+mn-lt"/>
-              <a:ea typeface="+mn-ea"/>
-              <a:cs typeface="+mn-cs"/>
-            </a:endParaRPr>
-          </a:p>
-        </p:txBody>
-      </p:sp>
-    </p:spTree>
-  </p:cSld>
-  <p:clrMapOvr>
-    <a:masterClrMapping/>
-  </p:clrMapOvr>
-</p:sldLayout>
-</file>
-
-<file path=ppt/slideMasters/slideMaster1.xml><?xml version="1.0" encoding="utf-8"?>
-<p:sldMaster xmlns:a="http://schemas.openxmlformats.org/drawingml/2006/main" xmlns:r="http://schemas.openxmlformats.org/officeDocument/2006/relationships" xmlns:p="http://schemas.openxmlformats.org/presentationml/2006/main">
-  <p:cSld>
-    <p:bg>
-      <p:bgRef idx="1003">
-        <a:schemeClr val="bg1"/>
-      </p:bgRef>
-    </p:bg>
-    <p:spTree>
-      <p:nvGrpSpPr>
-        <p:cNvPr id="1" name=""/>
-        <p:cNvGrpSpPr/>
-        <p:nvPr/>
-      </p:nvGrpSpPr>
-      <p:grpSpPr>
-        <a:xfrm>
-          <a:off x="0" y="0"/>
-          <a:ext cx="0" cy="0"/>
-          <a:chOff x="0" y="0"/>
-          <a:chExt cx="0" cy="0"/>
-        </a:xfrm>
-      </p:grpSpPr>
-      <p:sp>
-        <p:nvSpPr>
-          <p:cNvPr id="7" name="Freeform 6"/>
-          <p:cNvSpPr>
-            <a:spLocks/>
-          </p:cNvSpPr>
-          <p:nvPr/>
-        </p:nvSpPr>
-        <p:spPr bwMode="auto">
-          <a:xfrm>
-            <a:off x="-9525" y="-7144"/>
-            <a:ext cx="9163050" cy="1041400"/>
-          </a:xfrm>
-          <a:custGeom>
-            <a:avLst>
-              <a:gd name="A1" fmla="val 0"/>
-              <a:gd name="A2" fmla="val 0"/>
-              <a:gd name="A3" fmla="val 0"/>
-              <a:gd name="A4" fmla="val 0"/>
-              <a:gd name="A5" fmla="val 0"/>
-              <a:gd name="A6" fmla="val 0"/>
-              <a:gd name="A7" fmla="val 0"/>
-              <a:gd name="A8" fmla="val 0"/>
-            </a:avLst>
-            <a:gdLst/>
-            <a:ahLst/>
-            <a:cxnLst>
-              <a:cxn ang="0">
-                <a:pos x="6" y="2"/>
-              </a:cxn>
-              <a:cxn ang="0">
-                <a:pos x="2542" y="0"/>
-              </a:cxn>
-              <a:cxn ang="0">
-                <a:pos x="4374" y="367"/>
-              </a:cxn>
-              <a:cxn ang="0">
-                <a:pos x="5766" y="55"/>
-              </a:cxn>
-              <a:cxn ang="0">
-                <a:pos x="5772" y="213"/>
-              </a:cxn>
-              <a:cxn ang="0">
-                <a:pos x="4302" y="439"/>
-              </a:cxn>
-              <a:cxn ang="0">
-                <a:pos x="1488" y="201"/>
-              </a:cxn>
-              <a:cxn ang="0">
-                <a:pos x="0" y="656"/>
-              </a:cxn>
-              <a:cxn ang="0">
-                <a:pos x="6" y="2"/>
-              </a:cxn>
-            </a:cxnLst>
-            <a:rect l="0" t="0" r="0" b="0"/>
-            <a:pathLst>
-              <a:path w="5772" h="656">
-                <a:moveTo>
-                  <a:pt x="6" y="2"/>
-                </a:moveTo>
-                <a:lnTo>
-                  <a:pt x="2542" y="0"/>
-                </a:lnTo>
-                <a:cubicBezTo>
-                  <a:pt x="2746" y="101"/>
-                  <a:pt x="3828" y="367"/>
-                  <a:pt x="4374" y="367"/>
-                </a:cubicBezTo>
-                <a:cubicBezTo>
-                  <a:pt x="4920" y="367"/>
-                  <a:pt x="5526" y="152"/>
-                  <a:pt x="5766" y="55"/>
-                </a:cubicBezTo>
-                <a:lnTo>
-                  <a:pt x="5772" y="213"/>
-                </a:lnTo>
-                <a:cubicBezTo>
-                  <a:pt x="5670" y="257"/>
-                  <a:pt x="5016" y="441"/>
-                  <a:pt x="4302" y="439"/>
-                </a:cubicBezTo>
-                <a:cubicBezTo>
-                  <a:pt x="3588" y="437"/>
-                  <a:pt x="2205" y="165"/>
-                  <a:pt x="1488" y="201"/>
-                </a:cubicBezTo>
-                <a:cubicBezTo>
-                  <a:pt x="750" y="209"/>
-                  <a:pt x="270" y="482"/>
-                  <a:pt x="0" y="656"/>
-                </a:cubicBezTo>
-                <a:lnTo>
-                  <a:pt x="6" y="2"/>
-                </a:lnTo>
-                <a:close/>
-              </a:path>
-            </a:pathLst>
-          </a:custGeom>
-          <a:gradFill>
-            <a:gsLst>
-              <a:gs pos="0">
-                <a:schemeClr val="accent2">
-                  <a:shade val="50000"/>
-                  <a:alpha val="45000"/>
-                  <a:satMod val="120000"/>
-                </a:schemeClr>
-              </a:gs>
-              <a:gs pos="100000">
-                <a:schemeClr val="accent3">
-                  <a:shade val="80000"/>
-                  <a:alpha val="55000"/>
-                  <a:satMod val="155000"/>
-                </a:schemeClr>
-              </a:gs>
-            </a:gsLst>
-            <a:lin ang="5400000" scaled="1"/>
-          </a:gradFill>
-          <a:ln w="9525" cap="flat" cmpd="sng" algn="ctr">
-            <a:noFill/>
-            <a:prstDash val="solid"/>
-            <a:round/>
-            <a:headEnd type="none" w="med" len="med"/>
-            <a:tailEnd type="none" w="med" len="med"/>
-          </a:ln>
-          <a:effectLst/>
-        </p:spPr>
-        <p:txBody>
-          <a:bodyPr vert="horz" wrap="square" lIns="91440" tIns="45720" rIns="91440" bIns="45720" anchor="t" compatLnSpc="1"/>
-          <a:lstStyle/>
-          <a:p>
-            <a:pPr marL="0" algn="l" rtl="0" eaLnBrk="1" latinLnBrk="0" hangingPunct="1"/>
-            <a:endParaRPr kumimoji="0" lang="en-US">
-              <a:solidFill>
-                <a:schemeClr val="tx1"/>
-              </a:solidFill>
-              <a:latin typeface="+mn-lt"/>
-              <a:ea typeface="+mn-ea"/>
-              <a:cs typeface="+mn-cs"/>
-            </a:endParaRPr>
-          </a:p>
-        </p:txBody>
-      </p:sp>
-      <p:sp>
-        <p:nvSpPr>
-          <p:cNvPr id="8" name="Freeform 7"/>
-          <p:cNvSpPr>
-            <a:spLocks/>
-          </p:cNvSpPr>
-          <p:nvPr/>
-        </p:nvSpPr>
-        <p:spPr bwMode="auto">
-          <a:xfrm>
-            <a:off x="4381500" y="-7144"/>
-            <a:ext cx="4762500" cy="638175"/>
-          </a:xfrm>
-          <a:custGeom>
-            <a:avLst>
-              <a:gd name="A1" fmla="val 0"/>
-              <a:gd name="A2" fmla="val 0"/>
-              <a:gd name="A3" fmla="val 0"/>
-              <a:gd name="A4" fmla="val 0"/>
-              <a:gd name="A5" fmla="val 0"/>
-              <a:gd name="A6" fmla="val 0"/>
-              <a:gd name="A7" fmla="val 0"/>
-              <a:gd name="A8" fmla="val 0"/>
-            </a:avLst>
-            <a:gdLst/>
-            <a:ahLst/>
-            <a:cxnLst>
-              <a:cxn ang="0">
-                <a:pos x="0" y="0"/>
-              </a:cxn>
-              <a:cxn ang="0">
-                <a:pos x="1668" y="564"/>
-              </a:cxn>
-              <a:cxn ang="0">
-                <a:pos x="3000" y="186"/>
-              </a:cxn>
-              <a:cxn ang="0">
-                <a:pos x="3000" y="6"/>
-              </a:cxn>
-              <a:cxn ang="0">
-                <a:pos x="0" y="0"/>
-              </a:cxn>
-            </a:cxnLst>
-            <a:rect l="0" t="0" r="0" b="0"/>
-            <a:pathLst>
-              <a:path w="3000" h="595">
-                <a:moveTo>
-                  <a:pt x="0" y="0"/>
-                </a:moveTo>
-                <a:cubicBezTo>
-                  <a:pt x="174" y="102"/>
-                  <a:pt x="1168" y="533"/>
-                  <a:pt x="1668" y="564"/>
-                </a:cubicBezTo>
-                <a:cubicBezTo>
-                  <a:pt x="2168" y="595"/>
-                  <a:pt x="2778" y="279"/>
-                  <a:pt x="3000" y="186"/>
-                </a:cubicBezTo>
-                <a:lnTo>
-                  <a:pt x="3000" y="6"/>
-                </a:lnTo>
-                <a:lnTo>
-                  <a:pt x="0" y="0"/>
-                </a:lnTo>
-                <a:close/>
-              </a:path>
-            </a:pathLst>
-          </a:custGeom>
-          <a:gradFill>
-            <a:gsLst>
-              <a:gs pos="0">
-                <a:schemeClr val="accent3">
-                  <a:shade val="50000"/>
-                  <a:alpha val="30000"/>
-                  <a:satMod val="130000"/>
-                </a:schemeClr>
-              </a:gs>
-              <a:gs pos="80000">
-                <a:schemeClr val="accent2">
-                  <a:shade val="75000"/>
-                  <a:alpha val="45000"/>
-                  <a:satMod val="140000"/>
-                </a:schemeClr>
-              </a:gs>
-            </a:gsLst>
-            <a:lin ang="5400000" scaled="1"/>
-          </a:gradFill>
-          <a:ln w="9525" cap="flat" cmpd="sng" algn="ctr">
-            <a:noFill/>
-            <a:prstDash val="solid"/>
-            <a:round/>
-            <a:headEnd type="none" w="med" len="med"/>
-            <a:tailEnd type="none" w="med" len="med"/>
-          </a:ln>
-          <a:effectLst/>
-        </p:spPr>
-        <p:txBody>
-          <a:bodyPr vert="horz" wrap="square" lIns="91440" tIns="45720" rIns="91440" bIns="45720" anchor="t" compatLnSpc="1"/>
-          <a:lstStyle/>
-          <a:p>
-            <a:pPr marL="0" algn="l" rtl="0" eaLnBrk="1" latinLnBrk="0" hangingPunct="1"/>
-            <a:endParaRPr kumimoji="0" lang="en-US">
-              <a:solidFill>
-                <a:schemeClr val="tx1"/>
-              </a:solidFill>
-              <a:latin typeface="+mn-lt"/>
-              <a:ea typeface="+mn-ea"/>
-              <a:cs typeface="+mn-cs"/>
-            </a:endParaRPr>
+            <a:endParaRPr kumimoji="0" lang="en-US"/>
           </a:p>
         </p:txBody>
       </p:sp>
@@ -3154,15 +3194,15 @@
         </p:nvSpPr>
         <p:spPr>
           <a:xfrm>
-            <a:off x="457200" y="704088"/>
-            <a:ext cx="8229600" cy="1143000"/>
+            <a:off x="457200" y="274638"/>
+            <a:ext cx="7467600" cy="1143000"/>
           </a:xfrm>
           <a:prstGeom prst="rect">
             <a:avLst/>
           </a:prstGeom>
         </p:spPr>
         <p:txBody>
-          <a:bodyPr vert="horz" lIns="0" rIns="0" bIns="0" anchor="b">
+          <a:bodyPr vert="horz" lIns="45720" rIns="45720" anchor="ctr">
             <a:normAutofit/>
           </a:bodyPr>
           <a:lstStyle/>
@@ -3187,8 +3227,8 @@
         </p:nvSpPr>
         <p:spPr>
           <a:xfrm>
-            <a:off x="457200" y="1935480"/>
-            <a:ext cx="8229600" cy="4389120"/>
+            <a:off x="457200" y="1600200"/>
+            <a:ext cx="7467600" cy="4525963"/>
           </a:xfrm>
           <a:prstGeom prst="rect">
             <a:avLst/>
@@ -3249,7 +3289,7 @@
         </p:nvSpPr>
         <p:spPr>
           <a:xfrm>
-            <a:off x="457200" y="6356350"/>
+            <a:off x="457200" y="6422064"/>
             <a:ext cx="2133600" cy="365125"/>
           </a:xfrm>
           <a:prstGeom prst="rect">
@@ -3257,13 +3297,13 @@
           </a:prstGeom>
         </p:spPr>
         <p:txBody>
-          <a:bodyPr vert="horz" lIns="0" tIns="0" rIns="0" bIns="0" anchor="b"/>
+          <a:bodyPr vert="horz" bIns="0" anchor="b"/>
           <a:lstStyle>
             <a:lvl1pPr algn="l" eaLnBrk="1" latinLnBrk="0" hangingPunct="1">
-              <a:defRPr kumimoji="0" sz="1200">
+              <a:defRPr kumimoji="0" sz="1000">
                 <a:solidFill>
                   <a:schemeClr val="tx2">
-                    <a:shade val="90000"/>
+                    <a:shade val="50000"/>
                   </a:schemeClr>
                 </a:solidFill>
               </a:defRPr>
@@ -3272,7 +3312,7 @@
           <a:p>
             <a:fld id="{71261887-40B1-4977-B4BC-89EB7F2B4617}" type="datetimeFigureOut">
               <a:rPr lang="en-US" smtClean="0"/>
-              <a:t>5/30/2016</a:t>
+              <a:t>5/31/2016</a:t>
             </a:fld>
             <a:endParaRPr lang="en-US"/>
           </a:p>
@@ -3290,21 +3330,21 @@
         </p:nvSpPr>
         <p:spPr>
           <a:xfrm>
-            <a:off x="2667000" y="6356350"/>
-            <a:ext cx="3352800" cy="365125"/>
+            <a:off x="3124200" y="6422064"/>
+            <a:ext cx="2895600" cy="365125"/>
           </a:xfrm>
           <a:prstGeom prst="rect">
             <a:avLst/>
           </a:prstGeom>
         </p:spPr>
         <p:txBody>
-          <a:bodyPr vert="horz" lIns="0" tIns="0" rIns="0" bIns="0" anchor="b"/>
+          <a:bodyPr vert="horz" lIns="0" rIns="0" bIns="0" anchor="b"/>
           <a:lstStyle>
-            <a:lvl1pPr algn="l" eaLnBrk="1" latinLnBrk="0" hangingPunct="1">
-              <a:defRPr kumimoji="0" sz="1200">
+            <a:lvl1pPr algn="ctr" eaLnBrk="1" latinLnBrk="0" hangingPunct="1">
+              <a:defRPr kumimoji="0" sz="1000">
                 <a:solidFill>
                   <a:schemeClr val="tx2">
-                    <a:shade val="90000"/>
+                    <a:shade val="50000"/>
                   </a:schemeClr>
                 </a:solidFill>
               </a:defRPr>
@@ -3327,7 +3367,7 @@
         </p:nvSpPr>
         <p:spPr>
           <a:xfrm>
-            <a:off x="7924800" y="6356350"/>
+            <a:off x="8153400" y="6422064"/>
             <a:ext cx="762000" cy="365125"/>
           </a:xfrm>
           <a:prstGeom prst="rect">
@@ -3338,10 +3378,10 @@
           <a:bodyPr vert="horz" lIns="0" tIns="0" rIns="0" bIns="0" anchor="b"/>
           <a:lstStyle>
             <a:lvl1pPr algn="r" eaLnBrk="1" latinLnBrk="0" hangingPunct="1">
-              <a:defRPr kumimoji="0" sz="1200">
+              <a:defRPr kumimoji="0" sz="1000">
                 <a:solidFill>
                   <a:schemeClr val="tx2">
-                    <a:shade val="90000"/>
+                    <a:shade val="50000"/>
                   </a:schemeClr>
                 </a:solidFill>
               </a:defRPr>
@@ -3356,235 +3396,21 @@
           </a:p>
         </p:txBody>
       </p:sp>
-      <p:grpSp>
-        <p:nvGrpSpPr>
-          <p:cNvPr id="2" name="Group 1"/>
-          <p:cNvGrpSpPr/>
-          <p:nvPr/>
-        </p:nvGrpSpPr>
-        <p:grpSpPr>
-          <a:xfrm>
-            <a:off x="-19017" y="202408"/>
-            <a:ext cx="9180548" cy="649224"/>
-            <a:chOff x="-19045" y="216550"/>
-            <a:chExt cx="9180548" cy="649224"/>
-          </a:xfrm>
-        </p:grpSpPr>
-        <p:sp>
-          <p:nvSpPr>
-            <p:cNvPr id="12" name="Freeform 11"/>
-            <p:cNvSpPr>
-              <a:spLocks/>
-            </p:cNvSpPr>
-            <p:nvPr/>
-          </p:nvSpPr>
-          <p:spPr bwMode="auto">
-            <a:xfrm rot="21435692">
-              <a:off x="-19045" y="216550"/>
-              <a:ext cx="9163050" cy="649224"/>
-            </a:xfrm>
-            <a:custGeom>
-              <a:avLst>
-                <a:gd name="A1" fmla="val 0"/>
-                <a:gd name="A2" fmla="val 0"/>
-                <a:gd name="A3" fmla="val 0"/>
-                <a:gd name="A4" fmla="val 0"/>
-                <a:gd name="A5" fmla="val 0"/>
-                <a:gd name="A6" fmla="val 0"/>
-                <a:gd name="A7" fmla="val 0"/>
-                <a:gd name="A8" fmla="val 0"/>
-              </a:avLst>
-              <a:gdLst/>
-              <a:ahLst/>
-              <a:cxnLst>
-                <a:cxn ang="0">
-                  <a:pos x="0" y="966"/>
-                </a:cxn>
-                <a:cxn ang="0">
-                  <a:pos x="1608" y="282"/>
-                </a:cxn>
-                <a:cxn ang="0">
-                  <a:pos x="4110" y="1008"/>
-                </a:cxn>
-                <a:cxn ang="0">
-                  <a:pos x="5772" y="0"/>
-                </a:cxn>
-              </a:cxnLst>
-              <a:rect l="0" t="0" r="0" b="0"/>
-              <a:pathLst>
-                <a:path w="5772" h="1055">
-                  <a:moveTo>
-                    <a:pt x="0" y="966"/>
-                  </a:moveTo>
-                  <a:cubicBezTo>
-                    <a:pt x="282" y="738"/>
-                    <a:pt x="923" y="275"/>
-                    <a:pt x="1608" y="282"/>
-                  </a:cubicBezTo>
-                  <a:cubicBezTo>
-                    <a:pt x="2293" y="289"/>
-                    <a:pt x="3416" y="1055"/>
-                    <a:pt x="4110" y="1008"/>
-                  </a:cubicBezTo>
-                  <a:cubicBezTo>
-                    <a:pt x="4804" y="961"/>
-                    <a:pt x="5426" y="210"/>
-                    <a:pt x="5772" y="0"/>
-                  </a:cubicBezTo>
-                </a:path>
-              </a:pathLst>
-            </a:custGeom>
-            <a:noFill/>
-            <a:ln w="10795" cap="flat" cmpd="sng" algn="ctr">
-              <a:gradFill>
-                <a:gsLst>
-                  <a:gs pos="74000">
-                    <a:schemeClr val="accent3">
-                      <a:shade val="75000"/>
-                    </a:schemeClr>
-                  </a:gs>
-                  <a:gs pos="86000">
-                    <a:schemeClr val="tx1">
-                      <a:alpha val="29000"/>
-                    </a:schemeClr>
-                  </a:gs>
-                  <a:gs pos="16000">
-                    <a:schemeClr val="accent2">
-                      <a:shade val="75000"/>
-                      <a:alpha val="56000"/>
-                    </a:schemeClr>
-                  </a:gs>
-                </a:gsLst>
-                <a:lin ang="5400000" scaled="1"/>
-              </a:gradFill>
-              <a:prstDash val="solid"/>
-              <a:round/>
-              <a:headEnd type="none" w="med" len="med"/>
-              <a:tailEnd type="none" w="med" len="med"/>
-            </a:ln>
-            <a:effectLst/>
-          </p:spPr>
-          <p:txBody>
-            <a:bodyPr vert="horz" wrap="square" lIns="91440" tIns="45720" rIns="91440" bIns="45720" anchor="t" compatLnSpc="1"/>
-            <a:lstStyle/>
-            <a:p>
-              <a:endParaRPr kumimoji="0" lang="en-US"/>
-            </a:p>
-          </p:txBody>
-        </p:sp>
-        <p:sp>
-          <p:nvSpPr>
-            <p:cNvPr id="13" name="Freeform 12"/>
-            <p:cNvSpPr>
-              <a:spLocks/>
-            </p:cNvSpPr>
-            <p:nvPr/>
-          </p:nvSpPr>
-          <p:spPr bwMode="auto">
-            <a:xfrm rot="21435692">
-              <a:off x="-14309" y="290003"/>
-              <a:ext cx="9175812" cy="530352"/>
-            </a:xfrm>
-            <a:custGeom>
-              <a:avLst>
-                <a:gd name="A1" fmla="val 0"/>
-                <a:gd name="A2" fmla="val 0"/>
-                <a:gd name="A3" fmla="val 0"/>
-                <a:gd name="A4" fmla="val 0"/>
-                <a:gd name="A5" fmla="val 0"/>
-                <a:gd name="A6" fmla="val 0"/>
-                <a:gd name="A7" fmla="val 0"/>
-                <a:gd name="A8" fmla="val 0"/>
-              </a:avLst>
-              <a:gdLst/>
-              <a:ahLst/>
-              <a:cxnLst>
-                <a:cxn ang="0">
-                  <a:pos x="0" y="732"/>
-                </a:cxn>
-                <a:cxn ang="0">
-                  <a:pos x="1638" y="228"/>
-                </a:cxn>
-                <a:cxn ang="0">
-                  <a:pos x="4122" y="816"/>
-                </a:cxn>
-                <a:cxn ang="0">
-                  <a:pos x="5766" y="0"/>
-                </a:cxn>
-              </a:cxnLst>
-              <a:rect l="0" t="0" r="0" b="0"/>
-              <a:pathLst>
-                <a:path w="5766" h="854">
-                  <a:moveTo>
-                    <a:pt x="0" y="732"/>
-                  </a:moveTo>
-                  <a:cubicBezTo>
-                    <a:pt x="273" y="647"/>
-                    <a:pt x="951" y="214"/>
-                    <a:pt x="1638" y="228"/>
-                  </a:cubicBezTo>
-                  <a:cubicBezTo>
-                    <a:pt x="2325" y="242"/>
-                    <a:pt x="3434" y="854"/>
-                    <a:pt x="4122" y="816"/>
-                  </a:cubicBezTo>
-                  <a:cubicBezTo>
-                    <a:pt x="4810" y="778"/>
-                    <a:pt x="5424" y="170"/>
-                    <a:pt x="5766" y="0"/>
-                  </a:cubicBezTo>
-                </a:path>
-              </a:pathLst>
-            </a:custGeom>
-            <a:noFill/>
-            <a:ln w="9525" cap="flat" cmpd="sng" algn="ctr">
-              <a:gradFill>
-                <a:gsLst>
-                  <a:gs pos="74000">
-                    <a:schemeClr val="accent4"/>
-                  </a:gs>
-                  <a:gs pos="44000">
-                    <a:schemeClr val="accent1"/>
-                  </a:gs>
-                  <a:gs pos="33000">
-                    <a:schemeClr val="accent2">
-                      <a:alpha val="56000"/>
-                    </a:schemeClr>
-                  </a:gs>
-                </a:gsLst>
-                <a:lin ang="5400000" scaled="1"/>
-              </a:gradFill>
-              <a:prstDash val="solid"/>
-              <a:round/>
-              <a:headEnd type="none" w="med" len="med"/>
-              <a:tailEnd type="none" w="med" len="med"/>
-            </a:ln>
-            <a:effectLst/>
-          </p:spPr>
-          <p:txBody>
-            <a:bodyPr vert="horz" wrap="square" lIns="91440" tIns="45720" rIns="91440" bIns="45720" anchor="t" compatLnSpc="1"/>
-            <a:lstStyle/>
-            <a:p>
-              <a:endParaRPr kumimoji="0" lang="en-US"/>
-            </a:p>
-          </p:txBody>
-        </p:sp>
-      </p:grpSp>
     </p:spTree>
   </p:cSld>
-  <p:clrMap bg1="lt1" tx1="dk1" bg2="lt2" tx2="dk2" accent1="accent1" accent2="accent2" accent3="accent3" accent4="accent4" accent5="accent5" accent6="accent6" hlink="hlink" folHlink="folHlink"/>
+  <p:clrMap bg1="dk1" tx1="lt1" bg2="dk2" tx2="lt2" accent1="accent1" accent2="accent2" accent3="accent3" accent4="accent4" accent5="accent5" accent6="accent6" hlink="hlink" folHlink="folHlink"/>
   <p:sldLayoutIdLst>
-    <p:sldLayoutId id="2147483661" r:id="rId1"/>
-    <p:sldLayoutId id="2147483662" r:id="rId2"/>
-    <p:sldLayoutId id="2147483663" r:id="rId3"/>
-    <p:sldLayoutId id="2147483664" r:id="rId4"/>
-    <p:sldLayoutId id="2147483665" r:id="rId5"/>
-    <p:sldLayoutId id="2147483666" r:id="rId6"/>
-    <p:sldLayoutId id="2147483667" r:id="rId7"/>
-    <p:sldLayoutId id="2147483668" r:id="rId8"/>
-    <p:sldLayoutId id="2147483669" r:id="rId9"/>
-    <p:sldLayoutId id="2147483670" r:id="rId10"/>
-    <p:sldLayoutId id="2147483671" r:id="rId11"/>
+    <p:sldLayoutId id="2147483709" r:id="rId1"/>
+    <p:sldLayoutId id="2147483710" r:id="rId2"/>
+    <p:sldLayoutId id="2147483711" r:id="rId3"/>
+    <p:sldLayoutId id="2147483712" r:id="rId4"/>
+    <p:sldLayoutId id="2147483713" r:id="rId5"/>
+    <p:sldLayoutId id="2147483714" r:id="rId6"/>
+    <p:sldLayoutId id="2147483715" r:id="rId7"/>
+    <p:sldLayoutId id="2147483716" r:id="rId8"/>
+    <p:sldLayoutId id="2147483717" r:id="rId9"/>
+    <p:sldLayoutId id="2147483718" r:id="rId10"/>
+    <p:sldLayoutId id="2147483719" r:id="rId11"/>
   </p:sldLayoutIdLst>
   <p:txStyles>
     <p:titleStyle>
@@ -3593,14 +3419,10 @@
           <a:spcPct val="0"/>
         </a:spcBef>
         <a:buNone/>
-        <a:defRPr kumimoji="0" sz="5000" b="0" kern="1200">
-          <a:ln>
-            <a:noFill/>
-          </a:ln>
+        <a:defRPr kumimoji="0" sz="4600" kern="1200">
           <a:solidFill>
-            <a:schemeClr val="tx2"/>
+            <a:schemeClr val="tx1"/>
           </a:solidFill>
-          <a:effectLst/>
           <a:latin typeface="+mj-lt"/>
           <a:ea typeface="+mj-ea"/>
           <a:cs typeface="+mj-cs"/>
@@ -3608,14 +3430,33 @@
       </a:lvl1pPr>
     </p:titleStyle>
     <p:bodyStyle>
-      <a:lvl1pPr marL="274320" indent="-274320" algn="l" rtl="0" eaLnBrk="1" latinLnBrk="0" hangingPunct="1">
+      <a:lvl1pPr marL="420624" indent="-384048" algn="l" rtl="0" eaLnBrk="1" latinLnBrk="0" hangingPunct="1">
         <a:spcBef>
           <a:spcPct val="20000"/>
         </a:spcBef>
         <a:buClr>
-          <a:schemeClr val="accent3"/>
+          <a:schemeClr val="accent1"/>
         </a:buClr>
-        <a:buSzPct val="95000"/>
+        <a:buSzPct val="80000"/>
+        <a:buFont typeface="Wingdings 2"/>
+        <a:buChar char=""/>
+        <a:defRPr kumimoji="0" sz="3000" kern="1200">
+          <a:solidFill>
+            <a:schemeClr val="tx1"/>
+          </a:solidFill>
+          <a:latin typeface="+mn-lt"/>
+          <a:ea typeface="+mn-ea"/>
+          <a:cs typeface="+mn-cs"/>
+        </a:defRPr>
+      </a:lvl1pPr>
+      <a:lvl2pPr marL="722376" indent="-274320" algn="l" rtl="0" eaLnBrk="1" latinLnBrk="0" hangingPunct="1">
+        <a:spcBef>
+          <a:spcPct val="20000"/>
+        </a:spcBef>
+        <a:buClr>
+          <a:schemeClr val="accent1"/>
+        </a:buClr>
+        <a:buSzPct val="90000"/>
         <a:buFont typeface="Wingdings 2"/>
         <a:buChar char=""/>
         <a:defRPr kumimoji="0" sz="2600" kern="1200">
@@ -3626,17 +3467,17 @@
           <a:ea typeface="+mn-ea"/>
           <a:cs typeface="+mn-cs"/>
         </a:defRPr>
-      </a:lvl1pPr>
-      <a:lvl2pPr marL="640080" indent="-246888" algn="l" rtl="0" eaLnBrk="1" latinLnBrk="0" hangingPunct="1">
+      </a:lvl2pPr>
+      <a:lvl3pPr marL="1005840" indent="-256032" algn="l" rtl="0" eaLnBrk="1" latinLnBrk="0" hangingPunct="1">
         <a:spcBef>
           <a:spcPct val="20000"/>
         </a:spcBef>
         <a:buClr>
-          <a:schemeClr val="accent1"/>
+          <a:schemeClr val="accent2"/>
         </a:buClr>
         <a:buSzPct val="85000"/>
-        <a:buFont typeface="Wingdings 2"/>
-        <a:buChar char=""/>
+        <a:buFont typeface="Arial"/>
+        <a:buChar char="○"/>
         <a:defRPr kumimoji="0" sz="2400" kern="1200">
           <a:solidFill>
             <a:schemeClr val="tx1"/>
@@ -3645,34 +3486,15 @@
           <a:ea typeface="+mn-ea"/>
           <a:cs typeface="+mn-cs"/>
         </a:defRPr>
-      </a:lvl2pPr>
-      <a:lvl3pPr marL="914400" indent="-246888" algn="l" rtl="0" eaLnBrk="1" latinLnBrk="0" hangingPunct="1">
-        <a:spcBef>
-          <a:spcPct val="20000"/>
-        </a:spcBef>
-        <a:buClr>
-          <a:schemeClr val="accent2"/>
-        </a:buClr>
-        <a:buSzPct val="70000"/>
-        <a:buFont typeface="Wingdings 2"/>
-        <a:buChar char=""/>
-        <a:defRPr kumimoji="0" sz="2100" kern="1200">
-          <a:solidFill>
-            <a:schemeClr val="tx1"/>
-          </a:solidFill>
-          <a:latin typeface="+mn-lt"/>
-          <a:ea typeface="+mn-ea"/>
-          <a:cs typeface="+mn-cs"/>
-        </a:defRPr>
       </a:lvl3pPr>
-      <a:lvl4pPr marL="1188720" indent="-210312" algn="l" rtl="0" eaLnBrk="1" latinLnBrk="0" hangingPunct="1">
+      <a:lvl4pPr marL="1280160" indent="-237744" algn="l" rtl="0" eaLnBrk="1" latinLnBrk="0" hangingPunct="1">
         <a:spcBef>
           <a:spcPct val="20000"/>
         </a:spcBef>
         <a:buClr>
           <a:schemeClr val="accent3"/>
         </a:buClr>
-        <a:buSzPct val="65000"/>
+        <a:buSzPct val="90000"/>
         <a:buFont typeface="Wingdings 2"/>
         <a:buChar char=""/>
         <a:defRPr kumimoji="0" sz="2000" kern="1200">
@@ -3684,16 +3506,16 @@
           <a:cs typeface="+mn-cs"/>
         </a:defRPr>
       </a:lvl4pPr>
-      <a:lvl5pPr marL="1463040" indent="-210312" algn="l" rtl="0" eaLnBrk="1" latinLnBrk="0" hangingPunct="1">
+      <a:lvl5pPr marL="1490472" indent="-182880" algn="l" rtl="0" eaLnBrk="1" latinLnBrk="0" hangingPunct="1">
         <a:spcBef>
           <a:spcPct val="20000"/>
         </a:spcBef>
         <a:buClr>
           <a:schemeClr val="accent4"/>
         </a:buClr>
-        <a:buSzPct val="65000"/>
-        <a:buFont typeface="Wingdings 2"/>
-        <a:buChar char=""/>
+        <a:buSzPct val="100000"/>
+        <a:buFont typeface="Arial"/>
+        <a:buChar char="-"/>
         <a:defRPr kumimoji="0" sz="2000" kern="1200">
           <a:solidFill>
             <a:schemeClr val="tx1"/>
@@ -3703,17 +3525,16 @@
           <a:cs typeface="+mn-cs"/>
         </a:defRPr>
       </a:lvl5pPr>
-      <a:lvl6pPr marL="1737360" indent="-210312" algn="l" rtl="0" eaLnBrk="1" latinLnBrk="0" hangingPunct="1">
+      <a:lvl6pPr marL="1700784" indent="-182880" algn="l" rtl="0" eaLnBrk="1" latinLnBrk="0" hangingPunct="1">
         <a:spcBef>
           <a:spcPct val="20000"/>
         </a:spcBef>
         <a:buClr>
           <a:schemeClr val="accent5"/>
         </a:buClr>
-        <a:buSzPct val="80000"/>
-        <a:buFont typeface="Wingdings 2"/>
-        <a:buChar char=""/>
-        <a:defRPr kumimoji="0" sz="1800" kern="1200">
+        <a:buFont typeface="Arial"/>
+        <a:buChar char="-"/>
+        <a:defRPr kumimoji="0" sz="2000" kern="1200" baseline="0">
           <a:solidFill>
             <a:schemeClr val="tx1"/>
           </a:solidFill>
@@ -3729,10 +3550,10 @@
         <a:buClr>
           <a:schemeClr val="accent6"/>
         </a:buClr>
-        <a:buSzPct val="80000"/>
-        <a:buFont typeface="Wingdings 2"/>
-        <a:buChar char=""/>
-        <a:defRPr kumimoji="0" sz="1600" kern="1200" baseline="0">
+        <a:buSzPct val="100000"/>
+        <a:buFont typeface="Arial"/>
+        <a:buChar char="•"/>
+        <a:defRPr kumimoji="0" sz="1800" kern="1200" baseline="0">
           <a:solidFill>
             <a:schemeClr val="tx1"/>
           </a:solidFill>
@@ -3741,14 +3562,15 @@
           <a:cs typeface="+mn-cs"/>
         </a:defRPr>
       </a:lvl7pPr>
-      <a:lvl8pPr marL="2194560" indent="-182880" algn="l" rtl="0" eaLnBrk="1" latinLnBrk="0" hangingPunct="1">
+      <a:lvl8pPr marL="2139696" indent="-182880" algn="l" rtl="0" eaLnBrk="1" latinLnBrk="0" hangingPunct="1">
         <a:spcBef>
           <a:spcPct val="20000"/>
         </a:spcBef>
         <a:buClr>
-          <a:schemeClr val="tx2"/>
+          <a:schemeClr val="accent6"/>
         </a:buClr>
-        <a:buChar char="•"/>
+        <a:buFont typeface="Arial"/>
+        <a:buChar char="▪"/>
         <a:defRPr kumimoji="0" sz="1600" kern="1200">
           <a:solidFill>
             <a:schemeClr val="tx1"/>
@@ -3758,16 +3580,16 @@
           <a:cs typeface="+mn-cs"/>
         </a:defRPr>
       </a:lvl8pPr>
-      <a:lvl9pPr marL="2468880" indent="-182880" algn="l" rtl="0" eaLnBrk="1" latinLnBrk="0" hangingPunct="1">
+      <a:lvl9pPr marL="2331720" indent="-182880" algn="l" rtl="0" eaLnBrk="1" latinLnBrk="0" hangingPunct="1">
         <a:spcBef>
           <a:spcPct val="20000"/>
         </a:spcBef>
         <a:buClr>
-          <a:schemeClr val="tx2"/>
+          <a:schemeClr val="accent6"/>
         </a:buClr>
-        <a:buFontTx/>
+        <a:buFont typeface="Arial"/>
         <a:buChar char="•"/>
-        <a:defRPr kumimoji="0" sz="1400" kern="1200" baseline="0">
+        <a:defRPr kumimoji="0" sz="1600" kern="1200">
           <a:solidFill>
             <a:schemeClr val="tx1"/>
           </a:solidFill>
@@ -3902,7 +3724,7 @@
         </p:nvSpPr>
         <p:spPr>
           <a:xfrm>
-            <a:off x="533400" y="914400"/>
+            <a:off x="533400" y="533400"/>
             <a:ext cx="7772400" cy="2286000"/>
           </a:xfrm>
         </p:spPr>
@@ -3934,7 +3756,31 @@
                   <a:schemeClr val="tx1"/>
                 </a:solidFill>
               </a:rPr>
-              <a:t>erification of Cache with Cache coherency using Dragon protocol</a:t>
+              <a:t>erification </a:t>
+            </a:r>
+            <a:r>
+              <a:rPr lang="en-US" dirty="0" smtClean="0">
+                <a:solidFill>
+                  <a:schemeClr val="tx1"/>
+                </a:solidFill>
+              </a:rPr>
+              <a:t>of Cache AND ITS coherency  USING DRAGON PROTOCOL IN </a:t>
+            </a:r>
+            <a:r>
+              <a:rPr lang="en-US" dirty="0" err="1" smtClean="0">
+                <a:solidFill>
+                  <a:schemeClr val="tx1"/>
+                </a:solidFill>
+              </a:rPr>
+              <a:t>SySTEM</a:t>
+            </a:r>
+            <a:r>
+              <a:rPr lang="en-US" dirty="0" smtClean="0">
+                <a:solidFill>
+                  <a:schemeClr val="tx1"/>
+                </a:solidFill>
+              </a:rPr>
+              <a:t> VERILOG</a:t>
             </a:r>
             <a:endParaRPr lang="en-US" dirty="0">
               <a:solidFill>
@@ -3962,14 +3808,18 @@
         </p:spPr>
         <p:txBody>
           <a:bodyPr>
-            <a:normAutofit fontScale="85000" lnSpcReduction="20000"/>
+            <a:normAutofit fontScale="92500" lnSpcReduction="20000"/>
           </a:bodyPr>
           <a:lstStyle/>
           <a:p>
+            <a:endParaRPr lang="en-US" dirty="0" smtClean="0"/>
+          </a:p>
+          <a:p>
             <a:r>
               <a:rPr lang="en-US" dirty="0" smtClean="0"/>
               <a:t>By</a:t>
             </a:r>
+            <a:endParaRPr lang="en-US" dirty="0" smtClean="0"/>
           </a:p>
           <a:p>
             <a:r>
@@ -4087,7 +3937,11 @@
           <a:p>
             <a:r>
               <a:rPr lang="en-US" dirty="0" smtClean="0"/>
-              <a:t>Assertions</a:t>
+              <a:t>Eviction </a:t>
+            </a:r>
+            <a:r>
+              <a:rPr lang="en-US" dirty="0" err="1" smtClean="0"/>
+              <a:t>Srategy</a:t>
             </a:r>
             <a:endParaRPr lang="en-US" dirty="0"/>
           </a:p>
@@ -4105,33 +3959,75 @@
         </p:nvSpPr>
         <p:spPr/>
         <p:txBody>
-          <a:bodyPr/>
-          <a:lstStyle/>
-          <a:p>
-            <a:r>
-              <a:rPr lang="en-US" dirty="0" smtClean="0"/>
-              <a:t>Immediate and Concurrent Assertions are used.</a:t>
-            </a:r>
-          </a:p>
-          <a:p>
-            <a:endParaRPr lang="en-US" dirty="0" smtClean="0"/>
-          </a:p>
-          <a:p>
-            <a:r>
-              <a:rPr lang="en-US" dirty="0" smtClean="0"/>
-              <a:t>Immediate Assertions are used to keep track of  State of the Cache Block.</a:t>
-            </a:r>
-          </a:p>
-          <a:p>
-            <a:endParaRPr lang="en-US" dirty="0"/>
-          </a:p>
-          <a:p>
-            <a:r>
-              <a:rPr lang="en-US" dirty="0" smtClean="0"/>
-              <a:t>Concurrent Assertions are used to validate Data .</a:t>
-            </a:r>
-          </a:p>
-          <a:p>
+          <a:bodyPr>
+            <a:normAutofit fontScale="92500" lnSpcReduction="20000"/>
+          </a:bodyPr>
+          <a:lstStyle/>
+          <a:p>
+            <a:pPr marL="36576" indent="0">
+              <a:buNone/>
+            </a:pPr>
+            <a:r>
+              <a:rPr lang="en-US" dirty="0" smtClean="0"/>
+              <a:t>True LRU eviction technique was adapted to evict the block from cache.</a:t>
+            </a:r>
+          </a:p>
+          <a:p>
+            <a:pPr marL="36576" indent="0">
+              <a:buNone/>
+            </a:pPr>
+            <a:r>
+              <a:rPr lang="en-US" dirty="0" smtClean="0"/>
+              <a:t>An array is used for each set which contains the lines in the most recently to least recently used order from left to right.</a:t>
+            </a:r>
+          </a:p>
+          <a:p>
+            <a:pPr marL="36576" indent="0">
+              <a:buNone/>
+            </a:pPr>
+            <a:r>
+              <a:rPr lang="en-US" dirty="0" smtClean="0"/>
+              <a:t>Consider the status of LRU array of a set is as follows</a:t>
+            </a:r>
+          </a:p>
+          <a:p>
+            <a:pPr marL="36576" indent="0">
+              <a:buNone/>
+            </a:pPr>
+            <a:r>
+              <a:rPr lang="en-US" dirty="0" smtClean="0"/>
+              <a:t>		3 1 2 4</a:t>
+            </a:r>
+          </a:p>
+          <a:p>
+            <a:pPr marL="36576" indent="0">
+              <a:buNone/>
+            </a:pPr>
+            <a:r>
+              <a:rPr lang="en-US" dirty="0" smtClean="0"/>
+              <a:t>If 2</a:t>
+            </a:r>
+            <a:r>
+              <a:rPr lang="en-US" baseline="30000" dirty="0" smtClean="0"/>
+              <a:t>rd</a:t>
+            </a:r>
+            <a:r>
+              <a:rPr lang="en-US" dirty="0" smtClean="0"/>
+              <a:t> way  is accessed by the processor then the LRU is updated as </a:t>
+            </a:r>
+          </a:p>
+          <a:p>
+            <a:pPr marL="36576" indent="0">
+              <a:buNone/>
+            </a:pPr>
+            <a:r>
+              <a:rPr lang="en-US" dirty="0"/>
+              <a:t>	</a:t>
+            </a:r>
+            <a:r>
+              <a:rPr lang="en-US" dirty="0" smtClean="0"/>
+              <a:t>	2 3 1 4	</a:t>
+            </a:r>
             <a:endParaRPr lang="en-US" dirty="0"/>
           </a:p>
         </p:txBody>
@@ -4139,20 +4035,13 @@
     </p:spTree>
     <p:extLst>
       <p:ext uri="{BB962C8B-B14F-4D97-AF65-F5344CB8AC3E}">
-        <p14:creationId xmlns:p14="http://schemas.microsoft.com/office/powerpoint/2010/main" val="3886475537"/>
+        <p14:creationId xmlns:p14="http://schemas.microsoft.com/office/powerpoint/2010/main" val="2498772795"/>
       </p:ext>
     </p:extLst>
   </p:cSld>
   <p:clrMapOvr>
     <a:masterClrMapping/>
   </p:clrMapOvr>
-  <p:timing>
-    <p:tnLst>
-      <p:par>
-        <p:cTn id="1" dur="indefinite" restart="never" nodeType="tmRoot"/>
-      </p:par>
-    </p:tnLst>
-  </p:timing>
 </p:sld>
 </file>
 
@@ -4185,68 +4074,145 @@
         </p:nvSpPr>
         <p:spPr/>
         <p:txBody>
+          <a:bodyPr/>
+          <a:lstStyle/>
+          <a:p>
+            <a:r>
+              <a:rPr lang="en-US" dirty="0" smtClean="0"/>
+              <a:t>Coherency</a:t>
+            </a:r>
+            <a:endParaRPr lang="en-US" dirty="0"/>
+          </a:p>
+        </p:txBody>
+      </p:sp>
+      <p:sp>
+        <p:nvSpPr>
+          <p:cNvPr id="3" name="Content Placeholder 2"/>
+          <p:cNvSpPr>
+            <a:spLocks noGrp="1"/>
+          </p:cNvSpPr>
+          <p:nvPr>
+            <p:ph idx="1"/>
+          </p:nvPr>
+        </p:nvSpPr>
+        <p:spPr/>
+        <p:txBody>
           <a:bodyPr>
-            <a:normAutofit fontScale="90000"/>
+            <a:normAutofit fontScale="70000" lnSpcReduction="20000"/>
           </a:bodyPr>
           <a:lstStyle/>
           <a:p>
             <a:r>
               <a:rPr lang="en-US" dirty="0" smtClean="0"/>
-              <a:t>Simulation on Questa and </a:t>
+              <a:t>Dragon Protocol was adapted to maintain the coherency of the cache.</a:t>
+            </a:r>
+          </a:p>
+          <a:p>
+            <a:r>
+              <a:rPr lang="en-US" dirty="0" smtClean="0"/>
+              <a:t>It was originally developed by XEROX PARC used in Xerox Dragon Multiprocessor WorkStation.</a:t>
+            </a:r>
+          </a:p>
+          <a:p>
+            <a:r>
+              <a:rPr lang="en-US" dirty="0" smtClean="0"/>
+              <a:t>This protocol employs the write back policy, </a:t>
             </a:r>
             <a:r>
               <a:rPr lang="en-US" dirty="0" err="1" smtClean="0"/>
-              <a:t>Puresim</a:t>
+              <a:t>i.e</a:t>
+            </a:r>
+            <a:r>
+              <a:rPr lang="en-US" dirty="0" smtClean="0"/>
+              <a:t>; the during </a:t>
+            </a:r>
+            <a:r>
+              <a:rPr lang="en-US" dirty="0" err="1" smtClean="0"/>
+              <a:t>evicition</a:t>
+            </a:r>
+            <a:r>
+              <a:rPr lang="en-US" dirty="0" smtClean="0"/>
+              <a:t> of the line the memory is updated</a:t>
+            </a:r>
+          </a:p>
+          <a:p>
+            <a:r>
+              <a:rPr lang="en-US" dirty="0" smtClean="0"/>
+              <a:t>It is also called as update </a:t>
+            </a:r>
+            <a:r>
+              <a:rPr lang="en-US" dirty="0" err="1" smtClean="0"/>
+              <a:t>protocol,because</a:t>
+            </a:r>
+            <a:r>
+              <a:rPr lang="en-US" dirty="0" smtClean="0"/>
+              <a:t> whenever a cache line in shared state is updated by a </a:t>
+            </a:r>
+            <a:r>
+              <a:rPr lang="en-US" dirty="0" err="1" smtClean="0"/>
+              <a:t>cahe</a:t>
+            </a:r>
+            <a:r>
+              <a:rPr lang="en-US" dirty="0" smtClean="0"/>
+              <a:t>, the an Bus </a:t>
+            </a:r>
+            <a:r>
+              <a:rPr lang="en-US" dirty="0" err="1" smtClean="0"/>
+              <a:t>Upd</a:t>
+            </a:r>
+            <a:r>
+              <a:rPr lang="en-US" dirty="0" smtClean="0"/>
+              <a:t> signal broadcasted on to the common bus indicating the other processors to update their lines, if they have any.</a:t>
+            </a:r>
+          </a:p>
+          <a:p>
+            <a:r>
+              <a:rPr lang="en-US" dirty="0" smtClean="0"/>
+              <a:t>When any processor is reading from memory it </a:t>
+            </a:r>
+            <a:r>
+              <a:rPr lang="en-US" dirty="0" err="1" smtClean="0"/>
+              <a:t>brodcasts</a:t>
+            </a:r>
+            <a:r>
+              <a:rPr lang="en-US" dirty="0" smtClean="0"/>
+              <a:t> </a:t>
+            </a:r>
+            <a:r>
+              <a:rPr lang="en-US" dirty="0" err="1" smtClean="0"/>
+              <a:t>BusRd</a:t>
+            </a:r>
+            <a:r>
+              <a:rPr lang="en-US" dirty="0" smtClean="0"/>
+              <a:t> signal and the other caches on seeing the </a:t>
+            </a:r>
+            <a:r>
+              <a:rPr lang="en-US" dirty="0" err="1" smtClean="0"/>
+              <a:t>BusRd</a:t>
+            </a:r>
+            <a:r>
+              <a:rPr lang="en-US" dirty="0" smtClean="0"/>
+              <a:t> signal asserts the Shared signal indicating that they have too have a copy of it.</a:t>
             </a:r>
             <a:endParaRPr lang="en-US" dirty="0"/>
-          </a:p>
-        </p:txBody>
-      </p:sp>
-      <p:sp>
-        <p:nvSpPr>
-          <p:cNvPr id="3" name="Content Placeholder 2"/>
-          <p:cNvSpPr>
-            <a:spLocks noGrp="1"/>
-          </p:cNvSpPr>
-          <p:nvPr>
-            <p:ph idx="1"/>
-          </p:nvPr>
-        </p:nvSpPr>
-        <p:spPr/>
-        <p:txBody>
-          <a:bodyPr/>
-          <a:lstStyle/>
-          <a:p>
-            <a:r>
-              <a:rPr lang="en-US" b="1" dirty="0" smtClean="0"/>
-              <a:t>BUGS:</a:t>
-            </a:r>
-            <a:endParaRPr lang="en-US" b="1" dirty="0"/>
           </a:p>
         </p:txBody>
       </p:sp>
     </p:spTree>
     <p:extLst>
       <p:ext uri="{BB962C8B-B14F-4D97-AF65-F5344CB8AC3E}">
-        <p14:creationId xmlns:p14="http://schemas.microsoft.com/office/powerpoint/2010/main" val="3454476412"/>
+        <p14:creationId xmlns:p14="http://schemas.microsoft.com/office/powerpoint/2010/main" val="1676993280"/>
       </p:ext>
     </p:extLst>
   </p:cSld>
   <p:clrMapOvr>
     <a:masterClrMapping/>
   </p:clrMapOvr>
-  <p:timing>
-    <p:tnLst>
-      <p:par>
-        <p:cTn id="1" dur="indefinite" restart="never" nodeType="tmRoot"/>
-      </p:par>
-    </p:tnLst>
-  </p:timing>
 </p:sld>
 </file>
 
 <file path=ppt/slides/slide12.xml><?xml version="1.0" encoding="utf-8"?>
-<p:sld xmlns:a="http://schemas.openxmlformats.org/drawingml/2006/main" xmlns:r="http://schemas.openxmlformats.org/officeDocument/2006/relationships" xmlns:p="http://schemas.openxmlformats.org/presentationml/2006/main">
+<p:sld xmlns:a="http://schemas.openxmlformats.org/drawingml/2006/main" xmlns:r="http://schemas.openxmlformats.org/officeDocument/2006/relationships" xmlns:p="http://schemas.openxmlformats.org/presentationml/2006/main" show="0">
   <p:cSld>
     <p:spTree>
       <p:nvGrpSpPr>
@@ -4272,44 +4238,125 @@
             <p:ph type="title"/>
           </p:nvPr>
         </p:nvSpPr>
-        <p:spPr/>
-        <p:txBody>
-          <a:bodyPr/>
-          <a:lstStyle/>
-          <a:p>
-            <a:endParaRPr lang="en-US"/>
-          </a:p>
-        </p:txBody>
-      </p:sp>
-      <p:sp>
-        <p:nvSpPr>
-          <p:cNvPr id="3" name="Content Placeholder 2"/>
-          <p:cNvSpPr>
-            <a:spLocks noGrp="1"/>
-          </p:cNvSpPr>
+        <p:spPr>
+          <a:xfrm>
+            <a:off x="457200" y="704088"/>
+            <a:ext cx="6781800" cy="819912"/>
+          </a:xfrm>
+        </p:spPr>
+        <p:txBody>
+          <a:bodyPr>
+            <a:normAutofit/>
+          </a:bodyPr>
+          <a:lstStyle/>
+          <a:p>
+            <a:r>
+              <a:rPr lang="en-US" dirty="0" smtClean="0"/>
+              <a:t>Dragon update protocol</a:t>
+            </a:r>
+            <a:endParaRPr lang="en-US" dirty="0"/>
+          </a:p>
+        </p:txBody>
+      </p:sp>
+      <p:pic>
+        <p:nvPicPr>
+          <p:cNvPr id="3074" name="Picture 2" descr="C:\Users\SaiKrishna\Downloads\System Verilog Diagram\System Verilog Diagram\Dragon Protocol.png"/>
+          <p:cNvPicPr>
+            <a:picLocks noGrp="1" noChangeAspect="1" noChangeArrowheads="1"/>
+          </p:cNvPicPr>
           <p:nvPr>
             <p:ph idx="1"/>
           </p:nvPr>
-        </p:nvSpPr>
-        <p:spPr/>
-        <p:txBody>
-          <a:bodyPr/>
-          <a:lstStyle/>
-          <a:p>
-            <a:endParaRPr lang="en-US" dirty="0"/>
+        </p:nvPicPr>
+        <p:blipFill>
+          <a:blip r:embed="rId2">
+            <a:extLst>
+              <a:ext uri="{28A0092B-C50C-407E-A947-70E740481C1C}">
+                <a14:useLocalDpi xmlns:a14="http://schemas.microsoft.com/office/drawing/2010/main" val="0"/>
+              </a:ext>
+            </a:extLst>
+          </a:blip>
+          <a:stretch>
+            <a:fillRect/>
+          </a:stretch>
+        </p:blipFill>
+        <p:spPr bwMode="auto">
+          <a:xfrm>
+            <a:off x="1074406" y="1600200"/>
+            <a:ext cx="6233188" cy="4525963"/>
+          </a:xfrm>
+          <a:prstGeom prst="rect">
+            <a:avLst/>
+          </a:prstGeom>
+          <a:ln>
+            <a:noFill/>
+          </a:ln>
+          <a:effectLst>
+            <a:outerShdw blurRad="292100" dist="139700" dir="2700000" algn="tl" rotWithShape="0">
+              <a:srgbClr val="333333">
+                <a:alpha val="65000"/>
+              </a:srgbClr>
+            </a:outerShdw>
+          </a:effectLst>
+          <a:extLst>
+            <a:ext uri="{909E8E84-426E-40DD-AFC4-6F175D3DCCD1}">
+              <a14:hiddenFill xmlns:a14="http://schemas.microsoft.com/office/drawing/2010/main">
+                <a:solidFill>
+                  <a:srgbClr val="FFFFFF"/>
+                </a:solidFill>
+              </a14:hiddenFill>
+            </a:ext>
+          </a:extLst>
+        </p:spPr>
+      </p:pic>
+      <p:sp>
+        <p:nvSpPr>
+          <p:cNvPr id="6" name="TextBox 5"/>
+          <p:cNvSpPr txBox="1"/>
+          <p:nvPr/>
+        </p:nvSpPr>
+        <p:spPr>
+          <a:xfrm>
+            <a:off x="7467600" y="6400800"/>
+            <a:ext cx="1524000" cy="246221"/>
+          </a:xfrm>
+          <a:prstGeom prst="rect">
+            <a:avLst/>
+          </a:prstGeom>
+          <a:noFill/>
+        </p:spPr>
+        <p:txBody>
+          <a:bodyPr wrap="square" rtlCol="0">
+            <a:spAutoFit/>
+          </a:bodyPr>
+          <a:lstStyle/>
+          <a:p>
+            <a:r>
+              <a:rPr lang="en-US" sz="1000" dirty="0" smtClean="0"/>
+              <a:t>Source: CMU</a:t>
+            </a:r>
+            <a:endParaRPr lang="en-US" sz="1000" dirty="0"/>
           </a:p>
         </p:txBody>
       </p:sp>
     </p:spTree>
     <p:extLst>
       <p:ext uri="{BB962C8B-B14F-4D97-AF65-F5344CB8AC3E}">
-        <p14:creationId xmlns:p14="http://schemas.microsoft.com/office/powerpoint/2010/main" val="887542502"/>
+        <p14:creationId xmlns:p14="http://schemas.microsoft.com/office/powerpoint/2010/main" val="3630849404"/>
       </p:ext>
     </p:extLst>
   </p:cSld>
   <p:clrMapOvr>
     <a:masterClrMapping/>
   </p:clrMapOvr>
+  <mc:AlternateContent xmlns:mc="http://schemas.openxmlformats.org/markup-compatibility/2006" xmlns:p14="http://schemas.microsoft.com/office/powerpoint/2010/main">
+    <mc:Choice Requires="p14">
+      <p:transition spd="slow" p14:dur="2000"/>
+    </mc:Choice>
+    <mc:Fallback xmlns="">
+      <p:transition spd="slow"/>
+    </mc:Fallback>
+  </mc:AlternateContent>
   <p:timing>
     <p:tnLst>
       <p:par>
@@ -4354,48 +4401,64 @@
           <a:p>
             <a:r>
               <a:rPr lang="en-US" dirty="0" smtClean="0"/>
-              <a:t>Functional Coverage</a:t>
+              <a:t>Controller</a:t>
             </a:r>
             <a:endParaRPr lang="en-US" dirty="0"/>
           </a:p>
         </p:txBody>
       </p:sp>
-      <p:sp>
-        <p:nvSpPr>
-          <p:cNvPr id="3" name="Content Placeholder 2"/>
-          <p:cNvSpPr>
-            <a:spLocks noGrp="1"/>
-          </p:cNvSpPr>
+      <p:pic>
+        <p:nvPicPr>
+          <p:cNvPr id="4" name="Content Placeholder 3" descr="C:\Users\SaiKrishna\Downloads\Final System Verilog Diagram\Final System Verilog Diagram\okay State Machine_controller.png"/>
+          <p:cNvPicPr>
+            <a:picLocks noGrp="1" noChangeAspect="1" noChangeArrowheads="1"/>
+          </p:cNvPicPr>
           <p:nvPr>
             <p:ph idx="1"/>
           </p:nvPr>
-        </p:nvSpPr>
-        <p:spPr/>
-        <p:txBody>
-          <a:bodyPr/>
-          <a:lstStyle/>
-          <a:p>
-            <a:endParaRPr lang="en-US" dirty="0"/>
-          </a:p>
-        </p:txBody>
-      </p:sp>
+        </p:nvPicPr>
+        <p:blipFill>
+          <a:blip r:embed="rId2">
+            <a:extLst>
+              <a:ext uri="{28A0092B-C50C-407E-A947-70E740481C1C}">
+                <a14:useLocalDpi xmlns:a14="http://schemas.microsoft.com/office/drawing/2010/main" val="0"/>
+              </a:ext>
+            </a:extLst>
+          </a:blip>
+          <a:stretch>
+            <a:fillRect/>
+          </a:stretch>
+        </p:blipFill>
+        <p:spPr bwMode="auto">
+          <a:xfrm>
+            <a:off x="1371600" y="1447800"/>
+            <a:ext cx="5410199" cy="5029200"/>
+          </a:xfrm>
+          <a:prstGeom prst="rect">
+            <a:avLst/>
+          </a:prstGeom>
+          <a:noFill/>
+          <a:extLst>
+            <a:ext uri="{909E8E84-426E-40DD-AFC4-6F175D3DCCD1}">
+              <a14:hiddenFill xmlns:a14="http://schemas.microsoft.com/office/drawing/2010/main">
+                <a:solidFill>
+                  <a:srgbClr val="FFFFFF"/>
+                </a:solidFill>
+              </a14:hiddenFill>
+            </a:ext>
+          </a:extLst>
+        </p:spPr>
+      </p:pic>
     </p:spTree>
     <p:extLst>
       <p:ext uri="{BB962C8B-B14F-4D97-AF65-F5344CB8AC3E}">
-        <p14:creationId xmlns:p14="http://schemas.microsoft.com/office/powerpoint/2010/main" val="2888046204"/>
+        <p14:creationId xmlns:p14="http://schemas.microsoft.com/office/powerpoint/2010/main" val="2893562302"/>
       </p:ext>
     </p:extLst>
   </p:cSld>
   <p:clrMapOvr>
     <a:masterClrMapping/>
   </p:clrMapOvr>
-  <p:timing>
-    <p:tnLst>
-      <p:par>
-        <p:cTn id="1" dur="indefinite" restart="never" nodeType="tmRoot"/>
-      </p:par>
-    </p:tnLst>
-  </p:timing>
 </p:sld>
 </file>
 
@@ -4433,7 +4496,7 @@
           <a:p>
             <a:r>
               <a:rPr lang="en-US" dirty="0" smtClean="0"/>
-              <a:t>Emulation on Veloce</a:t>
+              <a:t>Verification Plan</a:t>
             </a:r>
             <a:endParaRPr lang="en-US" dirty="0"/>
           </a:p>
@@ -4449,19 +4512,112 @@
             <p:ph idx="1"/>
           </p:nvPr>
         </p:nvSpPr>
-        <p:spPr/>
+        <p:spPr>
+          <a:xfrm>
+            <a:off x="457200" y="1935480"/>
+            <a:ext cx="8229600" cy="4693920"/>
+          </a:xfrm>
+        </p:spPr>
         <p:txBody>
           <a:bodyPr/>
           <a:lstStyle/>
           <a:p>
+            <a:r>
+              <a:rPr lang="en-US" sz="2000" dirty="0" smtClean="0"/>
+              <a:t>Bottom Up Approach is followed.</a:t>
+            </a:r>
+          </a:p>
+          <a:p>
+            <a:endParaRPr lang="en-US" sz="2000" dirty="0" smtClean="0"/>
+          </a:p>
+          <a:p>
+            <a:r>
+              <a:rPr lang="en-US" sz="2000" dirty="0" smtClean="0"/>
+              <a:t>Individually  </a:t>
+            </a:r>
+            <a:r>
+              <a:rPr lang="en-US" sz="2000" dirty="0" smtClean="0"/>
+              <a:t>verified LRU Mechanism, </a:t>
+            </a:r>
+            <a:r>
+              <a:rPr lang="en-US" sz="2000" dirty="0" smtClean="0"/>
+              <a:t>Protocol and Top Level Module.</a:t>
+            </a:r>
+          </a:p>
+          <a:p>
+            <a:endParaRPr lang="en-US" sz="2000" dirty="0" smtClean="0"/>
+          </a:p>
+          <a:p>
+            <a:r>
+              <a:rPr lang="en-US" sz="2400" b="1" dirty="0" smtClean="0"/>
+              <a:t>Checkers</a:t>
+            </a:r>
+            <a:r>
+              <a:rPr lang="en-US" sz="2000" b="1" dirty="0" smtClean="0"/>
+              <a:t> </a:t>
+            </a:r>
+            <a:r>
+              <a:rPr lang="en-US" sz="2000" dirty="0" smtClean="0"/>
+              <a:t>are used to validate input command and state  transition of the cache block , LRU Register.</a:t>
+            </a:r>
+          </a:p>
+          <a:p>
+            <a:pPr marL="0" indent="0">
+              <a:buNone/>
+            </a:pPr>
+            <a:endParaRPr lang="en-US" sz="2000" dirty="0" smtClean="0"/>
+          </a:p>
+          <a:p>
+            <a:r>
+              <a:rPr lang="en-US" sz="2400" b="1" dirty="0" smtClean="0"/>
+              <a:t>Scoreboard</a:t>
+            </a:r>
+            <a:r>
+              <a:rPr lang="en-US" sz="2000" dirty="0" smtClean="0"/>
+              <a:t> to keep track of number of cache hits and misses.</a:t>
+            </a:r>
+          </a:p>
+          <a:p>
+            <a:endParaRPr lang="en-US" sz="2000" dirty="0"/>
+          </a:p>
+          <a:p>
+            <a:r>
+              <a:rPr lang="en-US" sz="2400" b="1" dirty="0" smtClean="0"/>
+              <a:t>Functional coverage </a:t>
+            </a:r>
+            <a:r>
+              <a:rPr lang="en-US" sz="2000" dirty="0" smtClean="0"/>
+              <a:t>to </a:t>
+            </a:r>
+            <a:r>
+              <a:rPr lang="en-US" sz="2000" dirty="0" smtClean="0"/>
+              <a:t>check all the design specification are met.</a:t>
+            </a:r>
+          </a:p>
+          <a:p>
+            <a:endParaRPr lang="en-US" dirty="0" smtClean="0"/>
+          </a:p>
+          <a:p>
             <a:endParaRPr lang="en-US" dirty="0"/>
+          </a:p>
+          <a:p>
+            <a:pPr marL="0" indent="0">
+              <a:buNone/>
+            </a:pPr>
+            <a:endParaRPr lang="en-US" dirty="0" smtClean="0"/>
+          </a:p>
+          <a:p>
+            <a:endParaRPr lang="en-US" dirty="0"/>
+          </a:p>
+          <a:p>
+            <a:endParaRPr lang="en-US" dirty="0" smtClean="0"/>
           </a:p>
         </p:txBody>
       </p:sp>
     </p:spTree>
     <p:extLst>
       <p:ext uri="{BB962C8B-B14F-4D97-AF65-F5344CB8AC3E}">
-        <p14:creationId xmlns:p14="http://schemas.microsoft.com/office/powerpoint/2010/main" val="4106892503"/>
+        <p14:creationId xmlns:p14="http://schemas.microsoft.com/office/powerpoint/2010/main" val="3820078270"/>
       </p:ext>
     </p:extLst>
   </p:cSld>
@@ -4512,52 +4668,108 @@
           <a:p>
             <a:r>
               <a:rPr lang="en-US" dirty="0" smtClean="0"/>
-              <a:t>Results and </a:t>
+              <a:t>Verification</a:t>
+            </a:r>
+            <a:endParaRPr lang="en-US" dirty="0"/>
+          </a:p>
+        </p:txBody>
+      </p:sp>
+      <p:sp>
+        <p:nvSpPr>
+          <p:cNvPr id="3" name="Content Placeholder 2"/>
+          <p:cNvSpPr>
+            <a:spLocks noGrp="1"/>
+          </p:cNvSpPr>
+          <p:nvPr>
+            <p:ph idx="1"/>
+          </p:nvPr>
+        </p:nvSpPr>
+        <p:spPr/>
+        <p:txBody>
+          <a:bodyPr/>
+          <a:lstStyle/>
+          <a:p>
+            <a:pPr marL="36576" indent="0">
+              <a:buNone/>
+            </a:pPr>
+            <a:r>
+              <a:rPr lang="en-US" b="1" i="1" u="sng" dirty="0" smtClean="0"/>
+              <a:t>Constructs Used:</a:t>
+            </a:r>
+            <a:endParaRPr lang="en-US" sz="1600" b="1" i="1" u="sng" dirty="0"/>
+          </a:p>
+          <a:p>
+            <a:r>
+              <a:rPr lang="en-US" dirty="0" smtClean="0"/>
+              <a:t>Assertions </a:t>
+            </a:r>
+          </a:p>
+          <a:p>
+            <a:r>
+              <a:rPr lang="en-US" dirty="0" smtClean="0"/>
+              <a:t>Randomization ( $</a:t>
             </a:r>
             <a:r>
               <a:rPr lang="en-US" dirty="0" err="1" smtClean="0"/>
-              <a:t>Futurework</a:t>
-            </a:r>
-            <a:endParaRPr lang="en-US" dirty="0"/>
-          </a:p>
-        </p:txBody>
-      </p:sp>
-      <p:sp>
-        <p:nvSpPr>
-          <p:cNvPr id="3" name="Content Placeholder 2"/>
-          <p:cNvSpPr>
-            <a:spLocks noGrp="1"/>
-          </p:cNvSpPr>
-          <p:nvPr>
-            <p:ph idx="1"/>
-          </p:nvPr>
-        </p:nvSpPr>
-        <p:spPr/>
-        <p:txBody>
-          <a:bodyPr/>
-          <a:lstStyle/>
-          <a:p>
-            <a:endParaRPr lang="en-US" dirty="0"/>
+              <a:t>urandom_range</a:t>
+            </a:r>
+            <a:r>
+              <a:rPr lang="en-US" dirty="0" smtClean="0"/>
+              <a:t>() )</a:t>
+            </a:r>
+          </a:p>
+          <a:p>
+            <a:r>
+              <a:rPr lang="en-US" dirty="0" smtClean="0"/>
+              <a:t>Classes</a:t>
+            </a:r>
+          </a:p>
+          <a:p>
+            <a:r>
+              <a:rPr lang="en-US" dirty="0" smtClean="0"/>
+              <a:t>$display</a:t>
+            </a:r>
+          </a:p>
+          <a:p>
+            <a:r>
+              <a:rPr lang="en-US" dirty="0" smtClean="0"/>
+              <a:t>`</a:t>
+            </a:r>
+            <a:r>
+              <a:rPr lang="en-US" dirty="0" err="1" smtClean="0"/>
+              <a:t>ifdef</a:t>
+            </a:r>
+            <a:r>
+              <a:rPr lang="en-US" dirty="0" smtClean="0"/>
+              <a:t> &amp; `</a:t>
+            </a:r>
+            <a:r>
+              <a:rPr lang="en-US" dirty="0" err="1" smtClean="0"/>
+              <a:t>endif</a:t>
+            </a:r>
+            <a:r>
+              <a:rPr lang="en-US" dirty="0" smtClean="0"/>
+              <a:t> macros</a:t>
+            </a:r>
+          </a:p>
+          <a:p>
+            <a:pPr marL="36576" indent="0">
+              <a:buNone/>
+            </a:pPr>
+            <a:endParaRPr lang="en-US" dirty="0" smtClean="0"/>
           </a:p>
         </p:txBody>
       </p:sp>
     </p:spTree>
     <p:extLst>
       <p:ext uri="{BB962C8B-B14F-4D97-AF65-F5344CB8AC3E}">
-        <p14:creationId xmlns:p14="http://schemas.microsoft.com/office/powerpoint/2010/main" val="3839845853"/>
+        <p14:creationId xmlns:p14="http://schemas.microsoft.com/office/powerpoint/2010/main" val="852314082"/>
       </p:ext>
     </p:extLst>
   </p:cSld>
   <p:clrMapOvr>
     <a:masterClrMapping/>
   </p:clrMapOvr>
-  <p:timing>
-    <p:tnLst>
-      <p:par>
-        <p:cTn id="1" dur="indefinite" restart="never" nodeType="tmRoot"/>
-      </p:par>
-    </p:tnLst>
-  </p:timing>
 </p:sld>
 </file>
 
@@ -4590,53 +4802,68 @@
         </p:nvSpPr>
         <p:spPr/>
         <p:txBody>
+          <a:bodyPr>
+            <a:normAutofit fontScale="90000"/>
+          </a:bodyPr>
+          <a:lstStyle/>
+          <a:p>
+            <a:r>
+              <a:rPr lang="en-US" dirty="0" smtClean="0"/>
+              <a:t>Verification of LRU Mechanism</a:t>
+            </a:r>
+            <a:endParaRPr lang="en-US" dirty="0"/>
+          </a:p>
+        </p:txBody>
+      </p:sp>
+      <p:sp>
+        <p:nvSpPr>
+          <p:cNvPr id="3" name="Content Placeholder 2"/>
+          <p:cNvSpPr>
+            <a:spLocks noGrp="1"/>
+          </p:cNvSpPr>
+          <p:nvPr>
+            <p:ph idx="1"/>
+          </p:nvPr>
+        </p:nvSpPr>
+        <p:spPr/>
+        <p:txBody>
           <a:bodyPr/>
           <a:lstStyle/>
           <a:p>
             <a:r>
               <a:rPr lang="en-US" dirty="0" smtClean="0"/>
-              <a:t>References</a:t>
-            </a:r>
+              <a:t>We have tested the working of LRU mechanism using deterministic and the random cases.</a:t>
+            </a:r>
+          </a:p>
+          <a:p>
+            <a:r>
+              <a:rPr lang="en-US" dirty="0" smtClean="0"/>
+              <a:t>We have used </a:t>
+            </a:r>
+            <a:r>
+              <a:rPr lang="en-US" dirty="0" err="1" smtClean="0"/>
+              <a:t>immedaite</a:t>
+            </a:r>
+            <a:r>
+              <a:rPr lang="en-US" dirty="0" smtClean="0"/>
+              <a:t> assertions to check it working</a:t>
+            </a:r>
+          </a:p>
+          <a:p>
             <a:endParaRPr lang="en-US" dirty="0"/>
-          </a:p>
-        </p:txBody>
-      </p:sp>
-      <p:sp>
-        <p:nvSpPr>
-          <p:cNvPr id="3" name="Content Placeholder 2"/>
-          <p:cNvSpPr>
-            <a:spLocks noGrp="1"/>
-          </p:cNvSpPr>
-          <p:nvPr>
-            <p:ph idx="1"/>
-          </p:nvPr>
-        </p:nvSpPr>
-        <p:spPr/>
-        <p:txBody>
-          <a:bodyPr/>
-          <a:lstStyle/>
-          <a:p>
-            <a:endParaRPr lang="en-US"/>
           </a:p>
         </p:txBody>
       </p:sp>
     </p:spTree>
     <p:extLst>
       <p:ext uri="{BB962C8B-B14F-4D97-AF65-F5344CB8AC3E}">
-        <p14:creationId xmlns:p14="http://schemas.microsoft.com/office/powerpoint/2010/main" val="3841121885"/>
+        <p14:creationId xmlns:p14="http://schemas.microsoft.com/office/powerpoint/2010/main" val="3753358884"/>
       </p:ext>
     </p:extLst>
   </p:cSld>
   <p:clrMapOvr>
     <a:masterClrMapping/>
   </p:clrMapOvr>
-  <p:timing>
-    <p:tnLst>
-      <p:par>
-        <p:cTn id="1" dur="indefinite" restart="never" nodeType="tmRoot"/>
-      </p:par>
-    </p:tnLst>
-  </p:timing>
 </p:sld>
 </file>
 
@@ -4659,75 +4886,296 @@
       </p:grpSpPr>
       <p:sp>
         <p:nvSpPr>
-          <p:cNvPr id="2" name="Title 1"/>
-          <p:cNvSpPr>
-            <a:spLocks noGrp="1"/>
-          </p:cNvSpPr>
-          <p:nvPr>
-            <p:ph type="title"/>
-          </p:nvPr>
-        </p:nvSpPr>
-        <p:spPr/>
+          <p:cNvPr id="3" name="Content Placeholder 2"/>
+          <p:cNvSpPr>
+            <a:spLocks noGrp="1"/>
+          </p:cNvSpPr>
+          <p:nvPr>
+            <p:ph idx="1"/>
+          </p:nvPr>
+        </p:nvSpPr>
+        <p:spPr>
+          <a:xfrm>
+            <a:off x="403225" y="533400"/>
+            <a:ext cx="7467600" cy="4525963"/>
+          </a:xfrm>
+        </p:spPr>
         <p:txBody>
           <a:bodyPr/>
           <a:lstStyle/>
           <a:p>
+            <a:r>
+              <a:rPr lang="en-US" dirty="0" smtClean="0"/>
+              <a:t>One important case is that, whenever an entry in the </a:t>
+            </a:r>
+            <a:r>
+              <a:rPr lang="en-US" dirty="0" err="1" smtClean="0"/>
+              <a:t>Lru</a:t>
+            </a:r>
+            <a:r>
+              <a:rPr lang="en-US" dirty="0" smtClean="0"/>
+              <a:t> register is 0, then the entries to the left of it must all be zero </a:t>
+            </a:r>
+            <a:r>
+              <a:rPr lang="en-US" dirty="0" err="1" smtClean="0"/>
+              <a:t>zero</a:t>
+            </a:r>
+            <a:r>
+              <a:rPr lang="en-US" dirty="0" smtClean="0"/>
+              <a:t>. No serious bugs found while verifying this </a:t>
+            </a:r>
             <a:endParaRPr lang="en-US" dirty="0"/>
           </a:p>
         </p:txBody>
       </p:sp>
-      <p:sp>
-        <p:nvSpPr>
-          <p:cNvPr id="3" name="Content Placeholder 2"/>
-          <p:cNvSpPr>
-            <a:spLocks noGrp="1"/>
-          </p:cNvSpPr>
-          <p:nvPr>
-            <p:ph idx="1"/>
-          </p:nvPr>
-        </p:nvSpPr>
-        <p:spPr/>
-        <p:txBody>
-          <a:bodyPr/>
-          <a:lstStyle/>
-          <a:p>
-            <a:endParaRPr lang="en-US" dirty="0" smtClean="0"/>
-          </a:p>
-          <a:p>
-            <a:endParaRPr lang="en-US" dirty="0"/>
-          </a:p>
-          <a:p>
-            <a:endParaRPr lang="en-US" dirty="0" smtClean="0"/>
-          </a:p>
-          <a:p>
-            <a:pPr marL="0" indent="0" algn="ctr">
-              <a:buNone/>
-            </a:pPr>
-            <a:r>
-              <a:rPr lang="en-US" b="1" dirty="0" smtClean="0"/>
-              <a:t>Thank you…..</a:t>
-            </a:r>
-            <a:endParaRPr lang="en-US" b="1" dirty="0"/>
-          </a:p>
-        </p:txBody>
-      </p:sp>
+      <p:pic>
+        <p:nvPicPr>
+          <p:cNvPr id="4" name="Picture 2" descr="C:\Users\SaiKrishna\Desktop\lru.jpg"/>
+          <p:cNvPicPr>
+            <a:picLocks noChangeAspect="1" noChangeArrowheads="1"/>
+          </p:cNvPicPr>
+          <p:nvPr/>
+        </p:nvPicPr>
+        <p:blipFill>
+          <a:blip r:embed="rId2">
+            <a:extLst>
+              <a:ext uri="{28A0092B-C50C-407E-A947-70E740481C1C}">
+                <a14:useLocalDpi xmlns:a14="http://schemas.microsoft.com/office/drawing/2010/main" val="0"/>
+              </a:ext>
+            </a:extLst>
+          </a:blip>
+          <a:srcRect/>
+          <a:stretch>
+            <a:fillRect/>
+          </a:stretch>
+        </p:blipFill>
+        <p:spPr bwMode="auto">
+          <a:xfrm>
+            <a:off x="939798" y="3200400"/>
+            <a:ext cx="6956425" cy="3559175"/>
+          </a:xfrm>
+          <a:prstGeom prst="rect">
+            <a:avLst/>
+          </a:prstGeom>
+          <a:noFill/>
+          <a:extLst>
+            <a:ext uri="{909E8E84-426E-40DD-AFC4-6F175D3DCCD1}">
+              <a14:hiddenFill xmlns:a14="http://schemas.microsoft.com/office/drawing/2010/main">
+                <a:solidFill>
+                  <a:srgbClr val="FFFFFF"/>
+                </a:solidFill>
+              </a14:hiddenFill>
+            </a:ext>
+          </a:extLst>
+        </p:spPr>
+      </p:pic>
     </p:spTree>
     <p:extLst>
       <p:ext uri="{BB962C8B-B14F-4D97-AF65-F5344CB8AC3E}">
-        <p14:creationId xmlns:p14="http://schemas.microsoft.com/office/powerpoint/2010/main" val="1259995898"/>
+        <p14:creationId xmlns:p14="http://schemas.microsoft.com/office/powerpoint/2010/main" val="3982611028"/>
       </p:ext>
     </p:extLst>
   </p:cSld>
   <p:clrMapOvr>
     <a:masterClrMapping/>
   </p:clrMapOvr>
-  <p:timing>
-    <p:tnLst>
-      <p:par>
-        <p:cTn id="1" dur="indefinite" restart="never" nodeType="tmRoot"/>
-      </p:par>
-    </p:tnLst>
-  </p:timing>
+</p:sld>
+</file>
+
+<file path=ppt/slides/slide18.xml><?xml version="1.0" encoding="utf-8"?>
+<p:sld xmlns:a="http://schemas.openxmlformats.org/drawingml/2006/main" xmlns:r="http://schemas.openxmlformats.org/officeDocument/2006/relationships" xmlns:p="http://schemas.openxmlformats.org/presentationml/2006/main">
+  <p:cSld>
+    <p:spTree>
+      <p:nvGrpSpPr>
+        <p:cNvPr id="1" name=""/>
+        <p:cNvGrpSpPr/>
+        <p:nvPr/>
+      </p:nvGrpSpPr>
+      <p:grpSpPr>
+        <a:xfrm>
+          <a:off x="0" y="0"/>
+          <a:ext cx="0" cy="0"/>
+          <a:chOff x="0" y="0"/>
+          <a:chExt cx="0" cy="0"/>
+        </a:xfrm>
+      </p:grpSpPr>
+      <p:sp>
+        <p:nvSpPr>
+          <p:cNvPr id="2" name="Title 1"/>
+          <p:cNvSpPr>
+            <a:spLocks noGrp="1"/>
+          </p:cNvSpPr>
+          <p:nvPr>
+            <p:ph type="title"/>
+          </p:nvPr>
+        </p:nvSpPr>
+        <p:spPr/>
+        <p:txBody>
+          <a:bodyPr/>
+          <a:lstStyle/>
+          <a:p>
+            <a:r>
+              <a:rPr lang="en-US" dirty="0" smtClean="0"/>
+              <a:t>Verification of Protocol</a:t>
+            </a:r>
+            <a:endParaRPr lang="en-US" dirty="0"/>
+          </a:p>
+        </p:txBody>
+      </p:sp>
+      <p:sp>
+        <p:nvSpPr>
+          <p:cNvPr id="3" name="Content Placeholder 2"/>
+          <p:cNvSpPr>
+            <a:spLocks noGrp="1"/>
+          </p:cNvSpPr>
+          <p:nvPr>
+            <p:ph idx="1"/>
+          </p:nvPr>
+        </p:nvSpPr>
+        <p:spPr/>
+        <p:txBody>
+          <a:bodyPr/>
+          <a:lstStyle/>
+          <a:p>
+            <a:pPr marL="36576" indent="0">
+              <a:buNone/>
+            </a:pPr>
+            <a:r>
+              <a:rPr lang="en-US" dirty="0" smtClean="0"/>
+              <a:t>Similar approach as that fro LRU is used here too. </a:t>
+            </a:r>
+          </a:p>
+          <a:p>
+            <a:pPr marL="36576" indent="0">
+              <a:buNone/>
+            </a:pPr>
+            <a:r>
+              <a:rPr lang="en-US" dirty="0" smtClean="0"/>
+              <a:t>First we have given the inputs to check whether all the state are transitioned as expected and then randomized the things and checked using immediate assertions.</a:t>
+            </a:r>
+            <a:endParaRPr lang="en-US" dirty="0"/>
+          </a:p>
+        </p:txBody>
+      </p:sp>
+    </p:spTree>
+    <p:extLst>
+      <p:ext uri="{BB962C8B-B14F-4D97-AF65-F5344CB8AC3E}">
+        <p14:creationId xmlns:p14="http://schemas.microsoft.com/office/powerpoint/2010/main" val="3966685157"/>
+      </p:ext>
+    </p:extLst>
+  </p:cSld>
+  <p:clrMapOvr>
+    <a:masterClrMapping/>
+  </p:clrMapOvr>
+</p:sld>
+</file>
+
+<file path=ppt/slides/slide19.xml><?xml version="1.0" encoding="utf-8"?>
+<p:sld xmlns:a="http://schemas.openxmlformats.org/drawingml/2006/main" xmlns:r="http://schemas.openxmlformats.org/officeDocument/2006/relationships" xmlns:p="http://schemas.openxmlformats.org/presentationml/2006/main">
+  <p:cSld>
+    <p:spTree>
+      <p:nvGrpSpPr>
+        <p:cNvPr id="1" name=""/>
+        <p:cNvGrpSpPr/>
+        <p:nvPr/>
+      </p:nvGrpSpPr>
+      <p:grpSpPr>
+        <a:xfrm>
+          <a:off x="0" y="0"/>
+          <a:ext cx="0" cy="0"/>
+          <a:chOff x="0" y="0"/>
+          <a:chExt cx="0" cy="0"/>
+        </a:xfrm>
+      </p:grpSpPr>
+      <p:sp>
+        <p:nvSpPr>
+          <p:cNvPr id="2" name="Title 1"/>
+          <p:cNvSpPr>
+            <a:spLocks noGrp="1"/>
+          </p:cNvSpPr>
+          <p:nvPr>
+            <p:ph type="title"/>
+          </p:nvPr>
+        </p:nvSpPr>
+        <p:spPr/>
+        <p:txBody>
+          <a:bodyPr/>
+          <a:lstStyle/>
+          <a:p>
+            <a:endParaRPr lang="en-US"/>
+          </a:p>
+        </p:txBody>
+      </p:sp>
+      <p:sp>
+        <p:nvSpPr>
+          <p:cNvPr id="3" name="Content Placeholder 2"/>
+          <p:cNvSpPr>
+            <a:spLocks noGrp="1"/>
+          </p:cNvSpPr>
+          <p:nvPr>
+            <p:ph idx="1"/>
+          </p:nvPr>
+        </p:nvSpPr>
+        <p:spPr/>
+        <p:txBody>
+          <a:bodyPr/>
+          <a:lstStyle/>
+          <a:p>
+            <a:endParaRPr lang="en-US"/>
+          </a:p>
+        </p:txBody>
+      </p:sp>
+      <p:pic>
+        <p:nvPicPr>
+          <p:cNvPr id="10242" name="Picture 2" descr="C:\Users\SaiKrishna\Desktop\pro.jpg"/>
+          <p:cNvPicPr>
+            <a:picLocks noChangeAspect="1" noChangeArrowheads="1"/>
+          </p:cNvPicPr>
+          <p:nvPr/>
+        </p:nvPicPr>
+        <p:blipFill>
+          <a:blip r:embed="rId2">
+            <a:extLst>
+              <a:ext uri="{28A0092B-C50C-407E-A947-70E740481C1C}">
+                <a14:useLocalDpi xmlns:a14="http://schemas.microsoft.com/office/drawing/2010/main" val="0"/>
+              </a:ext>
+            </a:extLst>
+          </a:blip>
+          <a:srcRect/>
+          <a:stretch>
+            <a:fillRect/>
+          </a:stretch>
+        </p:blipFill>
+        <p:spPr bwMode="auto">
+          <a:xfrm>
+            <a:off x="381000" y="242888"/>
+            <a:ext cx="8229599" cy="6462712"/>
+          </a:xfrm>
+          <a:prstGeom prst="rect">
+            <a:avLst/>
+          </a:prstGeom>
+          <a:noFill/>
+          <a:extLst>
+            <a:ext uri="{909E8E84-426E-40DD-AFC4-6F175D3DCCD1}">
+              <a14:hiddenFill xmlns:a14="http://schemas.microsoft.com/office/drawing/2010/main">
+                <a:solidFill>
+                  <a:srgbClr val="FFFFFF"/>
+                </a:solidFill>
+              </a14:hiddenFill>
+            </a:ext>
+          </a:extLst>
+        </p:spPr>
+      </p:pic>
+    </p:spTree>
+    <p:extLst>
+      <p:ext uri="{BB962C8B-B14F-4D97-AF65-F5344CB8AC3E}">
+        <p14:creationId xmlns:p14="http://schemas.microsoft.com/office/powerpoint/2010/main" val="1493314444"/>
+      </p:ext>
+    </p:extLst>
+  </p:cSld>
+  <p:clrMapOvr>
+    <a:masterClrMapping/>
+  </p:clrMapOvr>
 </p:sld>
 </file>
 
@@ -4785,7 +5233,9 @@
         </p:nvSpPr>
         <p:spPr/>
         <p:txBody>
-          <a:bodyPr/>
+          <a:bodyPr>
+            <a:normAutofit/>
+          </a:bodyPr>
           <a:lstStyle/>
           <a:p>
             <a:r>
@@ -4796,14 +5246,13 @@
           <a:p>
             <a:r>
               <a:rPr lang="en-US" dirty="0" smtClean="0"/>
-              <a:t>Dragon protocol is used to ensure  cache coherency.</a:t>
-            </a:r>
-          </a:p>
-          <a:p>
-            <a:r>
-              <a:rPr lang="en-US" dirty="0" smtClean="0"/>
-              <a:t>Write back cache.</a:t>
-            </a:r>
+              <a:t>Dragon protocol is used to ensure  cache coherency</a:t>
+            </a:r>
+            <a:r>
+              <a:rPr lang="en-US" dirty="0" smtClean="0"/>
+              <a:t>.</a:t>
+            </a:r>
+            <a:endParaRPr lang="en-US" dirty="0" smtClean="0"/>
           </a:p>
           <a:p>
             <a:r>
@@ -4842,7 +5291,7 @@
 </p:sld>
 </file>
 
-<file path=ppt/slides/slide3.xml><?xml version="1.0" encoding="utf-8"?>
+<file path=ppt/slides/slide20.xml><?xml version="1.0" encoding="utf-8"?>
 <p:sld xmlns:a="http://schemas.openxmlformats.org/drawingml/2006/main" xmlns:r="http://schemas.openxmlformats.org/officeDocument/2006/relationships" xmlns:p="http://schemas.openxmlformats.org/presentationml/2006/main">
   <p:cSld>
     <p:spTree>
@@ -4871,14 +5320,120 @@
         </p:nvSpPr>
         <p:spPr/>
         <p:txBody>
-          <a:bodyPr>
-            <a:normAutofit/>
-          </a:bodyPr>
-          <a:lstStyle/>
-          <a:p>
-            <a:r>
-              <a:rPr lang="en-US" dirty="0" smtClean="0"/>
-              <a:t>Top Level Design(change pic)</a:t>
+          <a:bodyPr/>
+          <a:lstStyle/>
+          <a:p>
+            <a:endParaRPr lang="en-US" dirty="0"/>
+          </a:p>
+        </p:txBody>
+      </p:sp>
+      <p:sp>
+        <p:nvSpPr>
+          <p:cNvPr id="3" name="Content Placeholder 2"/>
+          <p:cNvSpPr>
+            <a:spLocks noGrp="1"/>
+          </p:cNvSpPr>
+          <p:nvPr>
+            <p:ph idx="1"/>
+          </p:nvPr>
+        </p:nvSpPr>
+        <p:spPr/>
+        <p:txBody>
+          <a:bodyPr/>
+          <a:lstStyle/>
+          <a:p>
+            <a:r>
+              <a:rPr lang="en-US" b="1" u="sng" dirty="0" smtClean="0"/>
+              <a:t>Bugs found:</a:t>
+            </a:r>
+          </a:p>
+          <a:p>
+            <a:pPr lvl="1"/>
+            <a:r>
+              <a:rPr lang="en-US" dirty="0" smtClean="0"/>
+              <a:t>State was not changing from Shared Modified to Shared Clean when </a:t>
+            </a:r>
+            <a:r>
+              <a:rPr lang="en-US" dirty="0" err="1" smtClean="0"/>
+              <a:t>BusUpd</a:t>
+            </a:r>
+            <a:r>
+              <a:rPr lang="en-US" dirty="0" smtClean="0"/>
+              <a:t> signal was snooped by the controller.</a:t>
+            </a:r>
+          </a:p>
+          <a:p>
+            <a:pPr marL="448056" lvl="1" indent="0">
+              <a:buNone/>
+            </a:pPr>
+            <a:r>
+              <a:rPr lang="en-US" dirty="0"/>
+              <a:t> </a:t>
+            </a:r>
+            <a:r>
+              <a:rPr lang="en-US" dirty="0" smtClean="0"/>
+              <a:t>	</a:t>
+            </a:r>
+            <a:r>
+              <a:rPr lang="en-US" u="sng" dirty="0" smtClean="0"/>
+              <a:t>Status: </a:t>
+            </a:r>
+            <a:r>
+              <a:rPr lang="en-US" dirty="0" smtClean="0"/>
+              <a:t>Resolved.</a:t>
+            </a:r>
+            <a:endParaRPr lang="en-US" u="sng" dirty="0"/>
+          </a:p>
+        </p:txBody>
+      </p:sp>
+    </p:spTree>
+    <p:extLst>
+      <p:ext uri="{BB962C8B-B14F-4D97-AF65-F5344CB8AC3E}">
+        <p14:creationId xmlns:p14="http://schemas.microsoft.com/office/powerpoint/2010/main" val="3423127580"/>
+      </p:ext>
+    </p:extLst>
+  </p:cSld>
+  <p:clrMapOvr>
+    <a:masterClrMapping/>
+  </p:clrMapOvr>
+</p:sld>
+</file>
+
+<file path=ppt/slides/slide21.xml><?xml version="1.0" encoding="utf-8"?>
+<p:sld xmlns:a="http://schemas.openxmlformats.org/drawingml/2006/main" xmlns:r="http://schemas.openxmlformats.org/officeDocument/2006/relationships" xmlns:p="http://schemas.openxmlformats.org/presentationml/2006/main">
+  <p:cSld>
+    <p:spTree>
+      <p:nvGrpSpPr>
+        <p:cNvPr id="1" name=""/>
+        <p:cNvGrpSpPr/>
+        <p:nvPr/>
+      </p:nvGrpSpPr>
+      <p:grpSpPr>
+        <a:xfrm>
+          <a:off x="0" y="0"/>
+          <a:ext cx="0" cy="0"/>
+          <a:chOff x="0" y="0"/>
+          <a:chExt cx="0" cy="0"/>
+        </a:xfrm>
+      </p:grpSpPr>
+      <p:sp>
+        <p:nvSpPr>
+          <p:cNvPr id="2" name="Title 1"/>
+          <p:cNvSpPr>
+            <a:spLocks noGrp="1"/>
+          </p:cNvSpPr>
+          <p:nvPr>
+            <p:ph type="title"/>
+          </p:nvPr>
+        </p:nvSpPr>
+        <p:spPr/>
+        <p:txBody>
+          <a:bodyPr/>
+          <a:lstStyle/>
+          <a:p>
+            <a:r>
+              <a:rPr lang="en-US" dirty="0" err="1" smtClean="0"/>
+              <a:t>TopLevel</a:t>
             </a:r>
             <a:endParaRPr lang="en-US" dirty="0"/>
           </a:p>
@@ -4886,7 +5441,7 @@
       </p:sp>
       <p:pic>
         <p:nvPicPr>
-          <p:cNvPr id="1026" name="Picture 2" descr="C:\Users\SaiKrishna\Downloads\System Verilog Diagram\System Verilog Diagram\Cache Main Design.png"/>
+          <p:cNvPr id="11266" name="Picture 2" descr="C:\Users\SaiKrishna\Downloads\final Verification Block.png"/>
           <p:cNvPicPr>
             <a:picLocks noGrp="1" noChangeAspect="1" noChangeArrowheads="1"/>
           </p:cNvPicPr>
@@ -4909,8 +5464,8 @@
         </p:blipFill>
         <p:spPr bwMode="auto">
           <a:xfrm>
-            <a:off x="457200" y="2590800"/>
-            <a:ext cx="8178105" cy="3657600"/>
+            <a:off x="762000" y="1981200"/>
+            <a:ext cx="6705600" cy="3809999"/>
           </a:xfrm>
           <a:prstGeom prst="rect">
             <a:avLst/>
@@ -4930,7 +5485,2546 @@
     </p:spTree>
     <p:extLst>
       <p:ext uri="{BB962C8B-B14F-4D97-AF65-F5344CB8AC3E}">
-        <p14:creationId xmlns:p14="http://schemas.microsoft.com/office/powerpoint/2010/main" val="552603260"/>
+        <p14:creationId xmlns:p14="http://schemas.microsoft.com/office/powerpoint/2010/main" val="684204001"/>
+      </p:ext>
+    </p:extLst>
+  </p:cSld>
+  <p:clrMapOvr>
+    <a:masterClrMapping/>
+  </p:clrMapOvr>
+</p:sld>
+</file>
+
+<file path=ppt/slides/slide22.xml><?xml version="1.0" encoding="utf-8"?>
+<p:sld xmlns:a="http://schemas.openxmlformats.org/drawingml/2006/main" xmlns:r="http://schemas.openxmlformats.org/officeDocument/2006/relationships" xmlns:p="http://schemas.openxmlformats.org/presentationml/2006/main">
+  <p:cSld>
+    <p:spTree>
+      <p:nvGrpSpPr>
+        <p:cNvPr id="1" name=""/>
+        <p:cNvGrpSpPr/>
+        <p:nvPr/>
+      </p:nvGrpSpPr>
+      <p:grpSpPr>
+        <a:xfrm>
+          <a:off x="0" y="0"/>
+          <a:ext cx="0" cy="0"/>
+          <a:chOff x="0" y="0"/>
+          <a:chExt cx="0" cy="0"/>
+        </a:xfrm>
+      </p:grpSpPr>
+      <p:sp>
+        <p:nvSpPr>
+          <p:cNvPr id="2" name="Title 1"/>
+          <p:cNvSpPr>
+            <a:spLocks noGrp="1"/>
+          </p:cNvSpPr>
+          <p:nvPr>
+            <p:ph type="title"/>
+          </p:nvPr>
+        </p:nvSpPr>
+        <p:spPr/>
+        <p:txBody>
+          <a:bodyPr/>
+          <a:lstStyle/>
+          <a:p>
+            <a:r>
+              <a:rPr lang="en-US" dirty="0" smtClean="0"/>
+              <a:t>Checker(Assertions)</a:t>
+            </a:r>
+            <a:endParaRPr lang="en-US" dirty="0"/>
+          </a:p>
+        </p:txBody>
+      </p:sp>
+      <p:sp>
+        <p:nvSpPr>
+          <p:cNvPr id="3" name="Content Placeholder 2"/>
+          <p:cNvSpPr>
+            <a:spLocks noGrp="1"/>
+          </p:cNvSpPr>
+          <p:nvPr>
+            <p:ph idx="1"/>
+          </p:nvPr>
+        </p:nvSpPr>
+        <p:spPr/>
+        <p:txBody>
+          <a:bodyPr>
+            <a:normAutofit fontScale="77500" lnSpcReduction="20000"/>
+          </a:bodyPr>
+          <a:lstStyle/>
+          <a:p>
+            <a:pPr marL="36576" indent="0">
+              <a:buNone/>
+            </a:pPr>
+            <a:r>
+              <a:rPr lang="en-US" dirty="0" smtClean="0"/>
+              <a:t>Property 1 and 2:</a:t>
+            </a:r>
+          </a:p>
+          <a:p>
+            <a:pPr marL="36576" indent="0">
+              <a:buNone/>
+            </a:pPr>
+            <a:r>
+              <a:rPr lang="en-US" dirty="0" smtClean="0"/>
+              <a:t>	On any rising edge of clock if the STALL signal is </a:t>
+            </a:r>
+            <a:r>
+              <a:rPr lang="en-US" dirty="0" err="1" smtClean="0"/>
+              <a:t>deasserted</a:t>
+            </a:r>
+            <a:r>
+              <a:rPr lang="en-US" dirty="0" smtClean="0"/>
+              <a:t> and a valid </a:t>
+            </a:r>
+            <a:r>
+              <a:rPr lang="en-US" dirty="0" err="1" smtClean="0"/>
+              <a:t>READrWRITE</a:t>
+            </a:r>
+            <a:r>
+              <a:rPr lang="en-US" dirty="0" smtClean="0"/>
+              <a:t> command is asserted, then a valid address must be available on the Address bus between processor and cache on the same clock edge .</a:t>
+            </a:r>
+          </a:p>
+          <a:p>
+            <a:pPr marL="36576" indent="0">
+              <a:buNone/>
+            </a:pPr>
+            <a:endParaRPr lang="en-US" dirty="0"/>
+          </a:p>
+          <a:p>
+            <a:pPr marL="36576" indent="0">
+              <a:buNone/>
+            </a:pPr>
+            <a:endParaRPr lang="en-US" dirty="0" smtClean="0"/>
+          </a:p>
+          <a:p>
+            <a:pPr marL="36576" indent="0">
+              <a:buNone/>
+            </a:pPr>
+            <a:endParaRPr lang="en-US" dirty="0"/>
+          </a:p>
+          <a:p>
+            <a:pPr marL="36576" indent="0">
+              <a:buNone/>
+            </a:pPr>
+            <a:endParaRPr lang="en-US" dirty="0" smtClean="0"/>
+          </a:p>
+          <a:p>
+            <a:pPr marL="36576" indent="0">
+              <a:buNone/>
+            </a:pPr>
+            <a:endParaRPr lang="en-US" dirty="0" smtClean="0"/>
+          </a:p>
+          <a:p>
+            <a:pPr marL="36576" indent="0">
+              <a:buNone/>
+            </a:pPr>
+            <a:r>
+              <a:rPr lang="en-US" dirty="0" smtClean="0"/>
+              <a:t>If the request is Write then Valid data must also be available the same edge.</a:t>
+            </a:r>
+          </a:p>
+        </p:txBody>
+      </p:sp>
+      <p:pic>
+        <p:nvPicPr>
+          <p:cNvPr id="4" name="Picture 2" descr="C:\Users\SaiKrishna\Desktop\assertions1.jpg"/>
+          <p:cNvPicPr>
+            <a:picLocks noChangeAspect="1" noChangeArrowheads="1"/>
+          </p:cNvPicPr>
+          <p:nvPr/>
+        </p:nvPicPr>
+        <p:blipFill>
+          <a:blip r:embed="rId2">
+            <a:extLst>
+              <a:ext uri="{28A0092B-C50C-407E-A947-70E740481C1C}">
+                <a14:useLocalDpi xmlns:a14="http://schemas.microsoft.com/office/drawing/2010/main" val="0"/>
+              </a:ext>
+            </a:extLst>
+          </a:blip>
+          <a:srcRect/>
+          <a:stretch>
+            <a:fillRect/>
+          </a:stretch>
+        </p:blipFill>
+        <p:spPr bwMode="auto">
+          <a:xfrm>
+            <a:off x="1783080" y="5791200"/>
+            <a:ext cx="5181599" cy="914400"/>
+          </a:xfrm>
+          <a:prstGeom prst="rect">
+            <a:avLst/>
+          </a:prstGeom>
+          <a:noFill/>
+          <a:extLst>
+            <a:ext uri="{909E8E84-426E-40DD-AFC4-6F175D3DCCD1}">
+              <a14:hiddenFill xmlns:a14="http://schemas.microsoft.com/office/drawing/2010/main">
+                <a:solidFill>
+                  <a:srgbClr val="FFFFFF"/>
+                </a:solidFill>
+              </a14:hiddenFill>
+            </a:ext>
+          </a:extLst>
+        </p:spPr>
+      </p:pic>
+      <p:pic>
+        <p:nvPicPr>
+          <p:cNvPr id="13314" name="Picture 2" descr="C:\Users\SaiKrishna\Desktop\assertions2.jpg"/>
+          <p:cNvPicPr>
+            <a:picLocks noChangeAspect="1" noChangeArrowheads="1"/>
+          </p:cNvPicPr>
+          <p:nvPr/>
+        </p:nvPicPr>
+        <p:blipFill>
+          <a:blip r:embed="rId3">
+            <a:extLst>
+              <a:ext uri="{28A0092B-C50C-407E-A947-70E740481C1C}">
+                <a14:useLocalDpi xmlns:a14="http://schemas.microsoft.com/office/drawing/2010/main" val="0"/>
+              </a:ext>
+            </a:extLst>
+          </a:blip>
+          <a:srcRect/>
+          <a:stretch>
+            <a:fillRect/>
+          </a:stretch>
+        </p:blipFill>
+        <p:spPr bwMode="auto">
+          <a:xfrm>
+            <a:off x="2097721" y="3505200"/>
+            <a:ext cx="4922837" cy="906463"/>
+          </a:xfrm>
+          <a:prstGeom prst="rect">
+            <a:avLst/>
+          </a:prstGeom>
+          <a:noFill/>
+          <a:extLst>
+            <a:ext uri="{909E8E84-426E-40DD-AFC4-6F175D3DCCD1}">
+              <a14:hiddenFill xmlns:a14="http://schemas.microsoft.com/office/drawing/2010/main">
+                <a:solidFill>
+                  <a:srgbClr val="FFFFFF"/>
+                </a:solidFill>
+              </a14:hiddenFill>
+            </a:ext>
+          </a:extLst>
+        </p:spPr>
+      </p:pic>
+    </p:spTree>
+    <p:extLst>
+      <p:ext uri="{BB962C8B-B14F-4D97-AF65-F5344CB8AC3E}">
+        <p14:creationId xmlns:p14="http://schemas.microsoft.com/office/powerpoint/2010/main" val="3227573496"/>
+      </p:ext>
+    </p:extLst>
+  </p:cSld>
+  <p:clrMapOvr>
+    <a:masterClrMapping/>
+  </p:clrMapOvr>
+</p:sld>
+</file>
+
+<file path=ppt/slides/slide23.xml><?xml version="1.0" encoding="utf-8"?>
+<p:sld xmlns:a="http://schemas.openxmlformats.org/drawingml/2006/main" xmlns:r="http://schemas.openxmlformats.org/officeDocument/2006/relationships" xmlns:p="http://schemas.openxmlformats.org/presentationml/2006/main">
+  <p:cSld>
+    <p:spTree>
+      <p:nvGrpSpPr>
+        <p:cNvPr id="1" name=""/>
+        <p:cNvGrpSpPr/>
+        <p:nvPr/>
+      </p:nvGrpSpPr>
+      <p:grpSpPr>
+        <a:xfrm>
+          <a:off x="0" y="0"/>
+          <a:ext cx="0" cy="0"/>
+          <a:chOff x="0" y="0"/>
+          <a:chExt cx="0" cy="0"/>
+        </a:xfrm>
+      </p:grpSpPr>
+      <p:sp>
+        <p:nvSpPr>
+          <p:cNvPr id="3" name="Content Placeholder 2"/>
+          <p:cNvSpPr>
+            <a:spLocks noGrp="1"/>
+          </p:cNvSpPr>
+          <p:nvPr>
+            <p:ph idx="1"/>
+          </p:nvPr>
+        </p:nvSpPr>
+        <p:spPr>
+          <a:xfrm>
+            <a:off x="514574" y="381000"/>
+            <a:ext cx="7467600" cy="4525963"/>
+          </a:xfrm>
+        </p:spPr>
+        <p:txBody>
+          <a:bodyPr>
+            <a:normAutofit fontScale="92500" lnSpcReduction="20000"/>
+          </a:bodyPr>
+          <a:lstStyle/>
+          <a:p>
+            <a:r>
+              <a:rPr lang="en-US" dirty="0" smtClean="0"/>
+              <a:t>Property3:</a:t>
+            </a:r>
+          </a:p>
+          <a:p>
+            <a:pPr lvl="1"/>
+            <a:r>
+              <a:rPr lang="en-US" dirty="0" smtClean="0"/>
+              <a:t>Whenever a MISS signal is asserted on any positive edge of clock and the request is READ, valid data must be send to the processor on the third clock tick and the </a:t>
+            </a:r>
+            <a:r>
+              <a:rPr lang="en-US" dirty="0" err="1" smtClean="0"/>
+              <a:t>sall</a:t>
+            </a:r>
+            <a:r>
+              <a:rPr lang="en-US" dirty="0" smtClean="0"/>
+              <a:t> signal must be </a:t>
+            </a:r>
+            <a:r>
+              <a:rPr lang="en-US" dirty="0" err="1" smtClean="0"/>
+              <a:t>deasserted</a:t>
+            </a:r>
+            <a:r>
+              <a:rPr lang="en-US" dirty="0" smtClean="0"/>
+              <a:t> within the next clock tick.</a:t>
+            </a:r>
+          </a:p>
+          <a:p>
+            <a:pPr marL="448056" lvl="1" indent="0">
+              <a:buNone/>
+            </a:pPr>
+            <a:endParaRPr lang="en-US" dirty="0" smtClean="0"/>
+          </a:p>
+          <a:p>
+            <a:pPr marL="448056" lvl="1" indent="0">
+              <a:buNone/>
+            </a:pPr>
+            <a:endParaRPr lang="en-US" dirty="0"/>
+          </a:p>
+          <a:p>
+            <a:pPr marL="448056" lvl="1" indent="0">
+              <a:buNone/>
+            </a:pPr>
+            <a:endParaRPr lang="en-US" dirty="0" smtClean="0"/>
+          </a:p>
+          <a:p>
+            <a:pPr marL="448056" lvl="1" indent="0">
+              <a:buNone/>
+            </a:pPr>
+            <a:endParaRPr lang="en-US" dirty="0"/>
+          </a:p>
+          <a:p>
+            <a:pPr marL="448056" lvl="1" indent="0">
+              <a:buNone/>
+            </a:pPr>
+            <a:r>
+              <a:rPr lang="en-US" dirty="0" smtClean="0"/>
+              <a:t>Property4:</a:t>
+            </a:r>
+          </a:p>
+          <a:p>
+            <a:pPr lvl="1"/>
+            <a:r>
+              <a:rPr lang="en-US" dirty="0" smtClean="0"/>
+              <a:t>If the Request is WRITE, STALL must be </a:t>
+            </a:r>
+            <a:r>
+              <a:rPr lang="en-US" dirty="0" err="1" smtClean="0"/>
+              <a:t>deasserted</a:t>
+            </a:r>
+            <a:r>
+              <a:rPr lang="en-US" dirty="0" smtClean="0"/>
+              <a:t> on the fourth clock tick.</a:t>
+            </a:r>
+            <a:endParaRPr lang="en-US" dirty="0"/>
+          </a:p>
+        </p:txBody>
+      </p:sp>
+      <p:pic>
+        <p:nvPicPr>
+          <p:cNvPr id="4" name="Picture 3" descr="C:\Users\SaiKrishna\Desktop\assertions5.jpg"/>
+          <p:cNvPicPr>
+            <a:picLocks noChangeAspect="1" noChangeArrowheads="1"/>
+          </p:cNvPicPr>
+          <p:nvPr/>
+        </p:nvPicPr>
+        <p:blipFill>
+          <a:blip r:embed="rId2">
+            <a:extLst>
+              <a:ext uri="{28A0092B-C50C-407E-A947-70E740481C1C}">
+                <a14:useLocalDpi xmlns:a14="http://schemas.microsoft.com/office/drawing/2010/main" val="0"/>
+              </a:ext>
+            </a:extLst>
+          </a:blip>
+          <a:srcRect/>
+          <a:stretch>
+            <a:fillRect/>
+          </a:stretch>
+        </p:blipFill>
+        <p:spPr bwMode="auto">
+          <a:xfrm>
+            <a:off x="914400" y="5334000"/>
+            <a:ext cx="7342094" cy="990600"/>
+          </a:xfrm>
+          <a:prstGeom prst="rect">
+            <a:avLst/>
+          </a:prstGeom>
+          <a:noFill/>
+          <a:extLst>
+            <a:ext uri="{909E8E84-426E-40DD-AFC4-6F175D3DCCD1}">
+              <a14:hiddenFill xmlns:a14="http://schemas.microsoft.com/office/drawing/2010/main">
+                <a:solidFill>
+                  <a:srgbClr val="FFFFFF"/>
+                </a:solidFill>
+              </a14:hiddenFill>
+            </a:ext>
+          </a:extLst>
+        </p:spPr>
+      </p:pic>
+      <p:pic>
+        <p:nvPicPr>
+          <p:cNvPr id="6" name="Picture 3" descr="C:\Users\SaiKrishna\Desktop\assertions3.jpg"/>
+          <p:cNvPicPr>
+            <a:picLocks noChangeAspect="1" noChangeArrowheads="1"/>
+          </p:cNvPicPr>
+          <p:nvPr/>
+        </p:nvPicPr>
+        <p:blipFill>
+          <a:blip r:embed="rId3">
+            <a:extLst>
+              <a:ext uri="{28A0092B-C50C-407E-A947-70E740481C1C}">
+                <a14:useLocalDpi xmlns:a14="http://schemas.microsoft.com/office/drawing/2010/main" val="0"/>
+              </a:ext>
+            </a:extLst>
+          </a:blip>
+          <a:srcRect/>
+          <a:stretch>
+            <a:fillRect/>
+          </a:stretch>
+        </p:blipFill>
+        <p:spPr bwMode="auto">
+          <a:xfrm>
+            <a:off x="546847" y="2743200"/>
+            <a:ext cx="8077200" cy="762000"/>
+          </a:xfrm>
+          <a:prstGeom prst="rect">
+            <a:avLst/>
+          </a:prstGeom>
+          <a:noFill/>
+          <a:extLst>
+            <a:ext uri="{909E8E84-426E-40DD-AFC4-6F175D3DCCD1}">
+              <a14:hiddenFill xmlns:a14="http://schemas.microsoft.com/office/drawing/2010/main">
+                <a:solidFill>
+                  <a:srgbClr val="FFFFFF"/>
+                </a:solidFill>
+              </a14:hiddenFill>
+            </a:ext>
+          </a:extLst>
+        </p:spPr>
+      </p:pic>
+    </p:spTree>
+    <p:extLst>
+      <p:ext uri="{BB962C8B-B14F-4D97-AF65-F5344CB8AC3E}">
+        <p14:creationId xmlns:p14="http://schemas.microsoft.com/office/powerpoint/2010/main" val="197449949"/>
+      </p:ext>
+    </p:extLst>
+  </p:cSld>
+  <p:clrMapOvr>
+    <a:masterClrMapping/>
+  </p:clrMapOvr>
+</p:sld>
+</file>
+
+<file path=ppt/slides/slide24.xml><?xml version="1.0" encoding="utf-8"?>
+<p:sld xmlns:a="http://schemas.openxmlformats.org/drawingml/2006/main" xmlns:r="http://schemas.openxmlformats.org/officeDocument/2006/relationships" xmlns:p="http://schemas.openxmlformats.org/presentationml/2006/main">
+  <p:cSld>
+    <p:spTree>
+      <p:nvGrpSpPr>
+        <p:cNvPr id="1" name=""/>
+        <p:cNvGrpSpPr/>
+        <p:nvPr/>
+      </p:nvGrpSpPr>
+      <p:grpSpPr>
+        <a:xfrm>
+          <a:off x="0" y="0"/>
+          <a:ext cx="0" cy="0"/>
+          <a:chOff x="0" y="0"/>
+          <a:chExt cx="0" cy="0"/>
+        </a:xfrm>
+      </p:grpSpPr>
+      <p:sp>
+        <p:nvSpPr>
+          <p:cNvPr id="2" name="Title 1"/>
+          <p:cNvSpPr>
+            <a:spLocks noGrp="1"/>
+          </p:cNvSpPr>
+          <p:nvPr>
+            <p:ph type="title"/>
+          </p:nvPr>
+        </p:nvSpPr>
+        <p:spPr/>
+        <p:txBody>
+          <a:bodyPr/>
+          <a:lstStyle/>
+          <a:p>
+            <a:endParaRPr lang="en-US" dirty="0"/>
+          </a:p>
+        </p:txBody>
+      </p:sp>
+      <p:sp>
+        <p:nvSpPr>
+          <p:cNvPr id="3" name="Content Placeholder 2"/>
+          <p:cNvSpPr>
+            <a:spLocks noGrp="1"/>
+          </p:cNvSpPr>
+          <p:nvPr>
+            <p:ph idx="1"/>
+          </p:nvPr>
+        </p:nvSpPr>
+        <p:spPr/>
+        <p:txBody>
+          <a:bodyPr>
+            <a:normAutofit fontScale="85000" lnSpcReduction="20000"/>
+          </a:bodyPr>
+          <a:lstStyle/>
+          <a:p>
+            <a:r>
+              <a:rPr lang="en-US" dirty="0" smtClean="0"/>
+              <a:t>Property 5:</a:t>
+            </a:r>
+          </a:p>
+          <a:p>
+            <a:pPr lvl="1"/>
+            <a:r>
+              <a:rPr lang="en-US" dirty="0" smtClean="0"/>
+              <a:t>At any clock edge , if HIT signal is asserted because of READ </a:t>
+            </a:r>
+            <a:r>
+              <a:rPr lang="en-US" dirty="0" err="1" smtClean="0"/>
+              <a:t>request,valid</a:t>
+            </a:r>
+            <a:r>
+              <a:rPr lang="en-US" dirty="0" smtClean="0"/>
+              <a:t> data must be send to the processor on the next clock tick, and STALL must be </a:t>
+            </a:r>
+            <a:r>
+              <a:rPr lang="en-US" dirty="0" err="1" smtClean="0"/>
+              <a:t>deasserted</a:t>
+            </a:r>
+            <a:r>
+              <a:rPr lang="en-US" dirty="0" smtClean="0"/>
+              <a:t> by the next clock.</a:t>
+            </a:r>
+          </a:p>
+          <a:p>
+            <a:pPr lvl="1"/>
+            <a:endParaRPr lang="en-US" dirty="0"/>
+          </a:p>
+          <a:p>
+            <a:pPr lvl="1"/>
+            <a:endParaRPr lang="en-US" dirty="0" smtClean="0"/>
+          </a:p>
+          <a:p>
+            <a:pPr lvl="1"/>
+            <a:endParaRPr lang="en-US" dirty="0"/>
+          </a:p>
+          <a:p>
+            <a:pPr lvl="1"/>
+            <a:endParaRPr lang="en-US" dirty="0" smtClean="0"/>
+          </a:p>
+          <a:p>
+            <a:pPr lvl="1"/>
+            <a:endParaRPr lang="en-US" dirty="0" smtClean="0"/>
+          </a:p>
+          <a:p>
+            <a:pPr marL="448056" lvl="1" indent="0">
+              <a:buNone/>
+            </a:pPr>
+            <a:r>
+              <a:rPr lang="en-US" dirty="0" smtClean="0"/>
+              <a:t>Property 6:</a:t>
+            </a:r>
+          </a:p>
+          <a:p>
+            <a:pPr marL="448056" lvl="1" indent="0">
+              <a:buNone/>
+            </a:pPr>
+            <a:r>
+              <a:rPr lang="en-US" dirty="0" smtClean="0"/>
+              <a:t>If the request is WRITE, STALL must be </a:t>
+            </a:r>
+            <a:r>
+              <a:rPr lang="en-US" dirty="0" err="1" smtClean="0"/>
+              <a:t>deasserted</a:t>
+            </a:r>
+            <a:r>
+              <a:rPr lang="en-US" dirty="0" smtClean="0"/>
+              <a:t> within 2 clock cycles.</a:t>
+            </a:r>
+          </a:p>
+        </p:txBody>
+      </p:sp>
+      <p:pic>
+        <p:nvPicPr>
+          <p:cNvPr id="12290" name="Picture 2" descr="C:\Users\SaiKrishna\Desktop\assertions4.jpg"/>
+          <p:cNvPicPr>
+            <a:picLocks noChangeAspect="1" noChangeArrowheads="1"/>
+          </p:cNvPicPr>
+          <p:nvPr/>
+        </p:nvPicPr>
+        <p:blipFill>
+          <a:blip r:embed="rId2">
+            <a:extLst>
+              <a:ext uri="{28A0092B-C50C-407E-A947-70E740481C1C}">
+                <a14:useLocalDpi xmlns:a14="http://schemas.microsoft.com/office/drawing/2010/main" val="0"/>
+              </a:ext>
+            </a:extLst>
+          </a:blip>
+          <a:srcRect/>
+          <a:stretch>
+            <a:fillRect/>
+          </a:stretch>
+        </p:blipFill>
+        <p:spPr bwMode="auto">
+          <a:xfrm>
+            <a:off x="1524000" y="3276600"/>
+            <a:ext cx="5486400" cy="838200"/>
+          </a:xfrm>
+          <a:prstGeom prst="rect">
+            <a:avLst/>
+          </a:prstGeom>
+          <a:noFill/>
+          <a:extLst>
+            <a:ext uri="{909E8E84-426E-40DD-AFC4-6F175D3DCCD1}">
+              <a14:hiddenFill xmlns:a14="http://schemas.microsoft.com/office/drawing/2010/main">
+                <a:solidFill>
+                  <a:srgbClr val="FFFFFF"/>
+                </a:solidFill>
+              </a14:hiddenFill>
+            </a:ext>
+          </a:extLst>
+        </p:spPr>
+      </p:pic>
+      <p:pic>
+        <p:nvPicPr>
+          <p:cNvPr id="12291" name="Picture 3" descr="C:\Users\SaiKrishna\Desktop\assertions5.jpg"/>
+          <p:cNvPicPr>
+            <a:picLocks noChangeAspect="1" noChangeArrowheads="1"/>
+          </p:cNvPicPr>
+          <p:nvPr/>
+        </p:nvPicPr>
+        <p:blipFill>
+          <a:blip r:embed="rId3">
+            <a:extLst>
+              <a:ext uri="{28A0092B-C50C-407E-A947-70E740481C1C}">
+                <a14:useLocalDpi xmlns:a14="http://schemas.microsoft.com/office/drawing/2010/main" val="0"/>
+              </a:ext>
+            </a:extLst>
+          </a:blip>
+          <a:srcRect/>
+          <a:stretch>
+            <a:fillRect/>
+          </a:stretch>
+        </p:blipFill>
+        <p:spPr bwMode="auto">
+          <a:xfrm>
+            <a:off x="2133600" y="5867400"/>
+            <a:ext cx="5029200" cy="647700"/>
+          </a:xfrm>
+          <a:prstGeom prst="rect">
+            <a:avLst/>
+          </a:prstGeom>
+          <a:noFill/>
+          <a:extLst>
+            <a:ext uri="{909E8E84-426E-40DD-AFC4-6F175D3DCCD1}">
+              <a14:hiddenFill xmlns:a14="http://schemas.microsoft.com/office/drawing/2010/main">
+                <a:solidFill>
+                  <a:srgbClr val="FFFFFF"/>
+                </a:solidFill>
+              </a14:hiddenFill>
+            </a:ext>
+          </a:extLst>
+        </p:spPr>
+      </p:pic>
+    </p:spTree>
+    <p:extLst>
+      <p:ext uri="{BB962C8B-B14F-4D97-AF65-F5344CB8AC3E}">
+        <p14:creationId xmlns:p14="http://schemas.microsoft.com/office/powerpoint/2010/main" val="1786167126"/>
+      </p:ext>
+    </p:extLst>
+  </p:cSld>
+  <p:clrMapOvr>
+    <a:masterClrMapping/>
+  </p:clrMapOvr>
+</p:sld>
+</file>
+
+<file path=ppt/slides/slide25.xml><?xml version="1.0" encoding="utf-8"?>
+<p:sld xmlns:a="http://schemas.openxmlformats.org/drawingml/2006/main" xmlns:r="http://schemas.openxmlformats.org/officeDocument/2006/relationships" xmlns:p="http://schemas.openxmlformats.org/presentationml/2006/main">
+  <p:cSld>
+    <p:spTree>
+      <p:nvGrpSpPr>
+        <p:cNvPr id="1" name=""/>
+        <p:cNvGrpSpPr/>
+        <p:nvPr/>
+      </p:nvGrpSpPr>
+      <p:grpSpPr>
+        <a:xfrm>
+          <a:off x="0" y="0"/>
+          <a:ext cx="0" cy="0"/>
+          <a:chOff x="0" y="0"/>
+          <a:chExt cx="0" cy="0"/>
+        </a:xfrm>
+      </p:grpSpPr>
+      <p:sp>
+        <p:nvSpPr>
+          <p:cNvPr id="2" name="Title 1"/>
+          <p:cNvSpPr>
+            <a:spLocks noGrp="1"/>
+          </p:cNvSpPr>
+          <p:nvPr>
+            <p:ph type="title"/>
+          </p:nvPr>
+        </p:nvSpPr>
+        <p:spPr/>
+        <p:txBody>
+          <a:bodyPr/>
+          <a:lstStyle/>
+          <a:p>
+            <a:endParaRPr lang="en-US"/>
+          </a:p>
+        </p:txBody>
+      </p:sp>
+      <p:sp>
+        <p:nvSpPr>
+          <p:cNvPr id="3" name="Content Placeholder 2"/>
+          <p:cNvSpPr>
+            <a:spLocks noGrp="1"/>
+          </p:cNvSpPr>
+          <p:nvPr>
+            <p:ph idx="1"/>
+          </p:nvPr>
+        </p:nvSpPr>
+        <p:spPr/>
+        <p:txBody>
+          <a:bodyPr/>
+          <a:lstStyle/>
+          <a:p>
+            <a:r>
+              <a:rPr lang="en-US" dirty="0" smtClean="0"/>
+              <a:t>Property  7:</a:t>
+            </a:r>
+          </a:p>
+          <a:p>
+            <a:pPr marL="36576" indent="0">
+              <a:buNone/>
+            </a:pPr>
+            <a:r>
+              <a:rPr lang="en-US" dirty="0" smtClean="0"/>
+              <a:t> 	On any negative of clock if </a:t>
+            </a:r>
+            <a:r>
+              <a:rPr lang="en-US" dirty="0" err="1" smtClean="0"/>
+              <a:t>BusUpd</a:t>
+            </a:r>
+            <a:r>
+              <a:rPr lang="en-US" dirty="0" smtClean="0"/>
+              <a:t> or </a:t>
+            </a:r>
+            <a:r>
+              <a:rPr lang="en-US" dirty="0" err="1" smtClean="0"/>
+              <a:t>BusRd</a:t>
+            </a:r>
+            <a:r>
+              <a:rPr lang="en-US" dirty="0" smtClean="0"/>
+              <a:t> signal is asserted valid Data and Address must be available on the </a:t>
+            </a:r>
+            <a:r>
+              <a:rPr lang="en-US" dirty="0" err="1" smtClean="0"/>
+              <a:t>CommonBus</a:t>
+            </a:r>
+            <a:r>
+              <a:rPr lang="en-US" dirty="0" smtClean="0"/>
+              <a:t>.</a:t>
+            </a:r>
+          </a:p>
+          <a:p>
+            <a:pPr marL="36576" indent="0">
+              <a:buNone/>
+            </a:pPr>
+            <a:r>
+              <a:rPr lang="en-US" dirty="0"/>
+              <a:t>	</a:t>
+            </a:r>
+          </a:p>
+        </p:txBody>
+      </p:sp>
+      <p:pic>
+        <p:nvPicPr>
+          <p:cNvPr id="14340" name="Picture 4" descr="C:\Users\SaiKrishna\Desktop\ve.png"/>
+          <p:cNvPicPr>
+            <a:picLocks noChangeAspect="1" noChangeArrowheads="1"/>
+          </p:cNvPicPr>
+          <p:nvPr/>
+        </p:nvPicPr>
+        <p:blipFill>
+          <a:blip r:embed="rId2">
+            <a:extLst>
+              <a:ext uri="{28A0092B-C50C-407E-A947-70E740481C1C}">
+                <a14:useLocalDpi xmlns:a14="http://schemas.microsoft.com/office/drawing/2010/main" val="0"/>
+              </a:ext>
+            </a:extLst>
+          </a:blip>
+          <a:srcRect/>
+          <a:stretch>
+            <a:fillRect/>
+          </a:stretch>
+        </p:blipFill>
+        <p:spPr bwMode="auto">
+          <a:xfrm>
+            <a:off x="1447800" y="4572000"/>
+            <a:ext cx="6096000" cy="1371600"/>
+          </a:xfrm>
+          <a:prstGeom prst="rect">
+            <a:avLst/>
+          </a:prstGeom>
+          <a:noFill/>
+          <a:extLst>
+            <a:ext uri="{909E8E84-426E-40DD-AFC4-6F175D3DCCD1}">
+              <a14:hiddenFill xmlns:a14="http://schemas.microsoft.com/office/drawing/2010/main">
+                <a:solidFill>
+                  <a:srgbClr val="FFFFFF"/>
+                </a:solidFill>
+              </a14:hiddenFill>
+            </a:ext>
+          </a:extLst>
+        </p:spPr>
+      </p:pic>
+    </p:spTree>
+    <p:extLst>
+      <p:ext uri="{BB962C8B-B14F-4D97-AF65-F5344CB8AC3E}">
+        <p14:creationId xmlns:p14="http://schemas.microsoft.com/office/powerpoint/2010/main" val="663059462"/>
+      </p:ext>
+    </p:extLst>
+  </p:cSld>
+  <p:clrMapOvr>
+    <a:masterClrMapping/>
+  </p:clrMapOvr>
+</p:sld>
+</file>
+
+<file path=ppt/slides/slide26.xml><?xml version="1.0" encoding="utf-8"?>
+<p:sld xmlns:a="http://schemas.openxmlformats.org/drawingml/2006/main" xmlns:r="http://schemas.openxmlformats.org/officeDocument/2006/relationships" xmlns:p="http://schemas.openxmlformats.org/presentationml/2006/main">
+  <p:cSld>
+    <p:spTree>
+      <p:nvGrpSpPr>
+        <p:cNvPr id="1" name=""/>
+        <p:cNvGrpSpPr/>
+        <p:nvPr/>
+      </p:nvGrpSpPr>
+      <p:grpSpPr>
+        <a:xfrm>
+          <a:off x="0" y="0"/>
+          <a:ext cx="0" cy="0"/>
+          <a:chOff x="0" y="0"/>
+          <a:chExt cx="0" cy="0"/>
+        </a:xfrm>
+      </p:grpSpPr>
+      <p:sp>
+        <p:nvSpPr>
+          <p:cNvPr id="2" name="Title 1"/>
+          <p:cNvSpPr>
+            <a:spLocks noGrp="1"/>
+          </p:cNvSpPr>
+          <p:nvPr>
+            <p:ph type="title"/>
+          </p:nvPr>
+        </p:nvSpPr>
+        <p:spPr/>
+        <p:txBody>
+          <a:bodyPr/>
+          <a:lstStyle/>
+          <a:p>
+            <a:r>
+              <a:rPr lang="en-US" dirty="0" smtClean="0"/>
+              <a:t>Coverage Reports</a:t>
+            </a:r>
+            <a:endParaRPr lang="en-US" dirty="0"/>
+          </a:p>
+        </p:txBody>
+      </p:sp>
+      <p:pic>
+        <p:nvPicPr>
+          <p:cNvPr id="15362" name="Picture 2" descr="C:\Users\SaiKrishna\Desktop\coverage.png"/>
+          <p:cNvPicPr>
+            <a:picLocks noGrp="1" noChangeAspect="1" noChangeArrowheads="1"/>
+          </p:cNvPicPr>
+          <p:nvPr>
+            <p:ph idx="1"/>
+          </p:nvPr>
+        </p:nvPicPr>
+        <p:blipFill>
+          <a:blip r:embed="rId2">
+            <a:extLst>
+              <a:ext uri="{28A0092B-C50C-407E-A947-70E740481C1C}">
+                <a14:useLocalDpi xmlns:a14="http://schemas.microsoft.com/office/drawing/2010/main" val="0"/>
+              </a:ext>
+            </a:extLst>
+          </a:blip>
+          <a:srcRect/>
+          <a:stretch>
+            <a:fillRect/>
+          </a:stretch>
+        </p:blipFill>
+        <p:spPr bwMode="auto">
+          <a:xfrm>
+            <a:off x="3581400" y="1676400"/>
+            <a:ext cx="4755292" cy="1638442"/>
+          </a:xfrm>
+          <a:prstGeom prst="rect">
+            <a:avLst/>
+          </a:prstGeom>
+          <a:noFill/>
+          <a:extLst>
+            <a:ext uri="{909E8E84-426E-40DD-AFC4-6F175D3DCCD1}">
+              <a14:hiddenFill xmlns:a14="http://schemas.microsoft.com/office/drawing/2010/main">
+                <a:solidFill>
+                  <a:srgbClr val="FFFFFF"/>
+                </a:solidFill>
+              </a14:hiddenFill>
+            </a:ext>
+          </a:extLst>
+        </p:spPr>
+      </p:pic>
+      <p:pic>
+        <p:nvPicPr>
+          <p:cNvPr id="15363" name="Picture 3" descr="C:\Users\SaiKrishna\Downloads\testprotocol.png"/>
+          <p:cNvPicPr>
+            <a:picLocks noChangeAspect="1" noChangeArrowheads="1"/>
+          </p:cNvPicPr>
+          <p:nvPr/>
+        </p:nvPicPr>
+        <p:blipFill rotWithShape="1">
+          <a:blip r:embed="rId3">
+            <a:extLst>
+              <a:ext uri="{28A0092B-C50C-407E-A947-70E740481C1C}">
+                <a14:useLocalDpi xmlns:a14="http://schemas.microsoft.com/office/drawing/2010/main" val="0"/>
+              </a:ext>
+            </a:extLst>
+          </a:blip>
+          <a:srcRect l="8480" t="4000" r="6716" b="5555"/>
+          <a:stretch/>
+        </p:blipFill>
+        <p:spPr bwMode="auto">
+          <a:xfrm>
+            <a:off x="838200" y="2971800"/>
+            <a:ext cx="7264400" cy="2067951"/>
+          </a:xfrm>
+          <a:prstGeom prst="rect">
+            <a:avLst/>
+          </a:prstGeom>
+          <a:noFill/>
+          <a:extLst>
+            <a:ext uri="{909E8E84-426E-40DD-AFC4-6F175D3DCCD1}">
+              <a14:hiddenFill xmlns:a14="http://schemas.microsoft.com/office/drawing/2010/main">
+                <a:solidFill>
+                  <a:srgbClr val="FFFFFF"/>
+                </a:solidFill>
+              </a14:hiddenFill>
+            </a:ext>
+          </a:extLst>
+        </p:spPr>
+      </p:pic>
+      <p:pic>
+        <p:nvPicPr>
+          <p:cNvPr id="15364" name="Picture 4" descr="C:\Users\SaiKrishna\Downloads\testLRU.png"/>
+          <p:cNvPicPr>
+            <a:picLocks noChangeAspect="1" noChangeArrowheads="1"/>
+          </p:cNvPicPr>
+          <p:nvPr/>
+        </p:nvPicPr>
+        <p:blipFill rotWithShape="1">
+          <a:blip r:embed="rId4">
+            <a:extLst>
+              <a:ext uri="{28A0092B-C50C-407E-A947-70E740481C1C}">
+                <a14:useLocalDpi xmlns:a14="http://schemas.microsoft.com/office/drawing/2010/main" val="0"/>
+              </a:ext>
+            </a:extLst>
+          </a:blip>
+          <a:srcRect l="17223" t="18875" r="15657"/>
+          <a:stretch/>
+        </p:blipFill>
+        <p:spPr bwMode="auto">
+          <a:xfrm>
+            <a:off x="1584960" y="4917440"/>
+            <a:ext cx="5770880" cy="1877695"/>
+          </a:xfrm>
+          <a:prstGeom prst="rect">
+            <a:avLst/>
+          </a:prstGeom>
+          <a:noFill/>
+          <a:extLst>
+            <a:ext uri="{909E8E84-426E-40DD-AFC4-6F175D3DCCD1}">
+              <a14:hiddenFill xmlns:a14="http://schemas.microsoft.com/office/drawing/2010/main">
+                <a:solidFill>
+                  <a:srgbClr val="FFFFFF"/>
+                </a:solidFill>
+              </a14:hiddenFill>
+            </a:ext>
+          </a:extLst>
+        </p:spPr>
+      </p:pic>
+    </p:spTree>
+    <p:extLst>
+      <p:ext uri="{BB962C8B-B14F-4D97-AF65-F5344CB8AC3E}">
+        <p14:creationId xmlns:p14="http://schemas.microsoft.com/office/powerpoint/2010/main" val="309988749"/>
+      </p:ext>
+    </p:extLst>
+  </p:cSld>
+  <p:clrMapOvr>
+    <a:masterClrMapping/>
+  </p:clrMapOvr>
+</p:sld>
+</file>
+
+<file path=ppt/slides/slide27.xml><?xml version="1.0" encoding="utf-8"?>
+<p:sld xmlns:a="http://schemas.openxmlformats.org/drawingml/2006/main" xmlns:r="http://schemas.openxmlformats.org/officeDocument/2006/relationships" xmlns:p="http://schemas.openxmlformats.org/presentationml/2006/main">
+  <p:cSld>
+    <p:spTree>
+      <p:nvGrpSpPr>
+        <p:cNvPr id="1" name=""/>
+        <p:cNvGrpSpPr/>
+        <p:nvPr/>
+      </p:nvGrpSpPr>
+      <p:grpSpPr>
+        <a:xfrm>
+          <a:off x="0" y="0"/>
+          <a:ext cx="0" cy="0"/>
+          <a:chOff x="0" y="0"/>
+          <a:chExt cx="0" cy="0"/>
+        </a:xfrm>
+      </p:grpSpPr>
+      <p:graphicFrame>
+        <p:nvGraphicFramePr>
+          <p:cNvPr id="4" name="Table 3"/>
+          <p:cNvGraphicFramePr>
+            <a:graphicFrameLocks noGrp="1"/>
+          </p:cNvGraphicFramePr>
+          <p:nvPr>
+            <p:extLst>
+              <p:ext uri="{D42A27DB-BD31-4B8C-83A1-F6EECF244321}">
+                <p14:modId xmlns:p14="http://schemas.microsoft.com/office/powerpoint/2010/main" val="1811160875"/>
+              </p:ext>
+            </p:extLst>
+          </p:nvPr>
+        </p:nvGraphicFramePr>
+        <p:xfrm>
+          <a:off x="1447800" y="1295400"/>
+          <a:ext cx="6781800" cy="5207204"/>
+        </p:xfrm>
+        <a:graphic>
+          <a:graphicData uri="http://schemas.openxmlformats.org/drawingml/2006/table">
+            <a:tbl>
+              <a:tblPr firstRow="1" bandRow="1">
+                <a:tableStyleId>{5C22544A-7EE6-4342-B048-85BDC9FD1C3A}</a:tableStyleId>
+              </a:tblPr>
+              <a:tblGrid>
+                <a:gridCol w="4198258"/>
+                <a:gridCol w="2583542"/>
+              </a:tblGrid>
+              <a:tr h="490791">
+                <a:tc>
+                  <a:txBody>
+                    <a:bodyPr/>
+                    <a:lstStyle/>
+                    <a:p>
+                      <a:pPr algn="ctr"/>
+                      <a:r>
+                        <a:rPr lang="en-US" dirty="0" smtClean="0"/>
+                        <a:t>TYPE</a:t>
+                      </a:r>
+                      <a:endParaRPr lang="en-US" dirty="0"/>
+                    </a:p>
+                  </a:txBody>
+                  <a:tcPr/>
+                </a:tc>
+                <a:tc>
+                  <a:txBody>
+                    <a:bodyPr/>
+                    <a:lstStyle/>
+                    <a:p>
+                      <a:pPr algn="ctr"/>
+                      <a:r>
+                        <a:rPr lang="en-US" dirty="0" smtClean="0"/>
+                        <a:t>Status</a:t>
+                      </a:r>
+                      <a:endParaRPr lang="en-US" dirty="0"/>
+                    </a:p>
+                  </a:txBody>
+                  <a:tcPr/>
+                </a:tc>
+              </a:tr>
+              <a:tr h="713359">
+                <a:tc>
+                  <a:txBody>
+                    <a:bodyPr/>
+                    <a:lstStyle/>
+                    <a:p>
+                      <a:pPr algn="ctr"/>
+                      <a:r>
+                        <a:rPr lang="en-US" sz="1800" b="1" dirty="0" smtClean="0"/>
+                        <a:t>Protocol  and LRU were updating twice</a:t>
+                      </a:r>
+                      <a:endParaRPr lang="en-US" sz="1800" b="1" dirty="0"/>
+                    </a:p>
+                  </a:txBody>
+                  <a:tcPr/>
+                </a:tc>
+                <a:tc>
+                  <a:txBody>
+                    <a:bodyPr/>
+                    <a:lstStyle/>
+                    <a:p>
+                      <a:pPr algn="ctr"/>
+                      <a:r>
+                        <a:rPr lang="en-US" sz="1800" b="1" dirty="0" smtClean="0"/>
+                        <a:t>Resolved</a:t>
+                      </a:r>
+                      <a:endParaRPr lang="en-US" sz="1800" b="1" dirty="0"/>
+                    </a:p>
+                  </a:txBody>
+                  <a:tcPr/>
+                </a:tc>
+              </a:tr>
+              <a:tr h="1843874">
+                <a:tc>
+                  <a:txBody>
+                    <a:bodyPr/>
+                    <a:lstStyle/>
+                    <a:p>
+                      <a:pPr algn="ctr"/>
+                      <a:r>
+                        <a:rPr lang="en-US" sz="1800" b="1" dirty="0" smtClean="0"/>
+                        <a:t>While </a:t>
+                      </a:r>
+                      <a:r>
+                        <a:rPr lang="en-US" sz="1800" b="1" baseline="0" dirty="0" smtClean="0"/>
+                        <a:t> </a:t>
+                      </a:r>
+                      <a:r>
+                        <a:rPr lang="en-US" sz="1800" b="1" baseline="0" dirty="0" smtClean="0"/>
+                        <a:t>controller </a:t>
+                      </a:r>
+                      <a:r>
+                        <a:rPr lang="en-US" sz="1800" b="1" baseline="0" dirty="0" smtClean="0"/>
+                        <a:t>is sending </a:t>
+                      </a:r>
+                      <a:r>
+                        <a:rPr lang="en-US" sz="1800" b="1" baseline="0" dirty="0" smtClean="0"/>
+                        <a:t>update(</a:t>
+                      </a:r>
+                      <a:r>
+                        <a:rPr lang="en-US" sz="1800" b="1" baseline="0" dirty="0" err="1" smtClean="0"/>
+                        <a:t>BusUpd</a:t>
+                      </a:r>
+                      <a:r>
+                        <a:rPr lang="en-US" sz="1800" b="1" baseline="0" dirty="0" smtClean="0"/>
+                        <a:t>) </a:t>
+                      </a:r>
+                      <a:r>
+                        <a:rPr lang="en-US" sz="1800" b="1" baseline="0" dirty="0" smtClean="0"/>
+                        <a:t>signal, it should place valid data &amp; valid address </a:t>
+                      </a:r>
+                      <a:r>
+                        <a:rPr lang="en-US" sz="1800" b="1" baseline="0" dirty="0" smtClean="0"/>
+                        <a:t>on the common bus for </a:t>
+                      </a:r>
+                      <a:r>
+                        <a:rPr lang="en-US" sz="1800" b="1" baseline="0" dirty="0" smtClean="0"/>
+                        <a:t>the other caches to update the cache block</a:t>
+                      </a:r>
+                      <a:endParaRPr lang="en-US" sz="1800" b="1" dirty="0"/>
+                    </a:p>
+                  </a:txBody>
+                  <a:tcPr/>
+                </a:tc>
+                <a:tc>
+                  <a:txBody>
+                    <a:bodyPr/>
+                    <a:lstStyle/>
+                    <a:p>
+                      <a:pPr algn="ctr"/>
+                      <a:r>
+                        <a:rPr lang="en-US" sz="1800" b="1" dirty="0" smtClean="0"/>
+                        <a:t>    Unresolved </a:t>
+                      </a:r>
+                      <a:endParaRPr lang="en-US" sz="1800" b="1" dirty="0"/>
+                    </a:p>
+                  </a:txBody>
+                  <a:tcPr/>
+                </a:tc>
+              </a:tr>
+              <a:tr h="1086915">
+                <a:tc>
+                  <a:txBody>
+                    <a:bodyPr/>
+                    <a:lstStyle/>
+                    <a:p>
+                      <a:pPr algn="ctr"/>
+                      <a:r>
+                        <a:rPr lang="en-US" sz="1800" b="1" baseline="0" dirty="0" smtClean="0"/>
+                        <a:t>Controller </a:t>
+                      </a:r>
+                      <a:r>
+                        <a:rPr lang="en-US" sz="1800" b="1" baseline="0" dirty="0" smtClean="0"/>
+                        <a:t>was updating the state of its own cache line while </a:t>
+                      </a:r>
+                      <a:r>
+                        <a:rPr lang="en-US" sz="1800" b="1" baseline="0" dirty="0" smtClean="0"/>
+                        <a:t>it  is intending sending </a:t>
+                      </a:r>
+                      <a:r>
+                        <a:rPr lang="en-US" sz="1800" b="1" baseline="0" dirty="0" smtClean="0"/>
+                        <a:t>the bus update signal.</a:t>
+                      </a:r>
+                      <a:endParaRPr lang="en-US" sz="1800" b="1" dirty="0"/>
+                    </a:p>
+                  </a:txBody>
+                  <a:tcPr/>
+                </a:tc>
+                <a:tc>
+                  <a:txBody>
+                    <a:bodyPr/>
+                    <a:lstStyle/>
+                    <a:p>
+                      <a:pPr algn="ctr"/>
+                      <a:r>
+                        <a:rPr lang="en-US" sz="1800" b="1" baseline="0" dirty="0" smtClean="0"/>
+                        <a:t> </a:t>
+                      </a:r>
+                      <a:r>
+                        <a:rPr lang="en-US" sz="1800" b="1" dirty="0" smtClean="0"/>
+                        <a:t>Resolved</a:t>
+                      </a:r>
+                      <a:endParaRPr lang="en-US" sz="1800" b="1" dirty="0"/>
+                    </a:p>
+                  </a:txBody>
+                  <a:tcPr/>
+                </a:tc>
+              </a:tr>
+              <a:tr h="970460">
+                <a:tc>
+                  <a:txBody>
+                    <a:bodyPr/>
+                    <a:lstStyle/>
+                    <a:p>
+                      <a:pPr algn="ctr"/>
+                      <a:r>
+                        <a:rPr lang="en-US" sz="1800" b="1" dirty="0" smtClean="0"/>
+                        <a:t>Cache is not sending</a:t>
+                      </a:r>
+                      <a:r>
+                        <a:rPr lang="en-US" sz="1800" b="1" baseline="0" dirty="0" smtClean="0"/>
+                        <a:t> the valid data to the processor  </a:t>
+                      </a:r>
+                      <a:r>
+                        <a:rPr lang="en-US" sz="1800" b="1" baseline="0" dirty="0" smtClean="0"/>
+                        <a:t>during  </a:t>
+                      </a:r>
+                      <a:r>
+                        <a:rPr lang="en-US" sz="1800" b="1" baseline="0" dirty="0" smtClean="0"/>
+                        <a:t>read operation</a:t>
+                      </a:r>
+                      <a:endParaRPr lang="en-US" sz="1800" b="1" dirty="0"/>
+                    </a:p>
+                  </a:txBody>
+                  <a:tcPr/>
+                </a:tc>
+                <a:tc>
+                  <a:txBody>
+                    <a:bodyPr/>
+                    <a:lstStyle/>
+                    <a:p>
+                      <a:pPr algn="ctr"/>
+                      <a:r>
+                        <a:rPr lang="en-US" sz="1800" b="1" dirty="0" smtClean="0"/>
+                        <a:t> Resolved</a:t>
+                      </a:r>
+                      <a:endParaRPr lang="en-US" sz="1800" b="1" dirty="0"/>
+                    </a:p>
+                  </a:txBody>
+                  <a:tcPr/>
+                </a:tc>
+              </a:tr>
+            </a:tbl>
+          </a:graphicData>
+        </a:graphic>
+      </p:graphicFrame>
+      <p:sp>
+        <p:nvSpPr>
+          <p:cNvPr id="5" name="Title 4"/>
+          <p:cNvSpPr>
+            <a:spLocks noGrp="1"/>
+          </p:cNvSpPr>
+          <p:nvPr>
+            <p:ph type="title"/>
+          </p:nvPr>
+        </p:nvSpPr>
+        <p:spPr>
+          <a:xfrm>
+            <a:off x="457200" y="228600"/>
+            <a:ext cx="8229600" cy="838200"/>
+          </a:xfrm>
+        </p:spPr>
+        <p:txBody>
+          <a:bodyPr>
+            <a:normAutofit/>
+          </a:bodyPr>
+          <a:lstStyle/>
+          <a:p>
+            <a:r>
+              <a:rPr lang="en-US" dirty="0" smtClean="0">
+                <a:solidFill>
+                  <a:srgbClr val="FF0000"/>
+                </a:solidFill>
+              </a:rPr>
+              <a:t>Bugs found!!</a:t>
+            </a:r>
+            <a:endParaRPr lang="en-US" dirty="0">
+              <a:solidFill>
+                <a:srgbClr val="FF0000"/>
+              </a:solidFill>
+            </a:endParaRPr>
+          </a:p>
+        </p:txBody>
+      </p:sp>
+    </p:spTree>
+    <p:extLst>
+      <p:ext uri="{BB962C8B-B14F-4D97-AF65-F5344CB8AC3E}">
+        <p14:creationId xmlns:p14="http://schemas.microsoft.com/office/powerpoint/2010/main" val="731000455"/>
+      </p:ext>
+    </p:extLst>
+  </p:cSld>
+  <p:clrMapOvr>
+    <a:masterClrMapping/>
+  </p:clrMapOvr>
+  <p:timing>
+    <p:tnLst>
+      <p:par>
+        <p:cTn id="1" dur="indefinite" restart="never" nodeType="tmRoot"/>
+      </p:par>
+    </p:tnLst>
+  </p:timing>
+</p:sld>
+</file>
+
+<file path=ppt/slides/slide28.xml><?xml version="1.0" encoding="utf-8"?>
+<p:sld xmlns:a="http://schemas.openxmlformats.org/drawingml/2006/main" xmlns:r="http://schemas.openxmlformats.org/officeDocument/2006/relationships" xmlns:p="http://schemas.openxmlformats.org/presentationml/2006/main">
+  <p:cSld>
+    <p:spTree>
+      <p:nvGrpSpPr>
+        <p:cNvPr id="1" name=""/>
+        <p:cNvGrpSpPr/>
+        <p:nvPr/>
+      </p:nvGrpSpPr>
+      <p:grpSpPr>
+        <a:xfrm>
+          <a:off x="0" y="0"/>
+          <a:ext cx="0" cy="0"/>
+          <a:chOff x="0" y="0"/>
+          <a:chExt cx="0" cy="0"/>
+        </a:xfrm>
+      </p:grpSpPr>
+      <p:sp>
+        <p:nvSpPr>
+          <p:cNvPr id="2" name="Title 1"/>
+          <p:cNvSpPr>
+            <a:spLocks noGrp="1"/>
+          </p:cNvSpPr>
+          <p:nvPr>
+            <p:ph type="title"/>
+          </p:nvPr>
+        </p:nvSpPr>
+        <p:spPr/>
+        <p:txBody>
+          <a:bodyPr/>
+          <a:lstStyle/>
+          <a:p>
+            <a:r>
+              <a:rPr lang="en-US" dirty="0" smtClean="0"/>
+              <a:t>Debugging</a:t>
+            </a:r>
+            <a:endParaRPr lang="en-US" dirty="0"/>
+          </a:p>
+        </p:txBody>
+      </p:sp>
+      <p:sp>
+        <p:nvSpPr>
+          <p:cNvPr id="3" name="Content Placeholder 2"/>
+          <p:cNvSpPr>
+            <a:spLocks noGrp="1"/>
+          </p:cNvSpPr>
+          <p:nvPr>
+            <p:ph idx="1"/>
+          </p:nvPr>
+        </p:nvSpPr>
+        <p:spPr/>
+        <p:txBody>
+          <a:bodyPr>
+            <a:normAutofit fontScale="92500" lnSpcReduction="10000"/>
+          </a:bodyPr>
+          <a:lstStyle/>
+          <a:p>
+            <a:pPr marL="36576" indent="0">
+              <a:buNone/>
+            </a:pPr>
+            <a:r>
+              <a:rPr lang="en-US" dirty="0" smtClean="0"/>
+              <a:t>Immediate Assertions were used in the middle if the code when required.</a:t>
+            </a:r>
+          </a:p>
+          <a:p>
+            <a:pPr marL="36576" indent="0">
+              <a:buNone/>
+            </a:pPr>
+            <a:r>
+              <a:rPr lang="en-US" dirty="0" smtClean="0"/>
+              <a:t>And Display statements were embedded to follow the flow of execution.</a:t>
+            </a:r>
+          </a:p>
+          <a:p>
+            <a:pPr marL="36576" indent="0">
+              <a:buNone/>
+            </a:pPr>
+            <a:r>
+              <a:rPr lang="en-US" dirty="0" smtClean="0"/>
+              <a:t>Sometimes </a:t>
+            </a:r>
+            <a:r>
+              <a:rPr lang="en-US" dirty="0" err="1" smtClean="0"/>
+              <a:t>wavefroms</a:t>
+            </a:r>
+            <a:r>
+              <a:rPr lang="en-US" dirty="0" smtClean="0"/>
+              <a:t> were more useful than display statements.</a:t>
+            </a:r>
+          </a:p>
+          <a:p>
+            <a:pPr marL="36576" indent="0">
+              <a:buNone/>
+            </a:pPr>
+            <a:r>
+              <a:rPr lang="en-US" dirty="0" smtClean="0"/>
+              <a:t>All the code used for debugging was made conditionally </a:t>
+            </a:r>
+            <a:r>
+              <a:rPr lang="en-US" dirty="0" err="1" smtClean="0"/>
+              <a:t>compilable</a:t>
+            </a:r>
+            <a:r>
+              <a:rPr lang="en-US" dirty="0" smtClean="0"/>
+              <a:t> </a:t>
+            </a:r>
+            <a:r>
+              <a:rPr lang="en-US" dirty="0" err="1" smtClean="0"/>
+              <a:t>usin</a:t>
+            </a:r>
+            <a:r>
+              <a:rPr lang="en-US" dirty="0" smtClean="0"/>
+              <a:t> </a:t>
+            </a:r>
+            <a:r>
+              <a:rPr lang="en-US" dirty="0" err="1" smtClean="0"/>
+              <a:t>ifdef</a:t>
+            </a:r>
+            <a:r>
+              <a:rPr lang="en-US" dirty="0" smtClean="0"/>
+              <a:t> and </a:t>
+            </a:r>
+            <a:r>
+              <a:rPr lang="en-US" dirty="0" err="1" smtClean="0"/>
+              <a:t>endif</a:t>
+            </a:r>
+            <a:r>
+              <a:rPr lang="en-US" dirty="0" smtClean="0"/>
+              <a:t> macros.</a:t>
+            </a:r>
+          </a:p>
+          <a:p>
+            <a:pPr marL="36576" indent="0">
+              <a:buNone/>
+            </a:pPr>
+            <a:r>
+              <a:rPr lang="en-US" dirty="0" smtClean="0"/>
+              <a:t> </a:t>
+            </a:r>
+            <a:endParaRPr lang="en-US" dirty="0"/>
+          </a:p>
+        </p:txBody>
+      </p:sp>
+    </p:spTree>
+    <p:extLst>
+      <p:ext uri="{BB962C8B-B14F-4D97-AF65-F5344CB8AC3E}">
+        <p14:creationId xmlns:p14="http://schemas.microsoft.com/office/powerpoint/2010/main" val="155883090"/>
+      </p:ext>
+    </p:extLst>
+  </p:cSld>
+  <p:clrMapOvr>
+    <a:masterClrMapping/>
+  </p:clrMapOvr>
+</p:sld>
+</file>
+
+<file path=ppt/slides/slide29.xml><?xml version="1.0" encoding="utf-8"?>
+<p:sld xmlns:a="http://schemas.openxmlformats.org/drawingml/2006/main" xmlns:r="http://schemas.openxmlformats.org/officeDocument/2006/relationships" xmlns:p="http://schemas.openxmlformats.org/presentationml/2006/main">
+  <p:cSld>
+    <p:spTree>
+      <p:nvGrpSpPr>
+        <p:cNvPr id="1" name=""/>
+        <p:cNvGrpSpPr/>
+        <p:nvPr/>
+      </p:nvGrpSpPr>
+      <p:grpSpPr>
+        <a:xfrm>
+          <a:off x="0" y="0"/>
+          <a:ext cx="0" cy="0"/>
+          <a:chOff x="0" y="0"/>
+          <a:chExt cx="0" cy="0"/>
+        </a:xfrm>
+      </p:grpSpPr>
+      <p:sp>
+        <p:nvSpPr>
+          <p:cNvPr id="2" name="Title 1"/>
+          <p:cNvSpPr>
+            <a:spLocks noGrp="1"/>
+          </p:cNvSpPr>
+          <p:nvPr>
+            <p:ph type="title"/>
+          </p:nvPr>
+        </p:nvSpPr>
+        <p:spPr/>
+        <p:txBody>
+          <a:bodyPr/>
+          <a:lstStyle/>
+          <a:p>
+            <a:r>
+              <a:rPr lang="en-US" dirty="0" err="1" smtClean="0"/>
+              <a:t>Testcaces</a:t>
+            </a:r>
+            <a:endParaRPr lang="en-US" dirty="0"/>
+          </a:p>
+        </p:txBody>
+      </p:sp>
+      <p:sp>
+        <p:nvSpPr>
+          <p:cNvPr id="3" name="Content Placeholder 2"/>
+          <p:cNvSpPr>
+            <a:spLocks noGrp="1"/>
+          </p:cNvSpPr>
+          <p:nvPr>
+            <p:ph idx="1"/>
+          </p:nvPr>
+        </p:nvSpPr>
+        <p:spPr/>
+        <p:txBody>
+          <a:bodyPr>
+            <a:normAutofit fontScale="55000" lnSpcReduction="20000"/>
+          </a:bodyPr>
+          <a:lstStyle/>
+          <a:p>
+            <a:pPr marL="36576" indent="0">
+              <a:buNone/>
+            </a:pPr>
+            <a:r>
+              <a:rPr lang="en-US" b="1" u="sng" dirty="0" smtClean="0"/>
+              <a:t>Deterministic:</a:t>
+            </a:r>
+            <a:endParaRPr lang="en-US" dirty="0" smtClean="0"/>
+          </a:p>
+          <a:p>
+            <a:pPr marL="36576" indent="0">
+              <a:buNone/>
+            </a:pPr>
+            <a:r>
+              <a:rPr lang="en-US" dirty="0" smtClean="0"/>
+              <a:t>First verified with 41 deterministic test cases and then moved to random stimulus.</a:t>
+            </a:r>
+          </a:p>
+          <a:p>
+            <a:pPr marL="36576" indent="0">
+              <a:buNone/>
+            </a:pPr>
+            <a:r>
+              <a:rPr lang="en-US" dirty="0" smtClean="0"/>
+              <a:t>Since deterministic we figured out the states of all lines that were used till 41 cases. Then we verified our predetermined states to the actual states of the lines and found exactly matching.</a:t>
+            </a:r>
+          </a:p>
+          <a:p>
+            <a:pPr marL="36576" indent="0">
+              <a:buNone/>
+            </a:pPr>
+            <a:r>
+              <a:rPr lang="en-US" dirty="0" smtClean="0"/>
+              <a:t>	We have used 0-7 sets for deterministic cases and the expected states </a:t>
+            </a:r>
+            <a:r>
+              <a:rPr lang="en-US" dirty="0" err="1" smtClean="0"/>
+              <a:t>muste</a:t>
+            </a:r>
+            <a:r>
+              <a:rPr lang="en-US" dirty="0" smtClean="0"/>
+              <a:t> be as shown in the figure.</a:t>
+            </a:r>
+            <a:endParaRPr lang="en-US" dirty="0"/>
+          </a:p>
+          <a:p>
+            <a:pPr marL="36576" indent="0">
+              <a:buNone/>
+            </a:pPr>
+            <a:endParaRPr lang="en-US" dirty="0" smtClean="0"/>
+          </a:p>
+          <a:p>
+            <a:pPr marL="36576" indent="0">
+              <a:buNone/>
+            </a:pPr>
+            <a:endParaRPr lang="en-US" dirty="0"/>
+          </a:p>
+          <a:p>
+            <a:pPr marL="36576" indent="0">
+              <a:buNone/>
+            </a:pPr>
+            <a:endParaRPr lang="en-US" dirty="0" smtClean="0"/>
+          </a:p>
+          <a:p>
+            <a:pPr marL="36576" indent="0">
+              <a:buNone/>
+            </a:pPr>
+            <a:endParaRPr lang="en-US" dirty="0"/>
+          </a:p>
+          <a:p>
+            <a:pPr marL="36576" indent="0">
+              <a:buNone/>
+            </a:pPr>
+            <a:endParaRPr lang="en-US" dirty="0" smtClean="0"/>
+          </a:p>
+          <a:p>
+            <a:pPr marL="36576" indent="0">
+              <a:buNone/>
+            </a:pPr>
+            <a:endParaRPr lang="en-US" dirty="0"/>
+          </a:p>
+          <a:p>
+            <a:pPr marL="36576" indent="0">
+              <a:buNone/>
+            </a:pPr>
+            <a:endParaRPr lang="en-US" dirty="0" smtClean="0"/>
+          </a:p>
+          <a:p>
+            <a:pPr marL="36576" indent="0">
+              <a:buNone/>
+            </a:pPr>
+            <a:endParaRPr lang="en-US" dirty="0"/>
+          </a:p>
+          <a:p>
+            <a:pPr marL="36576" indent="0">
+              <a:buNone/>
+            </a:pPr>
+            <a:endParaRPr lang="en-US" dirty="0" smtClean="0"/>
+          </a:p>
+          <a:p>
+            <a:r>
+              <a:rPr lang="en-US" dirty="0" smtClean="0"/>
+              <a:t>For random cases, we have verified with 100, 10,000, 1,000,000 cases.</a:t>
+            </a:r>
+            <a:endParaRPr lang="en-US" dirty="0"/>
+          </a:p>
+        </p:txBody>
+      </p:sp>
+      <p:pic>
+        <p:nvPicPr>
+          <p:cNvPr id="16387" name="Picture 3" descr="C:\Users\SaiKrishna\Desktop\Screenshot_3.jpg"/>
+          <p:cNvPicPr>
+            <a:picLocks noChangeAspect="1" noChangeArrowheads="1"/>
+          </p:cNvPicPr>
+          <p:nvPr/>
+        </p:nvPicPr>
+        <p:blipFill>
+          <a:blip r:embed="rId2">
+            <a:extLst>
+              <a:ext uri="{28A0092B-C50C-407E-A947-70E740481C1C}">
+                <a14:useLocalDpi xmlns:a14="http://schemas.microsoft.com/office/drawing/2010/main" val="0"/>
+              </a:ext>
+            </a:extLst>
+          </a:blip>
+          <a:srcRect/>
+          <a:stretch>
+            <a:fillRect/>
+          </a:stretch>
+        </p:blipFill>
+        <p:spPr bwMode="auto">
+          <a:xfrm>
+            <a:off x="1763713" y="3429000"/>
+            <a:ext cx="3494087" cy="2209800"/>
+          </a:xfrm>
+          <a:prstGeom prst="rect">
+            <a:avLst/>
+          </a:prstGeom>
+          <a:noFill/>
+          <a:extLst>
+            <a:ext uri="{909E8E84-426E-40DD-AFC4-6F175D3DCCD1}">
+              <a14:hiddenFill xmlns:a14="http://schemas.microsoft.com/office/drawing/2010/main">
+                <a:solidFill>
+                  <a:srgbClr val="FFFFFF"/>
+                </a:solidFill>
+              </a14:hiddenFill>
+            </a:ext>
+          </a:extLst>
+        </p:spPr>
+      </p:pic>
+    </p:spTree>
+    <p:extLst>
+      <p:ext uri="{BB962C8B-B14F-4D97-AF65-F5344CB8AC3E}">
+        <p14:creationId xmlns:p14="http://schemas.microsoft.com/office/powerpoint/2010/main" val="2617149806"/>
+      </p:ext>
+    </p:extLst>
+  </p:cSld>
+  <p:clrMapOvr>
+    <a:masterClrMapping/>
+  </p:clrMapOvr>
+</p:sld>
+</file>
+
+<file path=ppt/slides/slide3.xml><?xml version="1.0" encoding="utf-8"?>
+<p:sld xmlns:a="http://schemas.openxmlformats.org/drawingml/2006/main" xmlns:r="http://schemas.openxmlformats.org/officeDocument/2006/relationships" xmlns:p="http://schemas.openxmlformats.org/presentationml/2006/main">
+  <p:cSld>
+    <p:spTree>
+      <p:nvGrpSpPr>
+        <p:cNvPr id="1" name=""/>
+        <p:cNvGrpSpPr/>
+        <p:nvPr/>
+      </p:nvGrpSpPr>
+      <p:grpSpPr>
+        <a:xfrm>
+          <a:off x="0" y="0"/>
+          <a:ext cx="0" cy="0"/>
+          <a:chOff x="0" y="0"/>
+          <a:chExt cx="0" cy="0"/>
+        </a:xfrm>
+      </p:grpSpPr>
+      <p:sp>
+        <p:nvSpPr>
+          <p:cNvPr id="2" name="Title 1"/>
+          <p:cNvSpPr>
+            <a:spLocks noGrp="1"/>
+          </p:cNvSpPr>
+          <p:nvPr>
+            <p:ph type="title"/>
+          </p:nvPr>
+        </p:nvSpPr>
+        <p:spPr/>
+        <p:txBody>
+          <a:bodyPr/>
+          <a:lstStyle/>
+          <a:p>
+            <a:r>
+              <a:rPr lang="en-US" dirty="0" smtClean="0"/>
+              <a:t>ASSUMPTIONS</a:t>
+            </a:r>
+            <a:endParaRPr lang="en-US" dirty="0"/>
+          </a:p>
+        </p:txBody>
+      </p:sp>
+      <p:sp>
+        <p:nvSpPr>
+          <p:cNvPr id="3" name="Content Placeholder 2"/>
+          <p:cNvSpPr>
+            <a:spLocks noGrp="1"/>
+          </p:cNvSpPr>
+          <p:nvPr>
+            <p:ph idx="1"/>
+          </p:nvPr>
+        </p:nvSpPr>
+        <p:spPr/>
+        <p:txBody>
+          <a:bodyPr/>
+          <a:lstStyle/>
+          <a:p>
+            <a:pPr marL="36576" indent="0">
+              <a:buNone/>
+            </a:pPr>
+            <a:r>
+              <a:rPr lang="en-US" dirty="0" smtClean="0"/>
+              <a:t>All memory operations takes single clock cycle.</a:t>
+            </a:r>
+          </a:p>
+          <a:p>
+            <a:pPr marL="36576" indent="0">
+              <a:buNone/>
+            </a:pPr>
+            <a:r>
+              <a:rPr lang="en-US" dirty="0" smtClean="0"/>
+              <a:t>No turnaround time considered for </a:t>
+            </a:r>
+            <a:r>
+              <a:rPr lang="en-US" dirty="0" err="1" smtClean="0"/>
+              <a:t>DataBus</a:t>
+            </a:r>
+            <a:r>
+              <a:rPr lang="en-US" dirty="0" smtClean="0"/>
+              <a:t>.</a:t>
+            </a:r>
+          </a:p>
+        </p:txBody>
+      </p:sp>
+    </p:spTree>
+    <p:extLst>
+      <p:ext uri="{BB962C8B-B14F-4D97-AF65-F5344CB8AC3E}">
+        <p14:creationId xmlns:p14="http://schemas.microsoft.com/office/powerpoint/2010/main" val="2218808095"/>
+      </p:ext>
+    </p:extLst>
+  </p:cSld>
+  <p:clrMapOvr>
+    <a:masterClrMapping/>
+  </p:clrMapOvr>
+</p:sld>
+</file>
+
+<file path=ppt/slides/slide30.xml><?xml version="1.0" encoding="utf-8"?>
+<p:sld xmlns:a="http://schemas.openxmlformats.org/drawingml/2006/main" xmlns:r="http://schemas.openxmlformats.org/officeDocument/2006/relationships" xmlns:p="http://schemas.openxmlformats.org/presentationml/2006/main">
+  <p:cSld>
+    <p:spTree>
+      <p:nvGrpSpPr>
+        <p:cNvPr id="1" name=""/>
+        <p:cNvGrpSpPr/>
+        <p:nvPr/>
+      </p:nvGrpSpPr>
+      <p:grpSpPr>
+        <a:xfrm>
+          <a:off x="0" y="0"/>
+          <a:ext cx="0" cy="0"/>
+          <a:chOff x="0" y="0"/>
+          <a:chExt cx="0" cy="0"/>
+        </a:xfrm>
+      </p:grpSpPr>
+      <p:sp>
+        <p:nvSpPr>
+          <p:cNvPr id="2" name="Title 1"/>
+          <p:cNvSpPr>
+            <a:spLocks noGrp="1"/>
+          </p:cNvSpPr>
+          <p:nvPr>
+            <p:ph type="title"/>
+          </p:nvPr>
+        </p:nvSpPr>
+        <p:spPr/>
+        <p:txBody>
+          <a:bodyPr/>
+          <a:lstStyle/>
+          <a:p>
+            <a:r>
+              <a:rPr lang="en-US" dirty="0" err="1" smtClean="0"/>
+              <a:t>ScoreBoard</a:t>
+            </a:r>
+            <a:r>
+              <a:rPr lang="en-US" dirty="0" smtClean="0"/>
+              <a:t> (</a:t>
+            </a:r>
+            <a:r>
+              <a:rPr lang="en-US" smtClean="0"/>
+              <a:t>a Class)</a:t>
+            </a:r>
+            <a:endParaRPr lang="en-US"/>
+          </a:p>
+        </p:txBody>
+      </p:sp>
+      <p:sp>
+        <p:nvSpPr>
+          <p:cNvPr id="3" name="Content Placeholder 2"/>
+          <p:cNvSpPr>
+            <a:spLocks noGrp="1"/>
+          </p:cNvSpPr>
+          <p:nvPr>
+            <p:ph idx="1"/>
+          </p:nvPr>
+        </p:nvSpPr>
+        <p:spPr/>
+        <p:txBody>
+          <a:bodyPr/>
+          <a:lstStyle/>
+          <a:p>
+            <a:endParaRPr lang="en-US"/>
+          </a:p>
+        </p:txBody>
+      </p:sp>
+    </p:spTree>
+    <p:extLst>
+      <p:ext uri="{BB962C8B-B14F-4D97-AF65-F5344CB8AC3E}">
+        <p14:creationId xmlns:p14="http://schemas.microsoft.com/office/powerpoint/2010/main" val="2340685815"/>
+      </p:ext>
+    </p:extLst>
+  </p:cSld>
+  <p:clrMapOvr>
+    <a:masterClrMapping/>
+  </p:clrMapOvr>
+</p:sld>
+</file>
+
+<file path=ppt/slides/slide31.xml><?xml version="1.0" encoding="utf-8"?>
+<p:sld xmlns:a="http://schemas.openxmlformats.org/drawingml/2006/main" xmlns:r="http://schemas.openxmlformats.org/officeDocument/2006/relationships" xmlns:p="http://schemas.openxmlformats.org/presentationml/2006/main">
+  <p:cSld>
+    <p:spTree>
+      <p:nvGrpSpPr>
+        <p:cNvPr id="1" name=""/>
+        <p:cNvGrpSpPr/>
+        <p:nvPr/>
+      </p:nvGrpSpPr>
+      <p:grpSpPr>
+        <a:xfrm>
+          <a:off x="0" y="0"/>
+          <a:ext cx="0" cy="0"/>
+          <a:chOff x="0" y="0"/>
+          <a:chExt cx="0" cy="0"/>
+        </a:xfrm>
+      </p:grpSpPr>
+    </p:spTree>
+    <p:extLst>
+      <p:ext uri="{BB962C8B-B14F-4D97-AF65-F5344CB8AC3E}">
+        <p14:creationId xmlns:p14="http://schemas.microsoft.com/office/powerpoint/2010/main" val="4044767297"/>
+      </p:ext>
+    </p:extLst>
+  </p:cSld>
+  <p:clrMapOvr>
+    <a:masterClrMapping/>
+  </p:clrMapOvr>
+</p:sld>
+</file>
+
+<file path=ppt/slides/slide32.xml><?xml version="1.0" encoding="utf-8"?>
+<p:sld xmlns:a="http://schemas.openxmlformats.org/drawingml/2006/main" xmlns:r="http://schemas.openxmlformats.org/officeDocument/2006/relationships" xmlns:p="http://schemas.openxmlformats.org/presentationml/2006/main">
+  <p:cSld>
+    <p:spTree>
+      <p:nvGrpSpPr>
+        <p:cNvPr id="1" name=""/>
+        <p:cNvGrpSpPr/>
+        <p:nvPr/>
+      </p:nvGrpSpPr>
+      <p:grpSpPr>
+        <a:xfrm>
+          <a:off x="0" y="0"/>
+          <a:ext cx="0" cy="0"/>
+          <a:chOff x="0" y="0"/>
+          <a:chExt cx="0" cy="0"/>
+        </a:xfrm>
+      </p:grpSpPr>
+    </p:spTree>
+    <p:extLst>
+      <p:ext uri="{BB962C8B-B14F-4D97-AF65-F5344CB8AC3E}">
+        <p14:creationId xmlns:p14="http://schemas.microsoft.com/office/powerpoint/2010/main" val="979154858"/>
+      </p:ext>
+    </p:extLst>
+  </p:cSld>
+  <p:clrMapOvr>
+    <a:masterClrMapping/>
+  </p:clrMapOvr>
+</p:sld>
+</file>
+
+<file path=ppt/slides/slide33.xml><?xml version="1.0" encoding="utf-8"?>
+<p:sld xmlns:a="http://schemas.openxmlformats.org/drawingml/2006/main" xmlns:r="http://schemas.openxmlformats.org/officeDocument/2006/relationships" xmlns:p="http://schemas.openxmlformats.org/presentationml/2006/main">
+  <p:cSld>
+    <p:spTree>
+      <p:nvGrpSpPr>
+        <p:cNvPr id="1" name=""/>
+        <p:cNvGrpSpPr/>
+        <p:nvPr/>
+      </p:nvGrpSpPr>
+      <p:grpSpPr>
+        <a:xfrm>
+          <a:off x="0" y="0"/>
+          <a:ext cx="0" cy="0"/>
+          <a:chOff x="0" y="0"/>
+          <a:chExt cx="0" cy="0"/>
+        </a:xfrm>
+      </p:grpSpPr>
+    </p:spTree>
+    <p:extLst>
+      <p:ext uri="{BB962C8B-B14F-4D97-AF65-F5344CB8AC3E}">
+        <p14:creationId xmlns:p14="http://schemas.microsoft.com/office/powerpoint/2010/main" val="1407583346"/>
+      </p:ext>
+    </p:extLst>
+  </p:cSld>
+  <p:clrMapOvr>
+    <a:masterClrMapping/>
+  </p:clrMapOvr>
+</p:sld>
+</file>
+
+<file path=ppt/slides/slide34.xml><?xml version="1.0" encoding="utf-8"?>
+<p:sld xmlns:a="http://schemas.openxmlformats.org/drawingml/2006/main" xmlns:r="http://schemas.openxmlformats.org/officeDocument/2006/relationships" xmlns:p="http://schemas.openxmlformats.org/presentationml/2006/main">
+  <p:cSld>
+    <p:spTree>
+      <p:nvGrpSpPr>
+        <p:cNvPr id="1" name=""/>
+        <p:cNvGrpSpPr/>
+        <p:nvPr/>
+      </p:nvGrpSpPr>
+      <p:grpSpPr>
+        <a:xfrm>
+          <a:off x="0" y="0"/>
+          <a:ext cx="0" cy="0"/>
+          <a:chOff x="0" y="0"/>
+          <a:chExt cx="0" cy="0"/>
+        </a:xfrm>
+      </p:grpSpPr>
+      <p:sp>
+        <p:nvSpPr>
+          <p:cNvPr id="2" name="Title 1"/>
+          <p:cNvSpPr>
+            <a:spLocks noGrp="1"/>
+          </p:cNvSpPr>
+          <p:nvPr>
+            <p:ph type="title"/>
+          </p:nvPr>
+        </p:nvSpPr>
+        <p:spPr>
+          <a:xfrm>
+            <a:off x="481584" y="710184"/>
+            <a:ext cx="8510016" cy="509016"/>
+          </a:xfrm>
+        </p:spPr>
+        <p:txBody>
+          <a:bodyPr>
+            <a:noAutofit/>
+          </a:bodyPr>
+          <a:lstStyle/>
+          <a:p>
+            <a:r>
+              <a:rPr lang="en-US" sz="3200" dirty="0" smtClean="0"/>
+              <a:t>Cache controller(small changes in </a:t>
+            </a:r>
+            <a:r>
+              <a:rPr lang="en-US" sz="3200" dirty="0" err="1" smtClean="0"/>
+              <a:t>pic..use</a:t>
+            </a:r>
+            <a:r>
+              <a:rPr lang="en-US" sz="3200" dirty="0" smtClean="0"/>
+              <a:t> Reset in)</a:t>
+            </a:r>
+            <a:endParaRPr lang="en-US" sz="3200" dirty="0"/>
+          </a:p>
+        </p:txBody>
+      </p:sp>
+      <p:sp>
+        <p:nvSpPr>
+          <p:cNvPr id="3" name="Content Placeholder 2"/>
+          <p:cNvSpPr>
+            <a:spLocks noGrp="1"/>
+          </p:cNvSpPr>
+          <p:nvPr>
+            <p:ph idx="1"/>
+          </p:nvPr>
+        </p:nvSpPr>
+        <p:spPr/>
+        <p:txBody>
+          <a:bodyPr/>
+          <a:lstStyle/>
+          <a:p>
+            <a:endParaRPr lang="en-US"/>
+          </a:p>
+        </p:txBody>
+      </p:sp>
+    </p:spTree>
+    <p:extLst>
+      <p:ext uri="{BB962C8B-B14F-4D97-AF65-F5344CB8AC3E}">
+        <p14:creationId xmlns:p14="http://schemas.microsoft.com/office/powerpoint/2010/main" val="1315997486"/>
+      </p:ext>
+    </p:extLst>
+  </p:cSld>
+  <p:clrMapOvr>
+    <a:masterClrMapping/>
+  </p:clrMapOvr>
+  <p:timing>
+    <p:tnLst>
+      <p:par>
+        <p:cTn id="1" dur="indefinite" restart="never" nodeType="tmRoot"/>
+      </p:par>
+    </p:tnLst>
+  </p:timing>
+</p:sld>
+</file>
+
+<file path=ppt/slides/slide35.xml><?xml version="1.0" encoding="utf-8"?>
+<p:sld xmlns:a="http://schemas.openxmlformats.org/drawingml/2006/main" xmlns:r="http://schemas.openxmlformats.org/officeDocument/2006/relationships" xmlns:p="http://schemas.openxmlformats.org/presentationml/2006/main">
+  <p:cSld>
+    <p:spTree>
+      <p:nvGrpSpPr>
+        <p:cNvPr id="1" name=""/>
+        <p:cNvGrpSpPr/>
+        <p:nvPr/>
+      </p:nvGrpSpPr>
+      <p:grpSpPr>
+        <a:xfrm>
+          <a:off x="0" y="0"/>
+          <a:ext cx="0" cy="0"/>
+          <a:chOff x="0" y="0"/>
+          <a:chExt cx="0" cy="0"/>
+        </a:xfrm>
+      </p:grpSpPr>
+      <p:sp>
+        <p:nvSpPr>
+          <p:cNvPr id="2" name="Title 1"/>
+          <p:cNvSpPr>
+            <a:spLocks noGrp="1"/>
+          </p:cNvSpPr>
+          <p:nvPr>
+            <p:ph type="title"/>
+          </p:nvPr>
+        </p:nvSpPr>
+        <p:spPr/>
+        <p:txBody>
+          <a:bodyPr/>
+          <a:lstStyle/>
+          <a:p>
+            <a:r>
+              <a:rPr lang="en-US" dirty="0" smtClean="0"/>
+              <a:t>Dragon 	block</a:t>
+            </a:r>
+            <a:endParaRPr lang="en-US" dirty="0"/>
+          </a:p>
+        </p:txBody>
+      </p:sp>
+      <p:sp>
+        <p:nvSpPr>
+          <p:cNvPr id="3" name="Content Placeholder 2"/>
+          <p:cNvSpPr>
+            <a:spLocks noGrp="1"/>
+          </p:cNvSpPr>
+          <p:nvPr>
+            <p:ph idx="1"/>
+          </p:nvPr>
+        </p:nvSpPr>
+        <p:spPr/>
+        <p:txBody>
+          <a:bodyPr/>
+          <a:lstStyle/>
+          <a:p>
+            <a:endParaRPr lang="en-US"/>
+          </a:p>
+        </p:txBody>
+      </p:sp>
+    </p:spTree>
+    <p:extLst>
+      <p:ext uri="{BB962C8B-B14F-4D97-AF65-F5344CB8AC3E}">
+        <p14:creationId xmlns:p14="http://schemas.microsoft.com/office/powerpoint/2010/main" val="1356101625"/>
+      </p:ext>
+    </p:extLst>
+  </p:cSld>
+  <p:clrMapOvr>
+    <a:masterClrMapping/>
+  </p:clrMapOvr>
+  <p:timing>
+    <p:tnLst>
+      <p:par>
+        <p:cTn id="1" dur="indefinite" restart="never" nodeType="tmRoot"/>
+      </p:par>
+    </p:tnLst>
+  </p:timing>
+</p:sld>
+</file>
+
+<file path=ppt/slides/slide36.xml><?xml version="1.0" encoding="utf-8"?>
+<p:sld xmlns:a="http://schemas.openxmlformats.org/drawingml/2006/main" xmlns:r="http://schemas.openxmlformats.org/officeDocument/2006/relationships" xmlns:p="http://schemas.openxmlformats.org/presentationml/2006/main">
+  <p:cSld>
+    <p:spTree>
+      <p:nvGrpSpPr>
+        <p:cNvPr id="1" name=""/>
+        <p:cNvGrpSpPr/>
+        <p:nvPr/>
+      </p:nvGrpSpPr>
+      <p:grpSpPr>
+        <a:xfrm>
+          <a:off x="0" y="0"/>
+          <a:ext cx="0" cy="0"/>
+          <a:chOff x="0" y="0"/>
+          <a:chExt cx="0" cy="0"/>
+        </a:xfrm>
+      </p:grpSpPr>
+      <p:sp>
+        <p:nvSpPr>
+          <p:cNvPr id="2" name="Title 1"/>
+          <p:cNvSpPr>
+            <a:spLocks noGrp="1"/>
+          </p:cNvSpPr>
+          <p:nvPr>
+            <p:ph type="title"/>
+          </p:nvPr>
+        </p:nvSpPr>
+        <p:spPr/>
+        <p:txBody>
+          <a:bodyPr/>
+          <a:lstStyle/>
+          <a:p>
+            <a:r>
+              <a:rPr lang="en-US" dirty="0" smtClean="0"/>
+              <a:t>Assertions</a:t>
+            </a:r>
+            <a:endParaRPr lang="en-US" dirty="0"/>
+          </a:p>
+        </p:txBody>
+      </p:sp>
+      <p:sp>
+        <p:nvSpPr>
+          <p:cNvPr id="3" name="Content Placeholder 2"/>
+          <p:cNvSpPr>
+            <a:spLocks noGrp="1"/>
+          </p:cNvSpPr>
+          <p:nvPr>
+            <p:ph idx="1"/>
+          </p:nvPr>
+        </p:nvSpPr>
+        <p:spPr/>
+        <p:txBody>
+          <a:bodyPr/>
+          <a:lstStyle/>
+          <a:p>
+            <a:r>
+              <a:rPr lang="en-US" sz="2400" dirty="0" smtClean="0"/>
+              <a:t>Immediate and Concurrent Assertions  are used.</a:t>
+            </a:r>
+          </a:p>
+          <a:p>
+            <a:endParaRPr lang="en-US" sz="2400" dirty="0" smtClean="0"/>
+          </a:p>
+          <a:p>
+            <a:r>
+              <a:rPr lang="en-US" sz="2400" dirty="0" smtClean="0"/>
+              <a:t>Immediate Assertions are used to check the  State  transitions of the protocol and LRU register .</a:t>
+            </a:r>
+          </a:p>
+          <a:p>
+            <a:endParaRPr lang="en-US" dirty="0"/>
+          </a:p>
+          <a:p>
+            <a:endParaRPr lang="en-US" dirty="0"/>
+          </a:p>
+        </p:txBody>
+      </p:sp>
+    </p:spTree>
+    <p:extLst>
+      <p:ext uri="{BB962C8B-B14F-4D97-AF65-F5344CB8AC3E}">
+        <p14:creationId xmlns:p14="http://schemas.microsoft.com/office/powerpoint/2010/main" val="3886475537"/>
+      </p:ext>
+    </p:extLst>
+  </p:cSld>
+  <p:clrMapOvr>
+    <a:masterClrMapping/>
+  </p:clrMapOvr>
+  <p:timing>
+    <p:tnLst>
+      <p:par>
+        <p:cTn id="1" dur="indefinite" restart="never" nodeType="tmRoot"/>
+      </p:par>
+    </p:tnLst>
+  </p:timing>
+</p:sld>
+</file>
+
+<file path=ppt/slides/slide37.xml><?xml version="1.0" encoding="utf-8"?>
+<p:sld xmlns:a="http://schemas.openxmlformats.org/drawingml/2006/main" xmlns:r="http://schemas.openxmlformats.org/officeDocument/2006/relationships" xmlns:p="http://schemas.openxmlformats.org/presentationml/2006/main">
+  <p:cSld>
+    <p:spTree>
+      <p:nvGrpSpPr>
+        <p:cNvPr id="1" name=""/>
+        <p:cNvGrpSpPr/>
+        <p:nvPr/>
+      </p:nvGrpSpPr>
+      <p:grpSpPr>
+        <a:xfrm>
+          <a:off x="0" y="0"/>
+          <a:ext cx="0" cy="0"/>
+          <a:chOff x="0" y="0"/>
+          <a:chExt cx="0" cy="0"/>
+        </a:xfrm>
+      </p:grpSpPr>
+      <p:sp>
+        <p:nvSpPr>
+          <p:cNvPr id="2" name="Title 1"/>
+          <p:cNvSpPr>
+            <a:spLocks noGrp="1"/>
+          </p:cNvSpPr>
+          <p:nvPr>
+            <p:ph type="title"/>
+          </p:nvPr>
+        </p:nvSpPr>
+        <p:spPr/>
+        <p:txBody>
+          <a:bodyPr/>
+          <a:lstStyle/>
+          <a:p>
+            <a:r>
+              <a:rPr lang="en-US" dirty="0" smtClean="0"/>
+              <a:t>Assertions conti…</a:t>
+            </a:r>
+            <a:endParaRPr lang="en-US" dirty="0"/>
+          </a:p>
+        </p:txBody>
+      </p:sp>
+      <p:sp>
+        <p:nvSpPr>
+          <p:cNvPr id="3" name="Content Placeholder 2"/>
+          <p:cNvSpPr>
+            <a:spLocks noGrp="1"/>
+          </p:cNvSpPr>
+          <p:nvPr>
+            <p:ph idx="1"/>
+          </p:nvPr>
+        </p:nvSpPr>
+        <p:spPr/>
+        <p:txBody>
+          <a:bodyPr/>
+          <a:lstStyle/>
+          <a:p>
+            <a:pPr marL="0" indent="0">
+              <a:buNone/>
+            </a:pPr>
+            <a:r>
+              <a:rPr lang="en-US" sz="2400" dirty="0"/>
+              <a:t>Concurrent Assertions are used to check </a:t>
+            </a:r>
+            <a:endParaRPr lang="en-US" sz="2400" dirty="0" smtClean="0"/>
+          </a:p>
+          <a:p>
+            <a:pPr>
+              <a:buFont typeface="Wingdings" pitchFamily="2" charset="2"/>
+              <a:buChar char="ü"/>
+            </a:pPr>
+            <a:r>
+              <a:rPr lang="en-US" sz="2400" dirty="0" smtClean="0"/>
+              <a:t>valid </a:t>
+            </a:r>
+            <a:r>
+              <a:rPr lang="en-US" sz="2400" dirty="0"/>
+              <a:t>Data </a:t>
+            </a:r>
+            <a:r>
+              <a:rPr lang="en-US" sz="2400" dirty="0" smtClean="0"/>
+              <a:t>after asserting read or write signal</a:t>
+            </a:r>
+          </a:p>
+          <a:p>
+            <a:pPr>
+              <a:buFont typeface="Wingdings" pitchFamily="2" charset="2"/>
+              <a:buChar char="ü"/>
+            </a:pPr>
+            <a:r>
+              <a:rPr lang="en-US" sz="2400" dirty="0" smtClean="0"/>
+              <a:t>valid Address after asserting read or write signal.</a:t>
+            </a:r>
+            <a:endParaRPr lang="en-US" sz="2400" dirty="0"/>
+          </a:p>
+          <a:p>
+            <a:pPr>
+              <a:buFont typeface="Wingdings" pitchFamily="2" charset="2"/>
+              <a:buChar char="ü"/>
+            </a:pPr>
+            <a:r>
+              <a:rPr lang="en-US" sz="2400" dirty="0" smtClean="0"/>
+              <a:t> valid Data after 3 clock cycles of read or write miss.</a:t>
+            </a:r>
+          </a:p>
+          <a:p>
+            <a:pPr>
+              <a:buFont typeface="Wingdings" pitchFamily="2" charset="2"/>
+              <a:buChar char="ü"/>
+            </a:pPr>
+            <a:r>
+              <a:rPr lang="en-US" sz="2400" dirty="0" smtClean="0"/>
+              <a:t>Valid Data after one clock cycle of  write miss</a:t>
+            </a:r>
+          </a:p>
+          <a:p>
+            <a:pPr>
+              <a:buFont typeface="Wingdings" pitchFamily="2" charset="2"/>
+              <a:buChar char="ü"/>
+            </a:pPr>
+            <a:endParaRPr lang="en-US" dirty="0" smtClean="0"/>
+          </a:p>
+          <a:p>
+            <a:pPr>
+              <a:buFont typeface="Wingdings" pitchFamily="2" charset="2"/>
+              <a:buChar char="ü"/>
+            </a:pPr>
+            <a:endParaRPr lang="en-US" dirty="0"/>
+          </a:p>
+          <a:p>
+            <a:pPr marL="0" indent="0">
+              <a:buNone/>
+            </a:pPr>
+            <a:endParaRPr lang="en-US" dirty="0"/>
+          </a:p>
+        </p:txBody>
+      </p:sp>
+    </p:spTree>
+    <p:extLst>
+      <p:ext uri="{BB962C8B-B14F-4D97-AF65-F5344CB8AC3E}">
+        <p14:creationId xmlns:p14="http://schemas.microsoft.com/office/powerpoint/2010/main" val="1102993173"/>
+      </p:ext>
+    </p:extLst>
+  </p:cSld>
+  <p:clrMapOvr>
+    <a:masterClrMapping/>
+  </p:clrMapOvr>
+  <p:timing>
+    <p:tnLst>
+      <p:par>
+        <p:cTn id="1" dur="indefinite" restart="never" nodeType="tmRoot"/>
+      </p:par>
+    </p:tnLst>
+  </p:timing>
+</p:sld>
+</file>
+
+<file path=ppt/slides/slide38.xml><?xml version="1.0" encoding="utf-8"?>
+<p:sld xmlns:a="http://schemas.openxmlformats.org/drawingml/2006/main" xmlns:r="http://schemas.openxmlformats.org/officeDocument/2006/relationships" xmlns:p="http://schemas.openxmlformats.org/presentationml/2006/main">
+  <p:cSld>
+    <p:spTree>
+      <p:nvGrpSpPr>
+        <p:cNvPr id="1" name=""/>
+        <p:cNvGrpSpPr/>
+        <p:nvPr/>
+      </p:nvGrpSpPr>
+      <p:grpSpPr>
+        <a:xfrm>
+          <a:off x="0" y="0"/>
+          <a:ext cx="0" cy="0"/>
+          <a:chOff x="0" y="0"/>
+          <a:chExt cx="0" cy="0"/>
+        </a:xfrm>
+      </p:grpSpPr>
+      <p:sp>
+        <p:nvSpPr>
+          <p:cNvPr id="2" name="Title 1"/>
+          <p:cNvSpPr>
+            <a:spLocks noGrp="1"/>
+          </p:cNvSpPr>
+          <p:nvPr>
+            <p:ph type="title"/>
+          </p:nvPr>
+        </p:nvSpPr>
+        <p:spPr/>
+        <p:txBody>
+          <a:bodyPr/>
+          <a:lstStyle/>
+          <a:p>
+            <a:r>
+              <a:rPr lang="en-US" dirty="0" smtClean="0"/>
+              <a:t>Simulation statistics</a:t>
+            </a:r>
+            <a:endParaRPr lang="en-US" dirty="0"/>
+          </a:p>
+        </p:txBody>
+      </p:sp>
+      <p:sp>
+        <p:nvSpPr>
+          <p:cNvPr id="3" name="Content Placeholder 2"/>
+          <p:cNvSpPr>
+            <a:spLocks noGrp="1"/>
+          </p:cNvSpPr>
+          <p:nvPr>
+            <p:ph idx="1"/>
+          </p:nvPr>
+        </p:nvSpPr>
+        <p:spPr/>
+        <p:txBody>
+          <a:bodyPr/>
+          <a:lstStyle/>
+          <a:p>
+            <a:endParaRPr lang="en-US" dirty="0"/>
+          </a:p>
+        </p:txBody>
+      </p:sp>
+    </p:spTree>
+    <p:extLst>
+      <p:ext uri="{BB962C8B-B14F-4D97-AF65-F5344CB8AC3E}">
+        <p14:creationId xmlns:p14="http://schemas.microsoft.com/office/powerpoint/2010/main" val="4203063874"/>
+      </p:ext>
+    </p:extLst>
+  </p:cSld>
+  <p:clrMapOvr>
+    <a:masterClrMapping/>
+  </p:clrMapOvr>
+  <p:timing>
+    <p:tnLst>
+      <p:par>
+        <p:cTn id="1" dur="indefinite" restart="never" nodeType="tmRoot"/>
+      </p:par>
+    </p:tnLst>
+  </p:timing>
+</p:sld>
+</file>
+
+<file path=ppt/slides/slide39.xml><?xml version="1.0" encoding="utf-8"?>
+<p:sld xmlns:a="http://schemas.openxmlformats.org/drawingml/2006/main" xmlns:r="http://schemas.openxmlformats.org/officeDocument/2006/relationships" xmlns:p="http://schemas.openxmlformats.org/presentationml/2006/main">
+  <p:cSld>
+    <p:spTree>
+      <p:nvGrpSpPr>
+        <p:cNvPr id="1" name=""/>
+        <p:cNvGrpSpPr/>
+        <p:nvPr/>
+      </p:nvGrpSpPr>
+      <p:grpSpPr>
+        <a:xfrm>
+          <a:off x="0" y="0"/>
+          <a:ext cx="0" cy="0"/>
+          <a:chOff x="0" y="0"/>
+          <a:chExt cx="0" cy="0"/>
+        </a:xfrm>
+      </p:grpSpPr>
+      <p:sp>
+        <p:nvSpPr>
+          <p:cNvPr id="2" name="Title 1"/>
+          <p:cNvSpPr>
+            <a:spLocks noGrp="1"/>
+          </p:cNvSpPr>
+          <p:nvPr>
+            <p:ph type="title"/>
+          </p:nvPr>
+        </p:nvSpPr>
+        <p:spPr/>
+        <p:txBody>
+          <a:bodyPr/>
+          <a:lstStyle/>
+          <a:p>
+            <a:r>
+              <a:rPr lang="en-US" dirty="0" smtClean="0"/>
+              <a:t>Functional Coverage</a:t>
+            </a:r>
+            <a:endParaRPr lang="en-US" dirty="0"/>
+          </a:p>
+        </p:txBody>
+      </p:sp>
+      <p:sp>
+        <p:nvSpPr>
+          <p:cNvPr id="3" name="Content Placeholder 2"/>
+          <p:cNvSpPr>
+            <a:spLocks noGrp="1"/>
+          </p:cNvSpPr>
+          <p:nvPr>
+            <p:ph idx="1"/>
+          </p:nvPr>
+        </p:nvSpPr>
+        <p:spPr/>
+        <p:txBody>
+          <a:bodyPr/>
+          <a:lstStyle/>
+          <a:p>
+            <a:endParaRPr lang="en-US" dirty="0"/>
+          </a:p>
+        </p:txBody>
+      </p:sp>
+    </p:spTree>
+    <p:extLst>
+      <p:ext uri="{BB962C8B-B14F-4D97-AF65-F5344CB8AC3E}">
+        <p14:creationId xmlns:p14="http://schemas.microsoft.com/office/powerpoint/2010/main" val="2888046204"/>
       </p:ext>
     </p:extLst>
   </p:cSld>
@@ -4976,119 +8070,551 @@
         </p:nvSpPr>
         <p:spPr/>
         <p:txBody>
-          <a:bodyPr/>
-          <a:lstStyle/>
-          <a:p>
-            <a:r>
-              <a:rPr lang="en-US" dirty="0" smtClean="0"/>
-              <a:t>System Verilog Constructs used </a:t>
+          <a:bodyPr>
+            <a:normAutofit/>
+          </a:bodyPr>
+          <a:lstStyle/>
+          <a:p>
+            <a:r>
+              <a:rPr lang="en-US" dirty="0" smtClean="0"/>
+              <a:t>Top Level </a:t>
+            </a:r>
+            <a:r>
+              <a:rPr lang="en-US" dirty="0" smtClean="0"/>
+              <a:t>Design</a:t>
             </a:r>
             <a:endParaRPr lang="en-US" dirty="0"/>
           </a:p>
         </p:txBody>
       </p:sp>
-      <p:sp>
-        <p:nvSpPr>
-          <p:cNvPr id="3" name="Content Placeholder 2"/>
-          <p:cNvSpPr>
-            <a:spLocks noGrp="1"/>
-          </p:cNvSpPr>
+      <p:pic>
+        <p:nvPicPr>
+          <p:cNvPr id="2050" name="Picture 2"/>
+          <p:cNvPicPr>
+            <a:picLocks noGrp="1" noChangeAspect="1" noChangeArrowheads="1"/>
+          </p:cNvPicPr>
           <p:nvPr>
             <p:ph idx="1"/>
           </p:nvPr>
-        </p:nvSpPr>
-        <p:spPr>
+        </p:nvPicPr>
+        <p:blipFill>
+          <a:blip r:embed="rId2">
+            <a:extLst>
+              <a:ext uri="{28A0092B-C50C-407E-A947-70E740481C1C}">
+                <a14:useLocalDpi xmlns:a14="http://schemas.microsoft.com/office/drawing/2010/main" val="0"/>
+              </a:ext>
+            </a:extLst>
+          </a:blip>
+          <a:stretch>
+            <a:fillRect/>
+          </a:stretch>
+        </p:blipFill>
+        <p:spPr bwMode="auto">
           <a:xfrm>
-            <a:off x="457200" y="1905000"/>
-            <a:ext cx="8229600" cy="4419600"/>
+            <a:off x="1183716" y="1600200"/>
+            <a:ext cx="6014568" cy="4525963"/>
           </a:xfrm>
+          <a:prstGeom prst="rect">
+            <a:avLst/>
+          </a:prstGeom>
+          <a:noFill/>
+          <a:ln>
+            <a:noFill/>
+          </a:ln>
+          <a:effectLst/>
+          <a:extLst>
+            <a:ext uri="{909E8E84-426E-40DD-AFC4-6F175D3DCCD1}">
+              <a14:hiddenFill xmlns:a14="http://schemas.microsoft.com/office/drawing/2010/main">
+                <a:solidFill>
+                  <a:schemeClr val="accent1"/>
+                </a:solidFill>
+              </a14:hiddenFill>
+            </a:ext>
+            <a:ext uri="{91240B29-F687-4F45-9708-019B960494DF}">
+              <a14:hiddenLine xmlns:a14="http://schemas.microsoft.com/office/drawing/2010/main" w="9525">
+                <a:solidFill>
+                  <a:schemeClr val="tx1"/>
+                </a:solidFill>
+                <a:miter lim="800000"/>
+                <a:headEnd/>
+                <a:tailEnd/>
+              </a14:hiddenLine>
+            </a:ext>
+            <a:ext uri="{AF507438-7753-43E0-B8FC-AC1667EBCBE1}">
+              <a14:hiddenEffects xmlns:a14="http://schemas.microsoft.com/office/drawing/2010/main">
+                <a:effectLst>
+                  <a:outerShdw dist="35921" dir="2700000" algn="ctr" rotWithShape="0">
+                    <a:schemeClr val="bg2"/>
+                  </a:outerShdw>
+                </a:effectLst>
+              </a14:hiddenEffects>
+            </a:ext>
+          </a:extLst>
         </p:spPr>
-        <p:txBody>
-          <a:bodyPr/>
-          <a:lstStyle/>
-          <a:p>
-            <a:pPr marL="0" indent="0">
-              <a:buNone/>
-            </a:pPr>
-            <a:r>
-              <a:rPr lang="en-US" b="1" i="1" u="sng" dirty="0" smtClean="0"/>
-              <a:t>Design</a:t>
-            </a:r>
-          </a:p>
-          <a:p>
-            <a:r>
-              <a:rPr lang="en-US" sz="2000" dirty="0" smtClean="0"/>
-              <a:t>Interfaces</a:t>
-            </a:r>
-          </a:p>
-          <a:p>
-            <a:r>
-              <a:rPr lang="en-US" sz="2000" dirty="0" smtClean="0"/>
-              <a:t>Typedef enum</a:t>
-            </a:r>
-          </a:p>
-          <a:p>
-            <a:r>
-              <a:rPr lang="en-US" sz="2000" dirty="0" smtClean="0"/>
-              <a:t>Always_ff</a:t>
-            </a:r>
-            <a:endParaRPr lang="en-US" sz="2000" dirty="0"/>
-          </a:p>
-          <a:p>
-            <a:r>
-              <a:rPr lang="en-US" sz="2000" dirty="0" smtClean="0"/>
-              <a:t>Struct</a:t>
-            </a:r>
-          </a:p>
-          <a:p>
-            <a:r>
-              <a:rPr lang="en-US" sz="2000" dirty="0" smtClean="0"/>
-              <a:t>Packages</a:t>
-            </a:r>
-          </a:p>
-          <a:p>
-            <a:pPr marL="0" indent="0">
-              <a:buNone/>
-            </a:pPr>
-            <a:r>
-              <a:rPr lang="en-US" dirty="0" smtClean="0"/>
-              <a:t>                                                                           </a:t>
-            </a:r>
-            <a:r>
-              <a:rPr lang="en-US" b="1" i="1" u="sng" dirty="0" smtClean="0"/>
-              <a:t>Verification</a:t>
-            </a:r>
-          </a:p>
-          <a:p>
-            <a:pPr algn="r"/>
-            <a:r>
-              <a:rPr lang="en-US" sz="2000" dirty="0" smtClean="0"/>
-              <a:t>Assertions</a:t>
-            </a:r>
-          </a:p>
-          <a:p>
-            <a:pPr algn="r"/>
-            <a:r>
-              <a:rPr lang="en-US" sz="2000" dirty="0" smtClean="0"/>
-              <a:t>Randomization()</a:t>
-            </a:r>
-            <a:r>
-              <a:rPr lang="en-US" sz="2000" b="1" i="1" u="sng" dirty="0" smtClean="0"/>
-              <a:t>                                                                     </a:t>
-            </a:r>
-          </a:p>
-          <a:p>
-            <a:pPr marL="0" indent="0" algn="r">
-              <a:buNone/>
-            </a:pPr>
-            <a:endParaRPr lang="en-US" dirty="0"/>
-          </a:p>
-        </p:txBody>
-      </p:sp>
+      </p:pic>
     </p:spTree>
     <p:extLst>
       <p:ext uri="{BB962C8B-B14F-4D97-AF65-F5344CB8AC3E}">
-        <p14:creationId xmlns:p14="http://schemas.microsoft.com/office/powerpoint/2010/main" val="313143688"/>
+        <p14:creationId xmlns:p14="http://schemas.microsoft.com/office/powerpoint/2010/main" val="552603260"/>
+      </p:ext>
+    </p:extLst>
+  </p:cSld>
+  <p:clrMapOvr>
+    <a:masterClrMapping/>
+  </p:clrMapOvr>
+  <p:timing>
+    <p:tnLst>
+      <p:par>
+        <p:cTn id="1" dur="indefinite" restart="never" nodeType="tmRoot"/>
+      </p:par>
+    </p:tnLst>
+  </p:timing>
+</p:sld>
+</file>
+
+<file path=ppt/slides/slide40.xml><?xml version="1.0" encoding="utf-8"?>
+<p:sld xmlns:a="http://schemas.openxmlformats.org/drawingml/2006/main" xmlns:r="http://schemas.openxmlformats.org/officeDocument/2006/relationships" xmlns:p="http://schemas.openxmlformats.org/presentationml/2006/main">
+  <p:cSld>
+    <p:spTree>
+      <p:nvGrpSpPr>
+        <p:cNvPr id="1" name=""/>
+        <p:cNvGrpSpPr/>
+        <p:nvPr/>
+      </p:nvGrpSpPr>
+      <p:grpSpPr>
+        <a:xfrm>
+          <a:off x="0" y="0"/>
+          <a:ext cx="0" cy="0"/>
+          <a:chOff x="0" y="0"/>
+          <a:chExt cx="0" cy="0"/>
+        </a:xfrm>
+      </p:grpSpPr>
+      <p:sp>
+        <p:nvSpPr>
+          <p:cNvPr id="2" name="Title 1"/>
+          <p:cNvSpPr>
+            <a:spLocks noGrp="1"/>
+          </p:cNvSpPr>
+          <p:nvPr>
+            <p:ph type="title"/>
+          </p:nvPr>
+        </p:nvSpPr>
+        <p:spPr>
+          <a:xfrm>
+            <a:off x="457200" y="152400"/>
+            <a:ext cx="8229600" cy="1143000"/>
+          </a:xfrm>
+        </p:spPr>
+        <p:txBody>
+          <a:bodyPr/>
+          <a:lstStyle/>
+          <a:p>
+            <a:r>
+              <a:rPr lang="en-US" dirty="0" smtClean="0"/>
+              <a:t>Emulation on Veloce</a:t>
+            </a:r>
+            <a:endParaRPr lang="en-US" dirty="0"/>
+          </a:p>
+        </p:txBody>
+      </p:sp>
+      <p:sp>
+        <p:nvSpPr>
+          <p:cNvPr id="3" name="Content Placeholder 2"/>
+          <p:cNvSpPr>
+            <a:spLocks noGrp="1"/>
+          </p:cNvSpPr>
+          <p:nvPr>
+            <p:ph idx="1"/>
+          </p:nvPr>
+        </p:nvSpPr>
+        <p:spPr/>
+        <p:txBody>
+          <a:bodyPr>
+            <a:normAutofit fontScale="92500" lnSpcReduction="20000"/>
+          </a:bodyPr>
+          <a:lstStyle/>
+          <a:p>
+            <a:r>
+              <a:rPr lang="en-US" dirty="0" smtClean="0"/>
+              <a:t>Standalone </a:t>
+            </a:r>
+          </a:p>
+          <a:p>
+            <a:pPr>
+              <a:buFont typeface="Wingdings" pitchFamily="2" charset="2"/>
+              <a:buChar char="Ø"/>
+            </a:pPr>
+            <a:r>
+              <a:rPr lang="en-US" dirty="0" smtClean="0"/>
+              <a:t>Log</a:t>
+            </a:r>
+          </a:p>
+          <a:p>
+            <a:pPr>
+              <a:buFont typeface="Wingdings" pitchFamily="2" charset="2"/>
+              <a:buChar char="Ø"/>
+            </a:pPr>
+            <a:r>
+              <a:rPr lang="en-US" dirty="0" smtClean="0"/>
+              <a:t>Errors</a:t>
+            </a:r>
+          </a:p>
+          <a:p>
+            <a:pPr>
+              <a:buFont typeface="Wingdings" pitchFamily="2" charset="2"/>
+              <a:buChar char="Ø"/>
+            </a:pPr>
+            <a:r>
+              <a:rPr lang="en-US" dirty="0" smtClean="0"/>
+              <a:t>resolved</a:t>
+            </a:r>
+          </a:p>
+          <a:p>
+            <a:endParaRPr lang="en-US" dirty="0"/>
+          </a:p>
+          <a:p>
+            <a:endParaRPr lang="en-US" dirty="0" smtClean="0"/>
+          </a:p>
+          <a:p>
+            <a:endParaRPr lang="en-US" dirty="0"/>
+          </a:p>
+          <a:p>
+            <a:r>
+              <a:rPr lang="en-US" dirty="0" smtClean="0"/>
+              <a:t>TBX-BFM</a:t>
+            </a:r>
+          </a:p>
+          <a:p>
+            <a:r>
+              <a:rPr lang="en-US" dirty="0" smtClean="0"/>
+              <a:t>Initial errors</a:t>
+            </a:r>
+          </a:p>
+          <a:p>
+            <a:r>
+              <a:rPr lang="en-US" dirty="0" smtClean="0"/>
+              <a:t>Design compilation report</a:t>
+            </a:r>
+          </a:p>
+          <a:p>
+            <a:endParaRPr lang="en-US" dirty="0"/>
+          </a:p>
+        </p:txBody>
+      </p:sp>
+    </p:spTree>
+    <p:extLst>
+      <p:ext uri="{BB962C8B-B14F-4D97-AF65-F5344CB8AC3E}">
+        <p14:creationId xmlns:p14="http://schemas.microsoft.com/office/powerpoint/2010/main" val="4106892503"/>
+      </p:ext>
+    </p:extLst>
+  </p:cSld>
+  <p:clrMapOvr>
+    <a:masterClrMapping/>
+  </p:clrMapOvr>
+  <p:timing>
+    <p:tnLst>
+      <p:par>
+        <p:cTn id="1" dur="indefinite" restart="never" nodeType="tmRoot"/>
+      </p:par>
+    </p:tnLst>
+  </p:timing>
+</p:sld>
+</file>
+
+<file path=ppt/slides/slide41.xml><?xml version="1.0" encoding="utf-8"?>
+<p:sld xmlns:a="http://schemas.openxmlformats.org/drawingml/2006/main" xmlns:r="http://schemas.openxmlformats.org/officeDocument/2006/relationships" xmlns:p="http://schemas.openxmlformats.org/presentationml/2006/main">
+  <p:cSld>
+    <p:spTree>
+      <p:nvGrpSpPr>
+        <p:cNvPr id="1" name=""/>
+        <p:cNvGrpSpPr/>
+        <p:nvPr/>
+      </p:nvGrpSpPr>
+      <p:grpSpPr>
+        <a:xfrm>
+          <a:off x="0" y="0"/>
+          <a:ext cx="0" cy="0"/>
+          <a:chOff x="0" y="0"/>
+          <a:chExt cx="0" cy="0"/>
+        </a:xfrm>
+      </p:grpSpPr>
+      <p:sp>
+        <p:nvSpPr>
+          <p:cNvPr id="2" name="Title 1"/>
+          <p:cNvSpPr>
+            <a:spLocks noGrp="1"/>
+          </p:cNvSpPr>
+          <p:nvPr>
+            <p:ph type="title"/>
+          </p:nvPr>
+        </p:nvSpPr>
+        <p:spPr/>
+        <p:txBody>
+          <a:bodyPr/>
+          <a:lstStyle/>
+          <a:p>
+            <a:r>
+              <a:rPr lang="en-US" dirty="0" smtClean="0"/>
+              <a:t>Results and Future work</a:t>
+            </a:r>
+            <a:endParaRPr lang="en-US" dirty="0"/>
+          </a:p>
+        </p:txBody>
+      </p:sp>
+      <p:sp>
+        <p:nvSpPr>
+          <p:cNvPr id="3" name="Content Placeholder 2"/>
+          <p:cNvSpPr>
+            <a:spLocks noGrp="1"/>
+          </p:cNvSpPr>
+          <p:nvPr>
+            <p:ph idx="1"/>
+          </p:nvPr>
+        </p:nvSpPr>
+        <p:spPr/>
+        <p:txBody>
+          <a:bodyPr/>
+          <a:lstStyle/>
+          <a:p>
+            <a:endParaRPr lang="en-US" dirty="0"/>
+          </a:p>
+        </p:txBody>
+      </p:sp>
+    </p:spTree>
+    <p:extLst>
+      <p:ext uri="{BB962C8B-B14F-4D97-AF65-F5344CB8AC3E}">
+        <p14:creationId xmlns:p14="http://schemas.microsoft.com/office/powerpoint/2010/main" val="3839845853"/>
+      </p:ext>
+    </p:extLst>
+  </p:cSld>
+  <p:clrMapOvr>
+    <a:masterClrMapping/>
+  </p:clrMapOvr>
+  <p:timing>
+    <p:tnLst>
+      <p:par>
+        <p:cTn id="1" dur="indefinite" restart="never" nodeType="tmRoot"/>
+      </p:par>
+    </p:tnLst>
+  </p:timing>
+</p:sld>
+</file>
+
+<file path=ppt/slides/slide42.xml><?xml version="1.0" encoding="utf-8"?>
+<p:sld xmlns:a="http://schemas.openxmlformats.org/drawingml/2006/main" xmlns:r="http://schemas.openxmlformats.org/officeDocument/2006/relationships" xmlns:p="http://schemas.openxmlformats.org/presentationml/2006/main">
+  <p:cSld>
+    <p:spTree>
+      <p:nvGrpSpPr>
+        <p:cNvPr id="1" name=""/>
+        <p:cNvGrpSpPr/>
+        <p:nvPr/>
+      </p:nvGrpSpPr>
+      <p:grpSpPr>
+        <a:xfrm>
+          <a:off x="0" y="0"/>
+          <a:ext cx="0" cy="0"/>
+          <a:chOff x="0" y="0"/>
+          <a:chExt cx="0" cy="0"/>
+        </a:xfrm>
+      </p:grpSpPr>
+      <p:sp>
+        <p:nvSpPr>
+          <p:cNvPr id="2" name="Title 1"/>
+          <p:cNvSpPr>
+            <a:spLocks noGrp="1"/>
+          </p:cNvSpPr>
+          <p:nvPr>
+            <p:ph type="title"/>
+          </p:nvPr>
+        </p:nvSpPr>
+        <p:spPr/>
+        <p:txBody>
+          <a:bodyPr/>
+          <a:lstStyle/>
+          <a:p>
+            <a:r>
+              <a:rPr lang="en-US" dirty="0" smtClean="0"/>
+              <a:t>References</a:t>
+            </a:r>
+            <a:endParaRPr lang="en-US" dirty="0"/>
+          </a:p>
+        </p:txBody>
+      </p:sp>
+      <p:sp>
+        <p:nvSpPr>
+          <p:cNvPr id="3" name="Content Placeholder 2"/>
+          <p:cNvSpPr>
+            <a:spLocks noGrp="1"/>
+          </p:cNvSpPr>
+          <p:nvPr>
+            <p:ph idx="1"/>
+          </p:nvPr>
+        </p:nvSpPr>
+        <p:spPr/>
+        <p:txBody>
+          <a:bodyPr/>
+          <a:lstStyle/>
+          <a:p>
+            <a:pPr>
+              <a:buFont typeface="Wingdings" pitchFamily="2" charset="2"/>
+              <a:buChar char="v"/>
+            </a:pPr>
+            <a:r>
+              <a:rPr lang="en-US" dirty="0" smtClean="0">
+                <a:solidFill>
+                  <a:srgbClr val="FF0000"/>
+                </a:solidFill>
+                <a:hlinkClick r:id="rId2"/>
+              </a:rPr>
+              <a:t>http</a:t>
+            </a:r>
+            <a:r>
+              <a:rPr lang="en-US" dirty="0">
+                <a:solidFill>
+                  <a:srgbClr val="FF0000"/>
+                </a:solidFill>
+                <a:hlinkClick r:id="rId2"/>
+              </a:rPr>
+              <a:t>://</a:t>
+            </a:r>
+            <a:r>
+              <a:rPr lang="en-US" dirty="0" smtClean="0">
+                <a:solidFill>
+                  <a:srgbClr val="FF0000"/>
+                </a:solidFill>
+                <a:hlinkClick r:id="rId2"/>
+              </a:rPr>
+              <a:t>www.cs.cmu.edu/afs/cs/academic/class/15418-s12/www/lectures/11_coherence2.pdf</a:t>
+            </a:r>
+            <a:endParaRPr lang="en-US" dirty="0" smtClean="0">
+              <a:solidFill>
+                <a:srgbClr val="FF0000"/>
+              </a:solidFill>
+            </a:endParaRPr>
+          </a:p>
+          <a:p>
+            <a:pPr>
+              <a:buFont typeface="Wingdings" pitchFamily="2" charset="2"/>
+              <a:buChar char="v"/>
+            </a:pPr>
+            <a:r>
+              <a:rPr lang="en-US" b="1" dirty="0" smtClean="0"/>
+              <a:t>Sameer’s Slides on Mentor </a:t>
+            </a:r>
+            <a:r>
+              <a:rPr lang="en-US" b="1" dirty="0" err="1"/>
+              <a:t>Veloce</a:t>
+            </a:r>
+            <a:r>
+              <a:rPr lang="en-US" b="1" dirty="0"/>
+              <a:t> </a:t>
+            </a:r>
+            <a:r>
+              <a:rPr lang="en-US" b="1" dirty="0" smtClean="0"/>
+              <a:t>Emulator.</a:t>
+            </a:r>
+            <a:endParaRPr lang="en-US" dirty="0" smtClean="0"/>
+          </a:p>
+          <a:p>
+            <a:endParaRPr lang="en-US" dirty="0"/>
+          </a:p>
+        </p:txBody>
+      </p:sp>
+    </p:spTree>
+    <p:extLst>
+      <p:ext uri="{BB962C8B-B14F-4D97-AF65-F5344CB8AC3E}">
+        <p14:creationId xmlns:p14="http://schemas.microsoft.com/office/powerpoint/2010/main" val="3841121885"/>
+      </p:ext>
+    </p:extLst>
+  </p:cSld>
+  <p:clrMapOvr>
+    <a:masterClrMapping/>
+  </p:clrMapOvr>
+  <p:timing>
+    <p:tnLst>
+      <p:par>
+        <p:cTn id="1" dur="indefinite" restart="never" nodeType="tmRoot"/>
+      </p:par>
+    </p:tnLst>
+  </p:timing>
+</p:sld>
+</file>
+
+<file path=ppt/slides/slide43.xml><?xml version="1.0" encoding="utf-8"?>
+<p:sld xmlns:a="http://schemas.openxmlformats.org/drawingml/2006/main" xmlns:r="http://schemas.openxmlformats.org/officeDocument/2006/relationships" xmlns:p="http://schemas.openxmlformats.org/presentationml/2006/main">
+  <p:cSld>
+    <p:spTree>
+      <p:nvGrpSpPr>
+        <p:cNvPr id="1" name=""/>
+        <p:cNvGrpSpPr/>
+        <p:nvPr/>
+      </p:nvGrpSpPr>
+      <p:grpSpPr>
+        <a:xfrm>
+          <a:off x="0" y="0"/>
+          <a:ext cx="0" cy="0"/>
+          <a:chOff x="0" y="0"/>
+          <a:chExt cx="0" cy="0"/>
+        </a:xfrm>
+      </p:grpSpPr>
+      <p:sp>
+        <p:nvSpPr>
+          <p:cNvPr id="2" name="Title 1"/>
+          <p:cNvSpPr>
+            <a:spLocks noGrp="1"/>
+          </p:cNvSpPr>
+          <p:nvPr>
+            <p:ph type="title"/>
+          </p:nvPr>
+        </p:nvSpPr>
+        <p:spPr/>
+        <p:txBody>
+          <a:bodyPr/>
+          <a:lstStyle/>
+          <a:p>
+            <a:endParaRPr lang="en-US" dirty="0"/>
+          </a:p>
+        </p:txBody>
+      </p:sp>
+      <p:sp>
+        <p:nvSpPr>
+          <p:cNvPr id="3" name="Content Placeholder 2"/>
+          <p:cNvSpPr>
+            <a:spLocks noGrp="1"/>
+          </p:cNvSpPr>
+          <p:nvPr>
+            <p:ph idx="1"/>
+          </p:nvPr>
+        </p:nvSpPr>
+        <p:spPr/>
+        <p:txBody>
+          <a:bodyPr/>
+          <a:lstStyle/>
+          <a:p>
+            <a:endParaRPr lang="en-US" dirty="0" smtClean="0"/>
+          </a:p>
+          <a:p>
+            <a:endParaRPr lang="en-US" dirty="0"/>
+          </a:p>
+          <a:p>
+            <a:endParaRPr lang="en-US" dirty="0" smtClean="0"/>
+          </a:p>
+          <a:p>
+            <a:pPr marL="0" indent="0" algn="ctr">
+              <a:buNone/>
+            </a:pPr>
+            <a:r>
+              <a:rPr lang="en-US" b="1" dirty="0" smtClean="0"/>
+              <a:t>Thank you…..</a:t>
+            </a:r>
+            <a:endParaRPr lang="en-US" b="1" dirty="0"/>
+          </a:p>
+        </p:txBody>
+      </p:sp>
+    </p:spTree>
+    <p:extLst>
+      <p:ext uri="{BB962C8B-B14F-4D97-AF65-F5344CB8AC3E}">
+        <p14:creationId xmlns:p14="http://schemas.microsoft.com/office/powerpoint/2010/main" val="1259995898"/>
       </p:ext>
     </p:extLst>
   </p:cSld>
@@ -5132,6 +8658,233 @@
             <p:ph type="title"/>
           </p:nvPr>
         </p:nvSpPr>
+        <p:spPr>
+          <a:xfrm>
+            <a:off x="1143000" y="152400"/>
+            <a:ext cx="7162800" cy="1219200"/>
+          </a:xfrm>
+        </p:spPr>
+        <p:txBody>
+          <a:bodyPr>
+            <a:normAutofit fontScale="90000"/>
+          </a:bodyPr>
+          <a:lstStyle/>
+          <a:p>
+            <a:r>
+              <a:rPr lang="en-US" dirty="0" smtClean="0"/>
+              <a:t>System Verilog Constructs used </a:t>
+            </a:r>
+            <a:endParaRPr lang="en-US" dirty="0"/>
+          </a:p>
+        </p:txBody>
+      </p:sp>
+      <p:sp>
+        <p:nvSpPr>
+          <p:cNvPr id="3" name="Content Placeholder 2"/>
+          <p:cNvSpPr>
+            <a:spLocks noGrp="1"/>
+          </p:cNvSpPr>
+          <p:nvPr>
+            <p:ph idx="1"/>
+          </p:nvPr>
+        </p:nvSpPr>
+        <p:spPr>
+          <a:xfrm>
+            <a:off x="457200" y="1905000"/>
+            <a:ext cx="8229600" cy="4419600"/>
+          </a:xfrm>
+        </p:spPr>
+        <p:txBody>
+          <a:bodyPr>
+            <a:normAutofit/>
+          </a:bodyPr>
+          <a:lstStyle/>
+          <a:p>
+            <a:pPr marL="0" indent="0">
+              <a:buNone/>
+            </a:pPr>
+            <a:r>
+              <a:rPr lang="en-US" b="1" i="1" u="sng" dirty="0" smtClean="0"/>
+              <a:t>Design</a:t>
+            </a:r>
+          </a:p>
+          <a:p>
+            <a:r>
+              <a:rPr lang="en-US" sz="2000" dirty="0" smtClean="0"/>
+              <a:t>I</a:t>
+            </a:r>
+            <a:r>
+              <a:rPr lang="en-US" sz="2000" dirty="0" smtClean="0"/>
+              <a:t>nterfaces                                 </a:t>
+            </a:r>
+            <a:endParaRPr lang="en-US" sz="2000" dirty="0" smtClean="0"/>
+          </a:p>
+          <a:p>
+            <a:r>
+              <a:rPr lang="en-US" sz="2000" dirty="0" err="1"/>
+              <a:t>t</a:t>
+            </a:r>
+            <a:r>
+              <a:rPr lang="en-US" sz="2000" dirty="0" err="1" smtClean="0"/>
+              <a:t>ypedef</a:t>
+            </a:r>
+            <a:r>
+              <a:rPr lang="en-US" sz="2000" dirty="0" smtClean="0"/>
+              <a:t> </a:t>
+            </a:r>
+          </a:p>
+          <a:p>
+            <a:r>
+              <a:rPr lang="en-US" sz="2000" dirty="0" err="1"/>
+              <a:t>e</a:t>
+            </a:r>
+            <a:r>
+              <a:rPr lang="en-US" sz="2000" dirty="0" err="1" smtClean="0"/>
+              <a:t>numarated</a:t>
+            </a:r>
+            <a:r>
+              <a:rPr lang="en-US" sz="2000" dirty="0" smtClean="0"/>
+              <a:t> types</a:t>
+            </a:r>
+            <a:endParaRPr lang="en-US" sz="2000" dirty="0" smtClean="0"/>
+          </a:p>
+          <a:p>
+            <a:r>
+              <a:rPr lang="en-US" sz="2000" dirty="0" err="1"/>
+              <a:t>a</a:t>
+            </a:r>
+            <a:r>
+              <a:rPr lang="en-US" sz="2000" dirty="0" err="1" smtClean="0"/>
+              <a:t>lways_ff</a:t>
+            </a:r>
+            <a:endParaRPr lang="en-US" sz="2000" dirty="0"/>
+          </a:p>
+          <a:p>
+            <a:r>
+              <a:rPr lang="en-US" sz="2000" dirty="0"/>
+              <a:t>s</a:t>
+            </a:r>
+            <a:r>
+              <a:rPr lang="en-US" sz="2000" dirty="0" smtClean="0"/>
+              <a:t>tructures</a:t>
+            </a:r>
+            <a:endParaRPr lang="en-US" sz="2000" dirty="0" smtClean="0"/>
+          </a:p>
+          <a:p>
+            <a:r>
+              <a:rPr lang="en-US" sz="2000" dirty="0"/>
+              <a:t>p</a:t>
+            </a:r>
+            <a:r>
+              <a:rPr lang="en-US" sz="2000" dirty="0" smtClean="0"/>
+              <a:t>ackages</a:t>
+            </a:r>
+            <a:endParaRPr lang="en-US" sz="2000" dirty="0" smtClean="0"/>
+          </a:p>
+          <a:p>
+            <a:pPr algn="r"/>
+            <a:r>
+              <a:rPr lang="en-US" sz="2000" b="1" i="1" u="sng" dirty="0" smtClean="0"/>
+              <a:t>                                                                     </a:t>
+            </a:r>
+            <a:endParaRPr lang="en-US" sz="2000" b="1" i="1" u="sng" dirty="0" smtClean="0"/>
+          </a:p>
+          <a:p>
+            <a:pPr marL="0" indent="0" algn="r">
+              <a:buNone/>
+            </a:pPr>
+            <a:endParaRPr lang="en-US" dirty="0"/>
+          </a:p>
+        </p:txBody>
+      </p:sp>
+      <p:pic>
+        <p:nvPicPr>
+          <p:cNvPr id="1031" name="Picture 7" descr="C:\Users\SaiKrishna\Desktop\Package.jpg"/>
+          <p:cNvPicPr>
+            <a:picLocks noChangeAspect="1" noChangeArrowheads="1"/>
+          </p:cNvPicPr>
+          <p:nvPr/>
+        </p:nvPicPr>
+        <p:blipFill>
+          <a:blip r:embed="rId2">
+            <a:extLst>
+              <a:ext uri="{28A0092B-C50C-407E-A947-70E740481C1C}">
+                <a14:useLocalDpi xmlns:a14="http://schemas.microsoft.com/office/drawing/2010/main" val="0"/>
+              </a:ext>
+            </a:extLst>
+          </a:blip>
+          <a:srcRect/>
+          <a:stretch>
+            <a:fillRect/>
+          </a:stretch>
+        </p:blipFill>
+        <p:spPr bwMode="auto">
+          <a:xfrm>
+            <a:off x="3048000" y="1905000"/>
+            <a:ext cx="5638800" cy="3657600"/>
+          </a:xfrm>
+          <a:prstGeom prst="rect">
+            <a:avLst/>
+          </a:prstGeom>
+          <a:noFill/>
+          <a:extLst>
+            <a:ext uri="{909E8E84-426E-40DD-AFC4-6F175D3DCCD1}">
+              <a14:hiddenFill xmlns:a14="http://schemas.microsoft.com/office/drawing/2010/main">
+                <a:solidFill>
+                  <a:srgbClr val="FFFFFF"/>
+                </a:solidFill>
+              </a14:hiddenFill>
+            </a:ext>
+          </a:extLst>
+        </p:spPr>
+      </p:pic>
+    </p:spTree>
+    <p:extLst>
+      <p:ext uri="{BB962C8B-B14F-4D97-AF65-F5344CB8AC3E}">
+        <p14:creationId xmlns:p14="http://schemas.microsoft.com/office/powerpoint/2010/main" val="313143688"/>
+      </p:ext>
+    </p:extLst>
+  </p:cSld>
+  <p:clrMapOvr>
+    <a:masterClrMapping/>
+  </p:clrMapOvr>
+  <p:timing>
+    <p:tnLst>
+      <p:par>
+        <p:cTn id="1" dur="indefinite" restart="never" nodeType="tmRoot"/>
+      </p:par>
+    </p:tnLst>
+  </p:timing>
+</p:sld>
+</file>
+
+<file path=ppt/slides/slide6.xml><?xml version="1.0" encoding="utf-8"?>
+<p:sld xmlns:a="http://schemas.openxmlformats.org/drawingml/2006/main" xmlns:r="http://schemas.openxmlformats.org/officeDocument/2006/relationships" xmlns:p="http://schemas.openxmlformats.org/presentationml/2006/main">
+  <p:cSld>
+    <p:spTree>
+      <p:nvGrpSpPr>
+        <p:cNvPr id="1" name=""/>
+        <p:cNvGrpSpPr/>
+        <p:nvPr/>
+      </p:nvGrpSpPr>
+      <p:grpSpPr>
+        <a:xfrm>
+          <a:off x="0" y="0"/>
+          <a:ext cx="0" cy="0"/>
+          <a:chOff x="0" y="0"/>
+          <a:chExt cx="0" cy="0"/>
+        </a:xfrm>
+      </p:grpSpPr>
+      <p:sp>
+        <p:nvSpPr>
+          <p:cNvPr id="2" name="Title 1"/>
+          <p:cNvSpPr>
+            <a:spLocks noGrp="1"/>
+          </p:cNvSpPr>
+          <p:nvPr>
+            <p:ph type="title"/>
+          </p:nvPr>
+        </p:nvSpPr>
         <p:spPr/>
         <p:txBody>
           <a:bodyPr/>
@@ -5139,6 +8892,223 @@
           <a:p>
             <a:r>
               <a:rPr lang="en-US" dirty="0" smtClean="0"/>
+              <a:t>Interfaces</a:t>
+            </a:r>
+            <a:endParaRPr lang="en-US" dirty="0"/>
+          </a:p>
+        </p:txBody>
+      </p:sp>
+      <p:pic>
+        <p:nvPicPr>
+          <p:cNvPr id="7171" name="Picture 3" descr="C:\Users\SaiKrishna\Desktop\PAC.png"/>
+          <p:cNvPicPr>
+            <a:picLocks noGrp="1" noChangeAspect="1" noChangeArrowheads="1"/>
+          </p:cNvPicPr>
+          <p:nvPr>
+            <p:ph idx="1"/>
+          </p:nvPr>
+        </p:nvPicPr>
+        <p:blipFill>
+          <a:blip r:embed="rId2">
+            <a:extLst>
+              <a:ext uri="{28A0092B-C50C-407E-A947-70E740481C1C}">
+                <a14:useLocalDpi xmlns:a14="http://schemas.microsoft.com/office/drawing/2010/main" val="0"/>
+              </a:ext>
+            </a:extLst>
+          </a:blip>
+          <a:srcRect/>
+          <a:stretch>
+            <a:fillRect/>
+          </a:stretch>
+        </p:blipFill>
+        <p:spPr bwMode="auto">
+          <a:xfrm>
+            <a:off x="914400" y="1447800"/>
+            <a:ext cx="6629400" cy="4495800"/>
+          </a:xfrm>
+          <a:prstGeom prst="rect">
+            <a:avLst/>
+          </a:prstGeom>
+          <a:noFill/>
+          <a:extLst>
+            <a:ext uri="{909E8E84-426E-40DD-AFC4-6F175D3DCCD1}">
+              <a14:hiddenFill xmlns:a14="http://schemas.microsoft.com/office/drawing/2010/main">
+                <a:solidFill>
+                  <a:srgbClr val="FFFFFF"/>
+                </a:solidFill>
+              </a14:hiddenFill>
+            </a:ext>
+          </a:extLst>
+        </p:spPr>
+      </p:pic>
+    </p:spTree>
+    <p:extLst>
+      <p:ext uri="{BB962C8B-B14F-4D97-AF65-F5344CB8AC3E}">
+        <p14:creationId xmlns:p14="http://schemas.microsoft.com/office/powerpoint/2010/main" val="594707488"/>
+      </p:ext>
+    </p:extLst>
+  </p:cSld>
+  <p:clrMapOvr>
+    <a:masterClrMapping/>
+  </p:clrMapOvr>
+</p:sld>
+</file>
+
+<file path=ppt/slides/slide7.xml><?xml version="1.0" encoding="utf-8"?>
+<p:sld xmlns:a="http://schemas.openxmlformats.org/drawingml/2006/main" xmlns:r="http://schemas.openxmlformats.org/officeDocument/2006/relationships" xmlns:p="http://schemas.openxmlformats.org/presentationml/2006/main">
+  <p:cSld>
+    <p:spTree>
+      <p:nvGrpSpPr>
+        <p:cNvPr id="1" name=""/>
+        <p:cNvGrpSpPr/>
+        <p:nvPr/>
+      </p:nvGrpSpPr>
+      <p:grpSpPr>
+        <a:xfrm>
+          <a:off x="0" y="0"/>
+          <a:ext cx="0" cy="0"/>
+          <a:chOff x="0" y="0"/>
+          <a:chExt cx="0" cy="0"/>
+        </a:xfrm>
+      </p:grpSpPr>
+      <p:sp>
+        <p:nvSpPr>
+          <p:cNvPr id="2" name="Title 1"/>
+          <p:cNvSpPr>
+            <a:spLocks noGrp="1"/>
+          </p:cNvSpPr>
+          <p:nvPr>
+            <p:ph type="title"/>
+          </p:nvPr>
+        </p:nvSpPr>
+        <p:spPr/>
+        <p:txBody>
+          <a:bodyPr/>
+          <a:lstStyle/>
+          <a:p>
+            <a:r>
+              <a:rPr lang="en-US" dirty="0" smtClean="0"/>
+              <a:t>Interfaces </a:t>
+            </a:r>
+            <a:r>
+              <a:rPr lang="en-US" dirty="0" err="1" smtClean="0"/>
+              <a:t>cont</a:t>
+            </a:r>
+            <a:r>
+              <a:rPr lang="en-US" dirty="0" smtClean="0"/>
+              <a:t>….</a:t>
+            </a:r>
+            <a:endParaRPr lang="en-US" dirty="0"/>
+          </a:p>
+        </p:txBody>
+      </p:sp>
+      <p:sp>
+        <p:nvSpPr>
+          <p:cNvPr id="4" name="Content Placeholder 3"/>
+          <p:cNvSpPr>
+            <a:spLocks noGrp="1"/>
+          </p:cNvSpPr>
+          <p:nvPr>
+            <p:ph idx="1"/>
+          </p:nvPr>
+        </p:nvSpPr>
+        <p:spPr/>
+        <p:txBody>
+          <a:bodyPr/>
+          <a:lstStyle/>
+          <a:p>
+            <a:endParaRPr lang="en-US"/>
+          </a:p>
+        </p:txBody>
+      </p:sp>
+      <p:pic>
+        <p:nvPicPr>
+          <p:cNvPr id="8195" name="Picture 3" descr="C:\Users\SaiKrishna\Desktop\Cb.png"/>
+          <p:cNvPicPr>
+            <a:picLocks noChangeAspect="1" noChangeArrowheads="1"/>
+          </p:cNvPicPr>
+          <p:nvPr/>
+        </p:nvPicPr>
+        <p:blipFill>
+          <a:blip r:embed="rId2">
+            <a:extLst>
+              <a:ext uri="{28A0092B-C50C-407E-A947-70E740481C1C}">
+                <a14:useLocalDpi xmlns:a14="http://schemas.microsoft.com/office/drawing/2010/main" val="0"/>
+              </a:ext>
+            </a:extLst>
+          </a:blip>
+          <a:srcRect/>
+          <a:stretch>
+            <a:fillRect/>
+          </a:stretch>
+        </p:blipFill>
+        <p:spPr bwMode="auto">
+          <a:xfrm>
+            <a:off x="381001" y="1447800"/>
+            <a:ext cx="8077200" cy="4800600"/>
+          </a:xfrm>
+          <a:prstGeom prst="rect">
+            <a:avLst/>
+          </a:prstGeom>
+          <a:noFill/>
+          <a:extLst>
+            <a:ext uri="{909E8E84-426E-40DD-AFC4-6F175D3DCCD1}">
+              <a14:hiddenFill xmlns:a14="http://schemas.microsoft.com/office/drawing/2010/main">
+                <a:solidFill>
+                  <a:srgbClr val="FFFFFF"/>
+                </a:solidFill>
+              </a14:hiddenFill>
+            </a:ext>
+          </a:extLst>
+        </p:spPr>
+      </p:pic>
+    </p:spTree>
+    <p:extLst>
+      <p:ext uri="{BB962C8B-B14F-4D97-AF65-F5344CB8AC3E}">
+        <p14:creationId xmlns:p14="http://schemas.microsoft.com/office/powerpoint/2010/main" val="4067657241"/>
+      </p:ext>
+    </p:extLst>
+  </p:cSld>
+  <p:clrMapOvr>
+    <a:masterClrMapping/>
+  </p:clrMapOvr>
+</p:sld>
+</file>
+
+<file path=ppt/slides/slide8.xml><?xml version="1.0" encoding="utf-8"?>
+<p:sld xmlns:a="http://schemas.openxmlformats.org/drawingml/2006/main" xmlns:r="http://schemas.openxmlformats.org/officeDocument/2006/relationships" xmlns:p="http://schemas.openxmlformats.org/presentationml/2006/main">
+  <p:cSld>
+    <p:spTree>
+      <p:nvGrpSpPr>
+        <p:cNvPr id="1" name=""/>
+        <p:cNvGrpSpPr/>
+        <p:nvPr/>
+      </p:nvGrpSpPr>
+      <p:grpSpPr>
+        <a:xfrm>
+          <a:off x="0" y="0"/>
+          <a:ext cx="0" cy="0"/>
+          <a:chOff x="0" y="0"/>
+          <a:chExt cx="0" cy="0"/>
+        </a:xfrm>
+      </p:grpSpPr>
+      <p:sp>
+        <p:nvSpPr>
+          <p:cNvPr id="2" name="Title 1"/>
+          <p:cNvSpPr>
+            <a:spLocks noGrp="1"/>
+          </p:cNvSpPr>
+          <p:nvPr>
+            <p:ph type="title"/>
+          </p:nvPr>
+        </p:nvSpPr>
+        <p:spPr/>
+        <p:txBody>
+          <a:bodyPr/>
+          <a:lstStyle/>
+          <a:p>
+            <a:r>
+              <a:rPr lang="en-US" dirty="0" smtClean="0"/>
               <a:t> Design Details</a:t>
             </a:r>
             <a:endParaRPr lang="en-US" dirty="0"/>
@@ -5157,7 +9127,9 @@
         </p:nvSpPr>
         <p:spPr/>
         <p:txBody>
-          <a:bodyPr/>
+          <a:bodyPr>
+            <a:normAutofit fontScale="92500" lnSpcReduction="20000"/>
+          </a:bodyPr>
           <a:lstStyle/>
           <a:p>
             <a:pPr marL="0" indent="0">
@@ -5165,8 +9137,68 @@
             </a:pPr>
             <a:r>
               <a:rPr lang="en-US" sz="2000" b="1" i="1" u="sng" dirty="0" smtClean="0"/>
-              <a:t> Processor:-</a:t>
-            </a:r>
+              <a:t>Cache:</a:t>
+            </a:r>
+          </a:p>
+          <a:p>
+            <a:pPr marL="0" indent="0">
+              <a:buNone/>
+            </a:pPr>
+            <a:endParaRPr lang="en-US" sz="2000" i="1" dirty="0" smtClean="0"/>
+          </a:p>
+          <a:p>
+            <a:pPr marL="0" indent="0">
+              <a:buNone/>
+            </a:pPr>
+            <a:endParaRPr lang="en-US" sz="2000" b="1" i="1" u="sng" dirty="0" smtClean="0"/>
+          </a:p>
+          <a:p>
+            <a:pPr marL="0" indent="0">
+              <a:buNone/>
+            </a:pPr>
+            <a:endParaRPr lang="en-US" sz="2000" b="1" i="1" u="sng" dirty="0"/>
+          </a:p>
+          <a:p>
+            <a:pPr marL="0" indent="0">
+              <a:buNone/>
+            </a:pPr>
+            <a:endParaRPr lang="en-US" sz="2000" b="1" i="1" u="sng" dirty="0" smtClean="0"/>
+          </a:p>
+          <a:p>
+            <a:pPr marL="0" indent="0">
+              <a:buNone/>
+            </a:pPr>
+            <a:endParaRPr lang="en-US" sz="2000" b="1" i="1" u="sng" dirty="0"/>
+          </a:p>
+          <a:p>
+            <a:pPr marL="0" indent="0">
+              <a:buNone/>
+            </a:pPr>
+            <a:endParaRPr lang="en-US" sz="2000" b="1" i="1" u="sng" dirty="0" smtClean="0"/>
+          </a:p>
+          <a:p>
+            <a:pPr marL="0" indent="0">
+              <a:buNone/>
+            </a:pPr>
+            <a:endParaRPr lang="en-US" sz="2000" b="1" i="1" u="sng" dirty="0"/>
+          </a:p>
+          <a:p>
+            <a:pPr marL="0" indent="0">
+              <a:buNone/>
+            </a:pPr>
+            <a:r>
+              <a:rPr lang="en-US" sz="2000" b="1" i="1" u="sng" dirty="0" smtClean="0"/>
+              <a:t> </a:t>
+            </a:r>
+            <a:r>
+              <a:rPr lang="en-US" sz="2000" b="1" i="1" u="sng" dirty="0" smtClean="0"/>
+              <a:t>Processor</a:t>
+            </a:r>
+            <a:r>
+              <a:rPr lang="en-US" sz="2000" b="1" i="1" u="sng" dirty="0" smtClean="0"/>
+              <a:t>:-</a:t>
+            </a:r>
+            <a:endParaRPr lang="en-US" sz="2000" b="1" i="1" u="sng" dirty="0" smtClean="0"/>
           </a:p>
           <a:p>
             <a:pPr>
@@ -5182,12 +9214,8 @@
               <a:t> </a:t>
             </a:r>
             <a:r>
-              <a:rPr lang="en-US" sz="1600" dirty="0" err="1" smtClean="0"/>
-              <a:t>Address,Data</a:t>
-            </a:r>
-            <a:r>
               <a:rPr lang="en-US" sz="1600" dirty="0" smtClean="0"/>
-              <a:t>)</a:t>
+              <a:t>Address, Data)</a:t>
             </a:r>
           </a:p>
           <a:p>
@@ -5197,7 +9225,15 @@
             </a:pPr>
             <a:r>
               <a:rPr lang="en-US" sz="1600" dirty="0" smtClean="0"/>
-              <a:t> First 45 instructions are deterministic and the rest are randomly generated.</a:t>
+              <a:t> First </a:t>
+            </a:r>
+            <a:r>
+              <a:rPr lang="en-US" sz="1600" dirty="0" smtClean="0"/>
+              <a:t>41 </a:t>
+            </a:r>
+            <a:r>
+              <a:rPr lang="en-US" sz="1600" dirty="0" smtClean="0"/>
+              <a:t>instructions are deterministic and the rest are randomly generated.</a:t>
             </a:r>
           </a:p>
           <a:p>
@@ -5207,7 +9243,19 @@
             </a:pPr>
             <a:r>
               <a:rPr lang="en-US" sz="1600" dirty="0" smtClean="0"/>
-              <a:t>Checks at every negedge of the clock for the stall signal and issues instructions.</a:t>
+              <a:t>Checks at every negedge of the clock for the </a:t>
+            </a:r>
+            <a:r>
+              <a:rPr lang="en-US" sz="1600" dirty="0" err="1" smtClean="0"/>
+              <a:t>deasserted</a:t>
+            </a:r>
+            <a:r>
+              <a:rPr lang="en-US" sz="1600" dirty="0" smtClean="0"/>
+              <a:t> stall </a:t>
+            </a:r>
+            <a:r>
+              <a:rPr lang="en-US" sz="1600" dirty="0" smtClean="0"/>
+              <a:t>signal and issues instructions.</a:t>
             </a:r>
           </a:p>
           <a:p>
@@ -5270,14 +9318,14 @@
           <p:nvPr>
             <p:extLst>
               <p:ext uri="{D42A27DB-BD31-4B8C-83A1-F6EECF244321}">
-                <p14:modId xmlns:p14="http://schemas.microsoft.com/office/powerpoint/2010/main" val="3916162810"/>
+                <p14:modId xmlns:p14="http://schemas.microsoft.com/office/powerpoint/2010/main" val="381788914"/>
               </p:ext>
             </p:extLst>
           </p:nvPr>
         </p:nvGraphicFramePr>
         <p:xfrm>
-          <a:off x="914400" y="3886200"/>
-          <a:ext cx="5867400" cy="2468880"/>
+          <a:off x="3200400" y="152400"/>
+          <a:ext cx="5867400" cy="3017520"/>
         </p:xfrm>
         <a:graphic>
           <a:graphicData uri="http://schemas.openxmlformats.org/drawingml/2006/table">
@@ -5289,7 +9337,7 @@
                 <a:gridCol w="2535296"/>
                 <a:gridCol w="3332104"/>
               </a:tblGrid>
-              <a:tr h="375355">
+              <a:tr h="152400">
                 <a:tc>
                   <a:txBody>
                     <a:bodyPr/>
@@ -5361,11 +9409,15 @@
                     <a:p>
                       <a:r>
                         <a:rPr lang="en-US" dirty="0" smtClean="0"/>
-                        <a:t>Address           2</a:t>
+                        <a:t>Address           </a:t>
+                      </a:r>
+                      <a:r>
+                        <a:rPr lang="en-US" dirty="0" smtClean="0"/>
+                        <a:t>16</a:t>
                       </a:r>
                       <a:r>
                         <a:rPr lang="en-US" baseline="0" dirty="0" smtClean="0"/>
-                        <a:t> bytes</a:t>
+                        <a:t> bits</a:t>
                       </a:r>
                       <a:endParaRPr lang="en-US" dirty="0"/>
                     </a:p>
@@ -5399,7 +9451,11 @@
                       </a:r>
                       <a:r>
                         <a:rPr lang="en-US" baseline="0" dirty="0" smtClean="0"/>
-                        <a:t>                  1bytes</a:t>
+                        <a:t>                  </a:t>
+                      </a:r>
+                      <a:r>
+                        <a:rPr lang="en-US" baseline="0" dirty="0" smtClean="0"/>
+                        <a:t>1byte</a:t>
                       </a:r>
                       <a:endParaRPr lang="en-US" dirty="0"/>
                     </a:p>
@@ -5489,255 +9545,13 @@
           </a:graphicData>
         </a:graphic>
       </p:graphicFrame>
-    </p:spTree>
-    <p:extLst>
-      <p:ext uri="{BB962C8B-B14F-4D97-AF65-F5344CB8AC3E}">
-        <p14:creationId xmlns:p14="http://schemas.microsoft.com/office/powerpoint/2010/main" val="3945631851"/>
-      </p:ext>
-    </p:extLst>
-  </p:cSld>
-  <p:clrMapOvr>
-    <a:masterClrMapping/>
-  </p:clrMapOvr>
-  <p:timing>
-    <p:tnLst>
-      <p:par>
-        <p:cTn id="1" dur="indefinite" restart="never" nodeType="tmRoot"/>
-      </p:par>
-    </p:tnLst>
-  </p:timing>
-</p:sld>
-</file>
-
-<file path=ppt/slides/slide6.xml><?xml version="1.0" encoding="utf-8"?>
-<p:sld xmlns:a="http://schemas.openxmlformats.org/drawingml/2006/main" xmlns:r="http://schemas.openxmlformats.org/officeDocument/2006/relationships" xmlns:p="http://schemas.openxmlformats.org/presentationml/2006/main">
-  <p:cSld>
-    <p:spTree>
-      <p:nvGrpSpPr>
-        <p:cNvPr id="1" name=""/>
-        <p:cNvGrpSpPr/>
-        <p:nvPr/>
-      </p:nvGrpSpPr>
-      <p:grpSpPr>
-        <a:xfrm>
-          <a:off x="0" y="0"/>
-          <a:ext cx="0" cy="0"/>
-          <a:chOff x="0" y="0"/>
-          <a:chExt cx="0" cy="0"/>
-        </a:xfrm>
-      </p:grpSpPr>
-      <p:sp>
-        <p:nvSpPr>
-          <p:cNvPr id="2" name="Title 1"/>
-          <p:cNvSpPr>
-            <a:spLocks noGrp="1"/>
-          </p:cNvSpPr>
-          <p:nvPr>
-            <p:ph type="title"/>
-          </p:nvPr>
-        </p:nvSpPr>
-        <p:spPr/>
-        <p:txBody>
-          <a:bodyPr/>
-          <a:lstStyle/>
-          <a:p>
-            <a:r>
-              <a:rPr lang="en-US" dirty="0" smtClean="0"/>
-              <a:t>Design Details </a:t>
-            </a:r>
-            <a:r>
-              <a:rPr lang="en-US" dirty="0" err="1" smtClean="0"/>
-              <a:t>conti</a:t>
-            </a:r>
-            <a:r>
-              <a:rPr lang="en-US" dirty="0" smtClean="0"/>
-              <a:t>…</a:t>
-            </a:r>
-            <a:endParaRPr lang="en-US" dirty="0"/>
-          </a:p>
-        </p:txBody>
-      </p:sp>
-      <p:sp>
-        <p:nvSpPr>
-          <p:cNvPr id="3" name="Content Placeholder 2"/>
-          <p:cNvSpPr>
-            <a:spLocks noGrp="1"/>
-          </p:cNvSpPr>
-          <p:nvPr>
-            <p:ph idx="1"/>
-          </p:nvPr>
-        </p:nvSpPr>
-        <p:spPr/>
-        <p:txBody>
-          <a:bodyPr>
-            <a:normAutofit/>
-          </a:bodyPr>
-          <a:lstStyle/>
-          <a:p>
-            <a:pPr marL="0" indent="0">
-              <a:buNone/>
-            </a:pPr>
-            <a:r>
-              <a:rPr lang="en-US" b="1" i="1" u="sng" dirty="0" smtClean="0"/>
-              <a:t>Cache</a:t>
-            </a:r>
-          </a:p>
-          <a:p>
-            <a:r>
-              <a:rPr lang="en-US" sz="2000" dirty="0" smtClean="0"/>
-              <a:t>4 way set associative cache.</a:t>
-            </a:r>
-          </a:p>
-          <a:p>
-            <a:r>
-              <a:rPr lang="en-US" sz="2000" dirty="0" smtClean="0"/>
-              <a:t>Cache size is 4 KB and 256 cache lines.</a:t>
-            </a:r>
-          </a:p>
-          <a:p>
-            <a:r>
-              <a:rPr lang="en-US" sz="2000" dirty="0" smtClean="0"/>
-              <a:t>4 blocks in each way of the set.</a:t>
-            </a:r>
-          </a:p>
-          <a:p>
-            <a:r>
-              <a:rPr lang="en-US" sz="2000" dirty="0" smtClean="0"/>
-              <a:t>Cache Block contains Tag (6 bits) , LRU bit(2 bits) , State, Data</a:t>
-            </a:r>
-            <a:r>
-              <a:rPr lang="en-US" dirty="0" smtClean="0"/>
-              <a:t>. </a:t>
-            </a:r>
-          </a:p>
-          <a:p>
-            <a:pPr marL="0" indent="0">
-              <a:buNone/>
-            </a:pPr>
-            <a:r>
-              <a:rPr lang="en-US" b="1" i="1" u="sng" dirty="0" smtClean="0"/>
-              <a:t>Memory</a:t>
-            </a:r>
-          </a:p>
-          <a:p>
-            <a:r>
-              <a:rPr lang="en-US" sz="2000" dirty="0" smtClean="0"/>
-              <a:t>Memory size is 256KB</a:t>
-            </a:r>
-          </a:p>
-          <a:p>
-            <a:r>
-              <a:rPr lang="en-US" sz="2000" dirty="0" smtClean="0"/>
-              <a:t>Randomly generated the Data and stored it in a memory image.</a:t>
-            </a:r>
-          </a:p>
-          <a:p>
-            <a:r>
-              <a:rPr lang="en-US" sz="2000" dirty="0" err="1" smtClean="0"/>
-              <a:t>Readmemh</a:t>
-            </a:r>
-            <a:r>
-              <a:rPr lang="en-US" sz="2000" dirty="0" smtClean="0"/>
-              <a:t>() &amp; </a:t>
-            </a:r>
-            <a:r>
-              <a:rPr lang="en-US" sz="2000" dirty="0" err="1" smtClean="0"/>
-              <a:t>writememh</a:t>
-            </a:r>
-            <a:r>
-              <a:rPr lang="en-US" sz="2000" dirty="0" smtClean="0"/>
-              <a:t>() functions are used to fetch and write  the data from/to the memory image respectively. </a:t>
-            </a:r>
-          </a:p>
-          <a:p>
-            <a:endParaRPr lang="en-US" dirty="0"/>
-          </a:p>
-        </p:txBody>
-      </p:sp>
-    </p:spTree>
-    <p:extLst>
-      <p:ext uri="{BB962C8B-B14F-4D97-AF65-F5344CB8AC3E}">
-        <p14:creationId xmlns:p14="http://schemas.microsoft.com/office/powerpoint/2010/main" val="761165857"/>
-      </p:ext>
-    </p:extLst>
-  </p:cSld>
-  <p:clrMapOvr>
-    <a:masterClrMapping/>
-  </p:clrMapOvr>
-  <p:timing>
-    <p:tnLst>
-      <p:par>
-        <p:cTn id="1" dur="indefinite" restart="never" nodeType="tmRoot"/>
-      </p:par>
-    </p:tnLst>
-  </p:timing>
-</p:sld>
-</file>
-
-<file path=ppt/slides/slide7.xml><?xml version="1.0" encoding="utf-8"?>
-<p:sld xmlns:a="http://schemas.openxmlformats.org/drawingml/2006/main" xmlns:r="http://schemas.openxmlformats.org/officeDocument/2006/relationships" xmlns:p="http://schemas.openxmlformats.org/presentationml/2006/main">
-  <p:cSld>
-    <p:spTree>
-      <p:nvGrpSpPr>
-        <p:cNvPr id="1" name=""/>
-        <p:cNvGrpSpPr/>
-        <p:nvPr/>
-      </p:nvGrpSpPr>
-      <p:grpSpPr>
-        <a:xfrm>
-          <a:off x="0" y="0"/>
-          <a:ext cx="0" cy="0"/>
-          <a:chOff x="0" y="0"/>
-          <a:chExt cx="0" cy="0"/>
-        </a:xfrm>
-      </p:grpSpPr>
-      <p:sp>
-        <p:nvSpPr>
-          <p:cNvPr id="2" name="Title 1"/>
-          <p:cNvSpPr>
-            <a:spLocks noGrp="1"/>
-          </p:cNvSpPr>
-          <p:nvPr>
-            <p:ph type="title"/>
-          </p:nvPr>
-        </p:nvSpPr>
-        <p:spPr>
-          <a:xfrm>
-            <a:off x="481584" y="710184"/>
-            <a:ext cx="8510016" cy="509016"/>
-          </a:xfrm>
-        </p:spPr>
-        <p:txBody>
-          <a:bodyPr>
-            <a:noAutofit/>
-          </a:bodyPr>
-          <a:lstStyle/>
-          <a:p>
-            <a:r>
-              <a:rPr lang="en-US" sz="3200" dirty="0" smtClean="0"/>
-              <a:t>Cache controller(small changes in </a:t>
-            </a:r>
-            <a:r>
-              <a:rPr lang="en-US" sz="3200" dirty="0" err="1" smtClean="0"/>
-              <a:t>pic..use</a:t>
-            </a:r>
-            <a:r>
-              <a:rPr lang="en-US" sz="3200" dirty="0" smtClean="0"/>
-              <a:t> Reset in)</a:t>
-            </a:r>
-            <a:endParaRPr lang="en-US" sz="3200" dirty="0"/>
-          </a:p>
-        </p:txBody>
-      </p:sp>
       <p:pic>
         <p:nvPicPr>
-          <p:cNvPr id="2050" name="Picture 2" descr="C:\Users\SaiKrishna\Downloads\System Verilog Diagram\System Verilog Diagram\State Machine_controller.png"/>
+          <p:cNvPr id="6146" name="Picture 2" descr="C:\Users\SaiKrishna\Desktop\param.png"/>
           <p:cNvPicPr>
-            <a:picLocks noGrp="1" noChangeAspect="1" noChangeArrowheads="1"/>
+            <a:picLocks noChangeAspect="1" noChangeArrowheads="1"/>
           </p:cNvPicPr>
-          <p:nvPr>
-            <p:ph idx="1"/>
-          </p:nvPr>
+          <p:nvPr/>
         </p:nvPicPr>
         <p:blipFill>
           <a:blip r:embed="rId2">
@@ -5754,8 +9568,8 @@
         </p:blipFill>
         <p:spPr bwMode="auto">
           <a:xfrm>
-            <a:off x="2133600" y="1752600"/>
-            <a:ext cx="4267200" cy="4937442"/>
+            <a:off x="1066800" y="2042160"/>
+            <a:ext cx="6864802" cy="1691640"/>
           </a:xfrm>
           <a:prstGeom prst="rect">
             <a:avLst/>
@@ -5775,170 +9589,13 @@
     </p:spTree>
     <p:extLst>
       <p:ext uri="{BB962C8B-B14F-4D97-AF65-F5344CB8AC3E}">
-        <p14:creationId xmlns:p14="http://schemas.microsoft.com/office/powerpoint/2010/main" val="1315997486"/>
+        <p14:creationId xmlns:p14="http://schemas.microsoft.com/office/powerpoint/2010/main" val="2496508503"/>
       </p:ext>
     </p:extLst>
   </p:cSld>
   <p:clrMapOvr>
     <a:masterClrMapping/>
   </p:clrMapOvr>
-  <p:timing>
-    <p:tnLst>
-      <p:par>
-        <p:cTn id="1" dur="indefinite" restart="never" nodeType="tmRoot"/>
-      </p:par>
-    </p:tnLst>
-  </p:timing>
-</p:sld>
-</file>
-
-<file path=ppt/slides/slide8.xml><?xml version="1.0" encoding="utf-8"?>
-<p:sld xmlns:a="http://schemas.openxmlformats.org/drawingml/2006/main" xmlns:r="http://schemas.openxmlformats.org/officeDocument/2006/relationships" xmlns:p="http://schemas.openxmlformats.org/presentationml/2006/main" show="0">
-  <p:cSld>
-    <p:spTree>
-      <p:nvGrpSpPr>
-        <p:cNvPr id="1" name=""/>
-        <p:cNvGrpSpPr/>
-        <p:nvPr/>
-      </p:nvGrpSpPr>
-      <p:grpSpPr>
-        <a:xfrm>
-          <a:off x="0" y="0"/>
-          <a:ext cx="0" cy="0"/>
-          <a:chOff x="0" y="0"/>
-          <a:chExt cx="0" cy="0"/>
-        </a:xfrm>
-      </p:grpSpPr>
-      <p:sp>
-        <p:nvSpPr>
-          <p:cNvPr id="2" name="Title 1"/>
-          <p:cNvSpPr>
-            <a:spLocks noGrp="1"/>
-          </p:cNvSpPr>
-          <p:nvPr>
-            <p:ph type="title"/>
-          </p:nvPr>
-        </p:nvSpPr>
-        <p:spPr>
-          <a:xfrm>
-            <a:off x="457200" y="704088"/>
-            <a:ext cx="6781800" cy="819912"/>
-          </a:xfrm>
-        </p:spPr>
-        <p:txBody>
-          <a:bodyPr>
-            <a:normAutofit/>
-          </a:bodyPr>
-          <a:lstStyle/>
-          <a:p>
-            <a:r>
-              <a:rPr lang="en-US" dirty="0" smtClean="0"/>
-              <a:t>Dragon update protocol</a:t>
-            </a:r>
-            <a:endParaRPr lang="en-US" dirty="0"/>
-          </a:p>
-        </p:txBody>
-      </p:sp>
-      <p:pic>
-        <p:nvPicPr>
-          <p:cNvPr id="3074" name="Picture 2" descr="C:\Users\SaiKrishna\Downloads\System Verilog Diagram\System Verilog Diagram\Dragon Protocol.png"/>
-          <p:cNvPicPr>
-            <a:picLocks noGrp="1" noChangeAspect="1" noChangeArrowheads="1"/>
-          </p:cNvPicPr>
-          <p:nvPr>
-            <p:ph idx="1"/>
-          </p:nvPr>
-        </p:nvPicPr>
-        <p:blipFill>
-          <a:blip r:embed="rId2">
-            <a:extLst>
-              <a:ext uri="{28A0092B-C50C-407E-A947-70E740481C1C}">
-                <a14:useLocalDpi xmlns:a14="http://schemas.microsoft.com/office/drawing/2010/main" val="0"/>
-              </a:ext>
-            </a:extLst>
-          </a:blip>
-          <a:srcRect/>
-          <a:stretch>
-            <a:fillRect/>
-          </a:stretch>
-        </p:blipFill>
-        <p:spPr bwMode="auto">
-          <a:xfrm>
-            <a:off x="1676400" y="1981200"/>
-            <a:ext cx="5867399" cy="3945380"/>
-          </a:xfrm>
-          <a:prstGeom prst="rect">
-            <a:avLst/>
-          </a:prstGeom>
-          <a:ln>
-            <a:noFill/>
-          </a:ln>
-          <a:effectLst>
-            <a:outerShdw blurRad="292100" dist="139700" dir="2700000" algn="tl" rotWithShape="0">
-              <a:srgbClr val="333333">
-                <a:alpha val="65000"/>
-              </a:srgbClr>
-            </a:outerShdw>
-          </a:effectLst>
-          <a:extLst>
-            <a:ext uri="{909E8E84-426E-40DD-AFC4-6F175D3DCCD1}">
-              <a14:hiddenFill xmlns:a14="http://schemas.microsoft.com/office/drawing/2010/main">
-                <a:solidFill>
-                  <a:srgbClr val="FFFFFF"/>
-                </a:solidFill>
-              </a14:hiddenFill>
-            </a:ext>
-          </a:extLst>
-        </p:spPr>
-      </p:pic>
-      <p:sp>
-        <p:nvSpPr>
-          <p:cNvPr id="6" name="TextBox 5"/>
-          <p:cNvSpPr txBox="1"/>
-          <p:nvPr/>
-        </p:nvSpPr>
-        <p:spPr>
-          <a:xfrm>
-            <a:off x="7467600" y="6400800"/>
-            <a:ext cx="1524000" cy="246221"/>
-          </a:xfrm>
-          <a:prstGeom prst="rect">
-            <a:avLst/>
-          </a:prstGeom>
-          <a:noFill/>
-        </p:spPr>
-        <p:txBody>
-          <a:bodyPr wrap="square" rtlCol="0">
-            <a:spAutoFit/>
-          </a:bodyPr>
-          <a:lstStyle/>
-          <a:p>
-            <a:r>
-              <a:rPr lang="en-US" sz="1000" dirty="0" smtClean="0"/>
-              <a:t>Source: CMU</a:t>
-            </a:r>
-            <a:endParaRPr lang="en-US" sz="1000" dirty="0"/>
-          </a:p>
-        </p:txBody>
-      </p:sp>
-    </p:spTree>
-    <p:extLst>
-      <p:ext uri="{BB962C8B-B14F-4D97-AF65-F5344CB8AC3E}">
-        <p14:creationId xmlns:p14="http://schemas.microsoft.com/office/powerpoint/2010/main" val="2656744791"/>
-      </p:ext>
-    </p:extLst>
-  </p:cSld>
-  <p:clrMapOvr>
-    <a:masterClrMapping/>
-  </p:clrMapOvr>
-  <mc:AlternateContent xmlns:mc="http://schemas.openxmlformats.org/markup-compatibility/2006">
-    <mc:Choice xmlns:p14="http://schemas.microsoft.com/office/powerpoint/2010/main" Requires="p14">
-      <p:transition spd="slow" p14:dur="2000"/>
-    </mc:Choice>
-    <mc:Fallback>
-      <p:transition spd="slow"/>
-    </mc:Fallback>
-  </mc:AlternateContent>
   <p:timing>
     <p:tnLst>
       <p:par>
@@ -5983,7 +9640,7 @@
           <a:p>
             <a:r>
               <a:rPr lang="en-US" dirty="0" smtClean="0"/>
-              <a:t>Verification Plan(more on this)</a:t>
+              <a:t>Design Details conti…</a:t>
             </a:r>
             <a:endParaRPr lang="en-US" dirty="0"/>
           </a:p>
@@ -6001,38 +9658,116 @@
         </p:nvSpPr>
         <p:spPr/>
         <p:txBody>
-          <a:bodyPr/>
-          <a:lstStyle/>
-          <a:p>
-            <a:r>
-              <a:rPr lang="en-US" dirty="0" smtClean="0"/>
-              <a:t>Bottom Up Approach is followed.</a:t>
-            </a:r>
-          </a:p>
-          <a:p>
-            <a:r>
-              <a:rPr lang="en-US" dirty="0" smtClean="0"/>
-              <a:t>Individually verified Cache Controller, Protocol and Top Module.</a:t>
-            </a:r>
-          </a:p>
-          <a:p>
-            <a:r>
-              <a:rPr lang="en-US" dirty="0" smtClean="0"/>
-              <a:t>Checker is used to validating input data and state.</a:t>
+          <a:bodyPr>
+            <a:normAutofit lnSpcReduction="10000"/>
+          </a:bodyPr>
+          <a:lstStyle/>
+          <a:p>
+            <a:pPr marL="0" indent="0">
+              <a:buNone/>
+            </a:pPr>
+            <a:r>
+              <a:rPr lang="en-US" b="1" i="1" u="sng" dirty="0" smtClean="0"/>
+              <a:t>Cache</a:t>
+            </a:r>
+          </a:p>
+          <a:p>
+            <a:r>
+              <a:rPr lang="en-US" sz="2000" dirty="0" smtClean="0"/>
+              <a:t>4 way set associative cache.</a:t>
+            </a:r>
+          </a:p>
+          <a:p>
+            <a:r>
+              <a:rPr lang="en-US" sz="2000" dirty="0" smtClean="0"/>
+              <a:t>Cache size is 4 KB and 256 cache </a:t>
+            </a:r>
+            <a:r>
+              <a:rPr lang="en-US" sz="2000" dirty="0" smtClean="0"/>
+              <a:t>sets</a:t>
+            </a:r>
+            <a:r>
+              <a:rPr lang="en-US" sz="2000" dirty="0" smtClean="0"/>
+              <a:t>.</a:t>
+            </a:r>
+            <a:endParaRPr lang="en-US" sz="2000" dirty="0" smtClean="0"/>
+          </a:p>
+          <a:p>
+            <a:r>
+              <a:rPr lang="en-US" sz="2000" dirty="0" smtClean="0"/>
+              <a:t>4 blocks in each way of the set.</a:t>
+            </a:r>
+          </a:p>
+          <a:p>
+            <a:r>
+              <a:rPr lang="en-US" sz="2000" dirty="0" smtClean="0"/>
+              <a:t>Cache Block contains Tag (6 bits) , LRU </a:t>
+            </a:r>
+            <a:r>
+              <a:rPr lang="en-US" sz="2000" dirty="0" smtClean="0"/>
+              <a:t>bit(3bits</a:t>
+            </a:r>
+            <a:r>
+              <a:rPr lang="en-US" sz="2000" dirty="0" smtClean="0"/>
+              <a:t>) , State, Data</a:t>
+            </a:r>
+            <a:r>
+              <a:rPr lang="en-US" dirty="0" smtClean="0"/>
+              <a:t>. </a:t>
+            </a:r>
+          </a:p>
+          <a:p>
+            <a:pPr marL="0" indent="0">
+              <a:buNone/>
+            </a:pPr>
+            <a:r>
+              <a:rPr lang="en-US" b="1" i="1" u="sng" dirty="0" smtClean="0"/>
+              <a:t>Memory</a:t>
+            </a:r>
+          </a:p>
+          <a:p>
+            <a:r>
+              <a:rPr lang="en-US" sz="2000" dirty="0" smtClean="0"/>
+              <a:t>Memory size is 256KB</a:t>
+            </a:r>
+          </a:p>
+          <a:p>
+            <a:r>
+              <a:rPr lang="en-US" sz="2000" dirty="0" smtClean="0"/>
+              <a:t>Randomly generated the Data and stored it in a memory image.</a:t>
+            </a:r>
+          </a:p>
+          <a:p>
+            <a:r>
+              <a:rPr lang="en-US" sz="2000" dirty="0" err="1"/>
+              <a:t>r</a:t>
+            </a:r>
+            <a:r>
+              <a:rPr lang="en-US" sz="2000" dirty="0" err="1" smtClean="0"/>
+              <a:t>eadmemh</a:t>
+            </a:r>
+            <a:r>
+              <a:rPr lang="en-US" sz="2000" dirty="0" smtClean="0"/>
+              <a:t>() &amp; </a:t>
+            </a:r>
+            <a:r>
+              <a:rPr lang="en-US" sz="2000" dirty="0" err="1" smtClean="0"/>
+              <a:t>writememh</a:t>
+            </a:r>
+            <a:r>
+              <a:rPr lang="en-US" sz="2000" dirty="0" smtClean="0"/>
+              <a:t>() functions are used to fetch and write  the data from/to the memory image respectively. </a:t>
             </a:r>
           </a:p>
           <a:p>
             <a:endParaRPr lang="en-US" dirty="0"/>
-          </a:p>
-          <a:p>
-            <a:endParaRPr lang="en-US" dirty="0" smtClean="0"/>
           </a:p>
         </p:txBody>
       </p:sp>
     </p:spTree>
     <p:extLst>
       <p:ext uri="{BB962C8B-B14F-4D97-AF65-F5344CB8AC3E}">
-        <p14:creationId xmlns:p14="http://schemas.microsoft.com/office/powerpoint/2010/main" val="1409753303"/>
+        <p14:creationId xmlns:p14="http://schemas.microsoft.com/office/powerpoint/2010/main" val="4128162568"/>
       </p:ext>
     </p:extLst>
   </p:cSld>
@@ -6050,9 +9785,9 @@
 </file>
 
 <file path=ppt/theme/theme1.xml><?xml version="1.0" encoding="utf-8"?>
-<a:theme xmlns:a="http://schemas.openxmlformats.org/drawingml/2006/main" name="Flow">
+<a:theme xmlns:a="http://schemas.openxmlformats.org/drawingml/2006/main" name="Technic">
   <a:themeElements>
-    <a:clrScheme name="Flow">
+    <a:clrScheme name="Technic">
       <a:dk1>
         <a:sysClr val="windowText" lastClr="000000"/>
       </a:dk1>
@@ -6060,46 +9795,46 @@
         <a:sysClr val="window" lastClr="FFFFFF"/>
       </a:lt1>
       <a:dk2>
-        <a:srgbClr val="04617B"/>
+        <a:srgbClr val="3B3B3B"/>
       </a:dk2>
       <a:lt2>
-        <a:srgbClr val="DBF5F9"/>
+        <a:srgbClr val="D4D2D0"/>
       </a:lt2>
       <a:accent1>
-        <a:srgbClr val="0F6FC6"/>
+        <a:srgbClr val="6EA0B0"/>
       </a:accent1>
       <a:accent2>
-        <a:srgbClr val="009DD9"/>
+        <a:srgbClr val="CCAF0A"/>
       </a:accent2>
       <a:accent3>
-        <a:srgbClr val="0BD0D9"/>
+        <a:srgbClr val="8D89A4"/>
       </a:accent3>
       <a:accent4>
-        <a:srgbClr val="10CF9B"/>
+        <a:srgbClr val="748560"/>
       </a:accent4>
       <a:accent5>
-        <a:srgbClr val="7CCA62"/>
+        <a:srgbClr val="9E9273"/>
       </a:accent5>
       <a:accent6>
-        <a:srgbClr val="A5C249"/>
+        <a:srgbClr val="7E848D"/>
       </a:accent6>
       <a:hlink>
-        <a:srgbClr val="F49100"/>
+        <a:srgbClr val="00C8C3"/>
       </a:hlink>
       <a:folHlink>
-        <a:srgbClr val="85DFD0"/>
+        <a:srgbClr val="A116E0"/>
       </a:folHlink>
     </a:clrScheme>
-    <a:fontScheme name="Flow">
+    <a:fontScheme name="Technic">
       <a:majorFont>
-        <a:latin typeface="Calibri"/>
+        <a:latin typeface="Franklin Gothic Book"/>
         <a:ea typeface=""/>
         <a:cs typeface=""/>
         <a:font script="Jpan" typeface="ＭＳ Ｐゴシック"/>
-        <a:font script="Hang" typeface="HY중고딕"/>
-        <a:font script="Hans" typeface="隶书"/>
+        <a:font script="Hang" typeface="HY견고딕"/>
+        <a:font script="Hans" typeface="宋体"/>
         <a:font script="Hant" typeface="微軟正黑體"/>
-        <a:font script="Arab" typeface="Traditional Arabic"/>
+        <a:font script="Arab" typeface="Tahoma"/>
         <a:font script="Hebr" typeface="Arial"/>
         <a:font script="Thai" typeface="Cordia New"/>
         <a:font script="Ethi" typeface="Nyala"/>
@@ -6124,22 +9859,23 @@
         <a:font script="Mong" typeface="Mongolian Baiti"/>
         <a:font script="Viet" typeface="Arial"/>
         <a:font script="Uigh" typeface="Microsoft Uighur"/>
+        <a:font script="Geor" typeface="Sylfaen"/>
       </a:majorFont>
       <a:minorFont>
-        <a:latin typeface="Constantia"/>
+        <a:latin typeface="Arial"/>
         <a:ea typeface=""/>
         <a:cs typeface=""/>
-        <a:font script="Jpan" typeface="HGP明朝E"/>
-        <a:font script="Hang" typeface="HY신명조"/>
-        <a:font script="Hans" typeface="宋体"/>
-        <a:font script="Hant" typeface="新細明體"/>
-        <a:font script="Arab" typeface="Majalla UI"/>
-        <a:font script="Hebr" typeface="David"/>
-        <a:font script="Thai" typeface="Browallia New"/>
+        <a:font script="Jpan" typeface="HGｺﾞｼｯｸM"/>
+        <a:font script="Hang" typeface="HY중고딕"/>
+        <a:font script="Hans" typeface="黑体"/>
+        <a:font script="Hant" typeface="微軟正黑體"/>
+        <a:font script="Arab" typeface="Tahoma"/>
+        <a:font script="Hebr" typeface="Levenim MT"/>
+        <a:font script="Thai" typeface="LilyUPC"/>
         <a:font script="Ethi" typeface="Nyala"/>
         <a:font script="Beng" typeface="Vrinda"/>
         <a:font script="Gujr" typeface="Shruti"/>
-        <a:font script="Khmr" typeface="MoolBoran"/>
+        <a:font script="Khmr" typeface="DaunPenh"/>
         <a:font script="Knda" typeface="Tunga"/>
         <a:font script="Guru" typeface="Raavi"/>
         <a:font script="Cans" typeface="Euphemia"/>
@@ -6156,11 +9892,12 @@
         <a:font script="Laoo" typeface="DokChampa"/>
         <a:font script="Sinh" typeface="Iskoola Pota"/>
         <a:font script="Mong" typeface="Mongolian Baiti"/>
-        <a:font script="Viet" typeface="Times New Roman"/>
+        <a:font script="Viet" typeface="Arial"/>
         <a:font script="Uigh" typeface="Microsoft Uighur"/>
+        <a:font script="Geor" typeface="Sylfaen"/>
       </a:minorFont>
     </a:fontScheme>
-    <a:fmtScheme name="Flow">
+    <a:fmtScheme name="Technic">
       <a:fillStyleLst>
         <a:solidFill>
           <a:schemeClr val="phClr"/>
@@ -6169,77 +9906,99 @@
           <a:gsLst>
             <a:gs pos="0">
               <a:schemeClr val="phClr">
-                <a:tint val="70000"/>
-                <a:satMod val="130000"/>
+                <a:tint val="1000"/>
               </a:schemeClr>
             </a:gs>
-            <a:gs pos="43000">
+            <a:gs pos="68000">
               <a:schemeClr val="phClr">
-                <a:tint val="44000"/>
-                <a:satMod val="165000"/>
+                <a:tint val="77000"/>
               </a:schemeClr>
             </a:gs>
-            <a:gs pos="93000">
+            <a:gs pos="81000">
               <a:schemeClr val="phClr">
-                <a:tint val="15000"/>
-                <a:satMod val="165000"/>
+                <a:tint val="79000"/>
+              </a:schemeClr>
+            </a:gs>
+            <a:gs pos="86000">
+              <a:schemeClr val="phClr">
+                <a:tint val="73000"/>
               </a:schemeClr>
             </a:gs>
             <a:gs pos="100000">
               <a:schemeClr val="phClr">
-                <a:tint val="5000"/>
-                <a:satMod val="250000"/>
+                <a:tint val="35000"/>
               </a:schemeClr>
             </a:gs>
           </a:gsLst>
-          <a:path path="circle">
-            <a:fillToRect l="50000" t="130000" r="50000" b="-30000"/>
-          </a:path>
+          <a:lin ang="5400000" scaled="1"/>
         </a:gradFill>
         <a:gradFill rotWithShape="1">
           <a:gsLst>
             <a:gs pos="0">
               <a:schemeClr val="phClr">
-                <a:tint val="98000"/>
-                <a:shade val="25000"/>
-                <a:satMod val="250000"/>
+                <a:tint val="73000"/>
+                <a:satMod val="150000"/>
               </a:schemeClr>
             </a:gs>
-            <a:gs pos="68000">
+            <a:gs pos="25000">
               <a:schemeClr val="phClr">
-                <a:tint val="86000"/>
-                <a:satMod val="115000"/>
+                <a:tint val="96000"/>
+                <a:shade val="80000"/>
+                <a:satMod val="105000"/>
+              </a:schemeClr>
+            </a:gs>
+            <a:gs pos="38000">
+              <a:schemeClr val="phClr">
+                <a:tint val="96000"/>
+                <a:shade val="59000"/>
+                <a:satMod val="120000"/>
+              </a:schemeClr>
+            </a:gs>
+            <a:gs pos="55000">
+              <a:schemeClr val="phClr">
+                <a:shade val="57000"/>
+                <a:satMod val="120000"/>
+              </a:schemeClr>
+            </a:gs>
+            <a:gs pos="80000">
+              <a:schemeClr val="phClr">
+                <a:shade val="56000"/>
+                <a:satMod val="145000"/>
+              </a:schemeClr>
+            </a:gs>
+            <a:gs pos="88000">
+              <a:schemeClr val="phClr">
+                <a:shade val="63000"/>
+                <a:satMod val="160000"/>
               </a:schemeClr>
             </a:gs>
             <a:gs pos="100000">
               <a:schemeClr val="phClr">
-                <a:tint val="50000"/>
-                <a:satMod val="150000"/>
+                <a:tint val="99555"/>
+                <a:satMod val="155000"/>
               </a:schemeClr>
             </a:gs>
           </a:gsLst>
-          <a:path path="circle">
-            <a:fillToRect l="50000" t="130000" r="50000" b="-30000"/>
-          </a:path>
+          <a:lin ang="5400000" scaled="1"/>
         </a:gradFill>
       </a:fillStyleLst>
       <a:lnStyleLst>
         <a:ln w="9525" cap="flat" cmpd="sng" algn="ctr">
           <a:solidFill>
             <a:schemeClr val="phClr">
-              <a:shade val="50000"/>
-              <a:satMod val="103000"/>
+              <a:shade val="60000"/>
+              <a:satMod val="300000"/>
             </a:schemeClr>
           </a:solidFill>
           <a:prstDash val="solid"/>
         </a:ln>
-        <a:ln w="25400" cap="flat" cmpd="sng" algn="ctr">
+        <a:ln w="19050" cap="flat" cmpd="sng" algn="ctr">
           <a:solidFill>
             <a:schemeClr val="phClr"/>
           </a:solidFill>
           <a:prstDash val="solid"/>
         </a:ln>
-        <a:ln w="38100" cap="flat" cmpd="sng" algn="ctr">
+        <a:ln w="19050" cap="flat" cmpd="sng" algn="ctr">
           <a:solidFill>
             <a:schemeClr val="phClr"/>
           </a:solidFill>
@@ -6249,46 +10008,55 @@
       <a:effectStyleLst>
         <a:effectStyle>
           <a:effectLst>
-            <a:outerShdw blurRad="57150" dist="38100" dir="5400000" algn="ctr" rotWithShape="0">
+            <a:glow rad="63500">
               <a:schemeClr val="phClr">
-                <a:shade val="9000"/>
-                <a:alpha val="48000"/>
-                <a:satMod val="105000"/>
+                <a:tint val="30000"/>
+                <a:shade val="95000"/>
+                <a:satMod val="300000"/>
+                <a:alpha val="50000"/>
               </a:schemeClr>
-            </a:outerShdw>
+            </a:glow>
           </a:effectLst>
         </a:effectStyle>
         <a:effectStyle>
           <a:effectLst>
-            <a:outerShdw blurRad="57150" dist="38100" dir="5400000" algn="ctr" rotWithShape="0">
+            <a:glow rad="70000">
               <a:schemeClr val="phClr">
-                <a:shade val="9000"/>
-                <a:alpha val="48000"/>
-                <a:satMod val="105000"/>
+                <a:tint val="30000"/>
+                <a:shade val="95000"/>
+                <a:satMod val="300000"/>
+                <a:alpha val="50000"/>
               </a:schemeClr>
-            </a:outerShdw>
+            </a:glow>
           </a:effectLst>
         </a:effectStyle>
         <a:effectStyle>
           <a:effectLst>
-            <a:outerShdw blurRad="57150" dist="38100" dir="5400000" algn="ctr" rotWithShape="0">
+            <a:glow rad="76200">
               <a:schemeClr val="phClr">
-                <a:shade val="9000"/>
-                <a:alpha val="48000"/>
-                <a:satMod val="105000"/>
+                <a:tint val="30000"/>
+                <a:shade val="95000"/>
+                <a:satMod val="300000"/>
+                <a:alpha val="50000"/>
               </a:schemeClr>
-            </a:outerShdw>
+            </a:glow>
           </a:effectLst>
           <a:scene3d>
-            <a:camera prst="orthographicFront">
+            <a:camera prst="orthographicFront" fov="0">
               <a:rot lat="0" lon="0" rev="0"/>
             </a:camera>
-            <a:lightRig rig="glow" dir="tl">
-              <a:rot lat="0" lon="0" rev="900000"/>
+            <a:lightRig rig="harsh" dir="t">
+              <a:rot lat="6000000" lon="6000000" rev="0"/>
             </a:lightRig>
           </a:scene3d>
-          <a:sp3d prstMaterial="powder">
-            <a:bevelT w="25400" h="38100"/>
+          <a:sp3d contourW="10000" prstMaterial="metal">
+            <a:bevelT w="20000" h="9000" prst="softRound"/>
+            <a:contourClr>
+              <a:schemeClr val="phClr">
+                <a:shade val="30000"/>
+                <a:satMod val="200000"/>
+              </a:schemeClr>
+            </a:contourClr>
           </a:sp3d>
         </a:effectStyle>
       </a:effectStyleLst>
@@ -6300,42 +10068,44 @@
           <a:gsLst>
             <a:gs pos="0">
               <a:schemeClr val="phClr">
-                <a:tint val="80000"/>
-                <a:satMod val="400000"/>
+                <a:shade val="40000"/>
+                <a:satMod val="150000"/>
               </a:schemeClr>
             </a:gs>
-            <a:gs pos="25000">
+            <a:gs pos="30000">
               <a:schemeClr val="phClr">
-                <a:tint val="83000"/>
-                <a:satMod val="320000"/>
+                <a:shade val="60000"/>
+                <a:satMod val="150000"/>
               </a:schemeClr>
             </a:gs>
             <a:gs pos="100000">
               <a:schemeClr val="phClr">
-                <a:shade val="15000"/>
-                <a:satMod val="320000"/>
+                <a:tint val="83000"/>
+                <a:satMod val="200000"/>
+              </a:schemeClr>
+            </a:gs>
+          </a:gsLst>
+          <a:lin ang="13000000" scaled="0"/>
+        </a:gradFill>
+        <a:gradFill rotWithShape="1">
+          <a:gsLst>
+            <a:gs pos="0">
+              <a:schemeClr val="phClr">
+                <a:tint val="78000"/>
+                <a:satMod val="220000"/>
+              </a:schemeClr>
+            </a:gs>
+            <a:gs pos="100000">
+              <a:schemeClr val="phClr">
+                <a:shade val="35000"/>
+                <a:satMod val="155000"/>
               </a:schemeClr>
             </a:gs>
           </a:gsLst>
           <a:path path="circle">
-            <a:fillToRect l="10000" t="110000" r="10000" b="100000"/>
+            <a:fillToRect l="60000" t="50000" r="40000" b="50000"/>
           </a:path>
         </a:gradFill>
-        <a:blipFill>
-          <a:blip xmlns:r="http://schemas.openxmlformats.org/officeDocument/2006/relationships" r:embed="rId1">
-            <a:duotone>
-              <a:schemeClr val="phClr">
-                <a:shade val="90000"/>
-                <a:satMod val="150000"/>
-              </a:schemeClr>
-              <a:schemeClr val="phClr">
-                <a:tint val="88000"/>
-                <a:satMod val="150000"/>
-              </a:schemeClr>
-            </a:duotone>
-          </a:blip>
-          <a:tile tx="0" ty="0" sx="65000" sy="65000" flip="none" algn="tl"/>
-        </a:blipFill>
       </a:bgFillStyleLst>
     </a:fmtScheme>
   </a:themeElements>
